--- a/2016/2016 Robot/Programming/Garnet Squadron Autonomous Overview.pptx
+++ b/2016/2016 Robot/Programming/Garnet Squadron Autonomous Overview.pptx
@@ -4,11 +4,21 @@
   <p:sldMasterIdLst>
     <p:sldMasterId id="2147483648" r:id="rId1"/>
   </p:sldMasterIdLst>
+  <p:notesMasterIdLst>
+    <p:notesMasterId r:id="rId13"/>
+  </p:notesMasterIdLst>
   <p:sldIdLst>
     <p:sldId id="257" r:id="rId2"/>
     <p:sldId id="256" r:id="rId3"/>
     <p:sldId id="259" r:id="rId4"/>
-    <p:sldId id="258" r:id="rId5"/>
+    <p:sldId id="260" r:id="rId5"/>
+    <p:sldId id="261" r:id="rId6"/>
+    <p:sldId id="262" r:id="rId7"/>
+    <p:sldId id="263" r:id="rId8"/>
+    <p:sldId id="264" r:id="rId9"/>
+    <p:sldId id="265" r:id="rId10"/>
+    <p:sldId id="266" r:id="rId11"/>
+    <p:sldId id="267" r:id="rId12"/>
   </p:sldIdLst>
   <p:sldSz cx="12192000" cy="6858000"/>
   <p:notesSz cx="6858000" cy="9144000"/>
@@ -107,7 +117,950 @@
       </a:defRPr>
     </a:lvl9pPr>
   </p:defaultTextStyle>
+  <p:extLst>
+    <p:ext uri="{EFAFB233-063F-42B5-8137-9DF3F51BA10A}">
+      <p15:sldGuideLst xmlns:p15="http://schemas.microsoft.com/office/powerpoint/2012/main"/>
+    </p:ext>
+  </p:extLst>
 </p:presentation>
+</file>
+
+<file path=ppt/notesMasters/notesMaster1.xml><?xml version="1.0" encoding="utf-8"?>
+<p:notesMaster xmlns:a="http://schemas.openxmlformats.org/drawingml/2006/main" xmlns:r="http://schemas.openxmlformats.org/officeDocument/2006/relationships" xmlns:p="http://schemas.openxmlformats.org/presentationml/2006/main">
+  <p:cSld>
+    <p:bg>
+      <p:bgRef idx="1001">
+        <a:schemeClr val="bg1"/>
+      </p:bgRef>
+    </p:bg>
+    <p:spTree>
+      <p:nvGrpSpPr>
+        <p:cNvPr id="1" name=""/>
+        <p:cNvGrpSpPr/>
+        <p:nvPr/>
+      </p:nvGrpSpPr>
+      <p:grpSpPr>
+        <a:xfrm>
+          <a:off x="0" y="0"/>
+          <a:ext cx="0" cy="0"/>
+          <a:chOff x="0" y="0"/>
+          <a:chExt cx="0" cy="0"/>
+        </a:xfrm>
+      </p:grpSpPr>
+      <p:sp>
+        <p:nvSpPr>
+          <p:cNvPr id="2" name="Header Placeholder 1"/>
+          <p:cNvSpPr>
+            <a:spLocks noGrp="1"/>
+          </p:cNvSpPr>
+          <p:nvPr>
+            <p:ph type="hdr" sz="quarter"/>
+          </p:nvPr>
+        </p:nvSpPr>
+        <p:spPr>
+          <a:xfrm>
+            <a:off x="0" y="0"/>
+            <a:ext cx="2971800" cy="458788"/>
+          </a:xfrm>
+          <a:prstGeom prst="rect">
+            <a:avLst/>
+          </a:prstGeom>
+        </p:spPr>
+        <p:txBody>
+          <a:bodyPr vert="horz" lIns="91440" tIns="45720" rIns="91440" bIns="45720" rtlCol="0"/>
+          <a:lstStyle>
+            <a:lvl1pPr algn="l">
+              <a:defRPr sz="1200"/>
+            </a:lvl1pPr>
+          </a:lstStyle>
+          <a:p>
+            <a:endParaRPr lang="en-US"/>
+          </a:p>
+        </p:txBody>
+      </p:sp>
+      <p:sp>
+        <p:nvSpPr>
+          <p:cNvPr id="3" name="Date Placeholder 2"/>
+          <p:cNvSpPr>
+            <a:spLocks noGrp="1"/>
+          </p:cNvSpPr>
+          <p:nvPr>
+            <p:ph type="dt" idx="1"/>
+          </p:nvPr>
+        </p:nvSpPr>
+        <p:spPr>
+          <a:xfrm>
+            <a:off x="3884613" y="0"/>
+            <a:ext cx="2971800" cy="458788"/>
+          </a:xfrm>
+          <a:prstGeom prst="rect">
+            <a:avLst/>
+          </a:prstGeom>
+        </p:spPr>
+        <p:txBody>
+          <a:bodyPr vert="horz" lIns="91440" tIns="45720" rIns="91440" bIns="45720" rtlCol="0"/>
+          <a:lstStyle>
+            <a:lvl1pPr algn="r">
+              <a:defRPr sz="1200"/>
+            </a:lvl1pPr>
+          </a:lstStyle>
+          <a:p>
+            <a:fld id="{3E176B93-B1AD-476B-8144-ADAFDAC4BCEA}" type="datetimeFigureOut">
+              <a:rPr lang="en-US" smtClean="0"/>
+              <a:t>2/11/2016</a:t>
+            </a:fld>
+            <a:endParaRPr lang="en-US"/>
+          </a:p>
+        </p:txBody>
+      </p:sp>
+      <p:sp>
+        <p:nvSpPr>
+          <p:cNvPr id="4" name="Slide Image Placeholder 3"/>
+          <p:cNvSpPr>
+            <a:spLocks noGrp="1" noRot="1" noChangeAspect="1"/>
+          </p:cNvSpPr>
+          <p:nvPr>
+            <p:ph type="sldImg" idx="2"/>
+          </p:nvPr>
+        </p:nvSpPr>
+        <p:spPr>
+          <a:xfrm>
+            <a:off x="685800" y="1143000"/>
+            <a:ext cx="5486400" cy="3086100"/>
+          </a:xfrm>
+          <a:prstGeom prst="rect">
+            <a:avLst/>
+          </a:prstGeom>
+          <a:noFill/>
+          <a:ln w="12700">
+            <a:solidFill>
+              <a:prstClr val="black"/>
+            </a:solidFill>
+          </a:ln>
+        </p:spPr>
+        <p:txBody>
+          <a:bodyPr vert="horz" lIns="91440" tIns="45720" rIns="91440" bIns="45720" rtlCol="0" anchor="ctr"/>
+          <a:lstStyle/>
+          <a:p>
+            <a:endParaRPr lang="en-US"/>
+          </a:p>
+        </p:txBody>
+      </p:sp>
+      <p:sp>
+        <p:nvSpPr>
+          <p:cNvPr id="5" name="Notes Placeholder 4"/>
+          <p:cNvSpPr>
+            <a:spLocks noGrp="1"/>
+          </p:cNvSpPr>
+          <p:nvPr>
+            <p:ph type="body" sz="quarter" idx="3"/>
+          </p:nvPr>
+        </p:nvSpPr>
+        <p:spPr>
+          <a:xfrm>
+            <a:off x="685800" y="4400550"/>
+            <a:ext cx="5486400" cy="3600450"/>
+          </a:xfrm>
+          <a:prstGeom prst="rect">
+            <a:avLst/>
+          </a:prstGeom>
+        </p:spPr>
+        <p:txBody>
+          <a:bodyPr vert="horz" lIns="91440" tIns="45720" rIns="91440" bIns="45720" rtlCol="0"/>
+          <a:lstStyle/>
+          <a:p>
+            <a:pPr lvl="0"/>
+            <a:r>
+              <a:rPr lang="en-US" smtClean="0"/>
+              <a:t>Click to edit Master text styles</a:t>
+            </a:r>
+          </a:p>
+          <a:p>
+            <a:pPr lvl="1"/>
+            <a:r>
+              <a:rPr lang="en-US" smtClean="0"/>
+              <a:t>Second level</a:t>
+            </a:r>
+          </a:p>
+          <a:p>
+            <a:pPr lvl="2"/>
+            <a:r>
+              <a:rPr lang="en-US" smtClean="0"/>
+              <a:t>Third level</a:t>
+            </a:r>
+          </a:p>
+          <a:p>
+            <a:pPr lvl="3"/>
+            <a:r>
+              <a:rPr lang="en-US" smtClean="0"/>
+              <a:t>Fourth level</a:t>
+            </a:r>
+          </a:p>
+          <a:p>
+            <a:pPr lvl="4"/>
+            <a:r>
+              <a:rPr lang="en-US" smtClean="0"/>
+              <a:t>Fifth level</a:t>
+            </a:r>
+            <a:endParaRPr lang="en-US"/>
+          </a:p>
+        </p:txBody>
+      </p:sp>
+      <p:sp>
+        <p:nvSpPr>
+          <p:cNvPr id="6" name="Footer Placeholder 5"/>
+          <p:cNvSpPr>
+            <a:spLocks noGrp="1"/>
+          </p:cNvSpPr>
+          <p:nvPr>
+            <p:ph type="ftr" sz="quarter" idx="4"/>
+          </p:nvPr>
+        </p:nvSpPr>
+        <p:spPr>
+          <a:xfrm>
+            <a:off x="0" y="8685213"/>
+            <a:ext cx="2971800" cy="458787"/>
+          </a:xfrm>
+          <a:prstGeom prst="rect">
+            <a:avLst/>
+          </a:prstGeom>
+        </p:spPr>
+        <p:txBody>
+          <a:bodyPr vert="horz" lIns="91440" tIns="45720" rIns="91440" bIns="45720" rtlCol="0" anchor="b"/>
+          <a:lstStyle>
+            <a:lvl1pPr algn="l">
+              <a:defRPr sz="1200"/>
+            </a:lvl1pPr>
+          </a:lstStyle>
+          <a:p>
+            <a:endParaRPr lang="en-US"/>
+          </a:p>
+        </p:txBody>
+      </p:sp>
+      <p:sp>
+        <p:nvSpPr>
+          <p:cNvPr id="7" name="Slide Number Placeholder 6"/>
+          <p:cNvSpPr>
+            <a:spLocks noGrp="1"/>
+          </p:cNvSpPr>
+          <p:nvPr>
+            <p:ph type="sldNum" sz="quarter" idx="5"/>
+          </p:nvPr>
+        </p:nvSpPr>
+        <p:spPr>
+          <a:xfrm>
+            <a:off x="3884613" y="8685213"/>
+            <a:ext cx="2971800" cy="458787"/>
+          </a:xfrm>
+          <a:prstGeom prst="rect">
+            <a:avLst/>
+          </a:prstGeom>
+        </p:spPr>
+        <p:txBody>
+          <a:bodyPr vert="horz" lIns="91440" tIns="45720" rIns="91440" bIns="45720" rtlCol="0" anchor="b"/>
+          <a:lstStyle>
+            <a:lvl1pPr algn="r">
+              <a:defRPr sz="1200"/>
+            </a:lvl1pPr>
+          </a:lstStyle>
+          <a:p>
+            <a:fld id="{425071D7-E9FE-4A2E-A3B0-2D7625D474E0}" type="slidenum">
+              <a:rPr lang="en-US" smtClean="0"/>
+              <a:t>‹#›</a:t>
+            </a:fld>
+            <a:endParaRPr lang="en-US"/>
+          </a:p>
+        </p:txBody>
+      </p:sp>
+    </p:spTree>
+    <p:extLst>
+      <p:ext uri="{BB962C8B-B14F-4D97-AF65-F5344CB8AC3E}">
+        <p14:creationId xmlns:p14="http://schemas.microsoft.com/office/powerpoint/2010/main" val="3998639827"/>
+      </p:ext>
+    </p:extLst>
+  </p:cSld>
+  <p:clrMap bg1="lt1" tx1="dk1" bg2="lt2" tx2="dk2" accent1="accent1" accent2="accent2" accent3="accent3" accent4="accent4" accent5="accent5" accent6="accent6" hlink="hlink" folHlink="folHlink"/>
+  <p:notesStyle>
+    <a:lvl1pPr marL="0" algn="l" defTabSz="914400" rtl="0" eaLnBrk="1" latinLnBrk="0" hangingPunct="1">
+      <a:defRPr sz="1200" kern="1200">
+        <a:solidFill>
+          <a:schemeClr val="tx1"/>
+        </a:solidFill>
+        <a:latin typeface="+mn-lt"/>
+        <a:ea typeface="+mn-ea"/>
+        <a:cs typeface="+mn-cs"/>
+      </a:defRPr>
+    </a:lvl1pPr>
+    <a:lvl2pPr marL="457200" algn="l" defTabSz="914400" rtl="0" eaLnBrk="1" latinLnBrk="0" hangingPunct="1">
+      <a:defRPr sz="1200" kern="1200">
+        <a:solidFill>
+          <a:schemeClr val="tx1"/>
+        </a:solidFill>
+        <a:latin typeface="+mn-lt"/>
+        <a:ea typeface="+mn-ea"/>
+        <a:cs typeface="+mn-cs"/>
+      </a:defRPr>
+    </a:lvl2pPr>
+    <a:lvl3pPr marL="914400" algn="l" defTabSz="914400" rtl="0" eaLnBrk="1" latinLnBrk="0" hangingPunct="1">
+      <a:defRPr sz="1200" kern="1200">
+        <a:solidFill>
+          <a:schemeClr val="tx1"/>
+        </a:solidFill>
+        <a:latin typeface="+mn-lt"/>
+        <a:ea typeface="+mn-ea"/>
+        <a:cs typeface="+mn-cs"/>
+      </a:defRPr>
+    </a:lvl3pPr>
+    <a:lvl4pPr marL="1371600" algn="l" defTabSz="914400" rtl="0" eaLnBrk="1" latinLnBrk="0" hangingPunct="1">
+      <a:defRPr sz="1200" kern="1200">
+        <a:solidFill>
+          <a:schemeClr val="tx1"/>
+        </a:solidFill>
+        <a:latin typeface="+mn-lt"/>
+        <a:ea typeface="+mn-ea"/>
+        <a:cs typeface="+mn-cs"/>
+      </a:defRPr>
+    </a:lvl4pPr>
+    <a:lvl5pPr marL="1828800" algn="l" defTabSz="914400" rtl="0" eaLnBrk="1" latinLnBrk="0" hangingPunct="1">
+      <a:defRPr sz="1200" kern="1200">
+        <a:solidFill>
+          <a:schemeClr val="tx1"/>
+        </a:solidFill>
+        <a:latin typeface="+mn-lt"/>
+        <a:ea typeface="+mn-ea"/>
+        <a:cs typeface="+mn-cs"/>
+      </a:defRPr>
+    </a:lvl5pPr>
+    <a:lvl6pPr marL="2286000" algn="l" defTabSz="914400" rtl="0" eaLnBrk="1" latinLnBrk="0" hangingPunct="1">
+      <a:defRPr sz="1200" kern="1200">
+        <a:solidFill>
+          <a:schemeClr val="tx1"/>
+        </a:solidFill>
+        <a:latin typeface="+mn-lt"/>
+        <a:ea typeface="+mn-ea"/>
+        <a:cs typeface="+mn-cs"/>
+      </a:defRPr>
+    </a:lvl6pPr>
+    <a:lvl7pPr marL="2743200" algn="l" defTabSz="914400" rtl="0" eaLnBrk="1" latinLnBrk="0" hangingPunct="1">
+      <a:defRPr sz="1200" kern="1200">
+        <a:solidFill>
+          <a:schemeClr val="tx1"/>
+        </a:solidFill>
+        <a:latin typeface="+mn-lt"/>
+        <a:ea typeface="+mn-ea"/>
+        <a:cs typeface="+mn-cs"/>
+      </a:defRPr>
+    </a:lvl7pPr>
+    <a:lvl8pPr marL="3200400" algn="l" defTabSz="914400" rtl="0" eaLnBrk="1" latinLnBrk="0" hangingPunct="1">
+      <a:defRPr sz="1200" kern="1200">
+        <a:solidFill>
+          <a:schemeClr val="tx1"/>
+        </a:solidFill>
+        <a:latin typeface="+mn-lt"/>
+        <a:ea typeface="+mn-ea"/>
+        <a:cs typeface="+mn-cs"/>
+      </a:defRPr>
+    </a:lvl8pPr>
+    <a:lvl9pPr marL="3657600" algn="l" defTabSz="914400" rtl="0" eaLnBrk="1" latinLnBrk="0" hangingPunct="1">
+      <a:defRPr sz="1200" kern="1200">
+        <a:solidFill>
+          <a:schemeClr val="tx1"/>
+        </a:solidFill>
+        <a:latin typeface="+mn-lt"/>
+        <a:ea typeface="+mn-ea"/>
+        <a:cs typeface="+mn-cs"/>
+      </a:defRPr>
+    </a:lvl9pPr>
+  </p:notesStyle>
+</p:notesMaster>
+</file>
+
+<file path=ppt/notesSlides/notesSlide1.xml><?xml version="1.0" encoding="utf-8"?>
+<p:notes xmlns:a="http://schemas.openxmlformats.org/drawingml/2006/main" xmlns:r="http://schemas.openxmlformats.org/officeDocument/2006/relationships" xmlns:p="http://schemas.openxmlformats.org/presentationml/2006/main">
+  <p:cSld>
+    <p:spTree>
+      <p:nvGrpSpPr>
+        <p:cNvPr id="1" name=""/>
+        <p:cNvGrpSpPr/>
+        <p:nvPr/>
+      </p:nvGrpSpPr>
+      <p:grpSpPr>
+        <a:xfrm>
+          <a:off x="0" y="0"/>
+          <a:ext cx="0" cy="0"/>
+          <a:chOff x="0" y="0"/>
+          <a:chExt cx="0" cy="0"/>
+        </a:xfrm>
+      </p:grpSpPr>
+      <p:sp>
+        <p:nvSpPr>
+          <p:cNvPr id="2" name="Slide Image Placeholder 1"/>
+          <p:cNvSpPr>
+            <a:spLocks noGrp="1" noRot="1" noChangeAspect="1"/>
+          </p:cNvSpPr>
+          <p:nvPr>
+            <p:ph type="sldImg"/>
+          </p:nvPr>
+        </p:nvSpPr>
+        <p:spPr/>
+      </p:sp>
+      <p:sp>
+        <p:nvSpPr>
+          <p:cNvPr id="3" name="Notes Placeholder 2"/>
+          <p:cNvSpPr>
+            <a:spLocks noGrp="1"/>
+          </p:cNvSpPr>
+          <p:nvPr>
+            <p:ph type="body" idx="1"/>
+          </p:nvPr>
+        </p:nvSpPr>
+        <p:spPr/>
+        <p:txBody>
+          <a:bodyPr/>
+          <a:lstStyle/>
+          <a:p>
+            <a:endParaRPr lang="en-US"/>
+          </a:p>
+        </p:txBody>
+      </p:sp>
+      <p:sp>
+        <p:nvSpPr>
+          <p:cNvPr id="4" name="Slide Number Placeholder 3"/>
+          <p:cNvSpPr>
+            <a:spLocks noGrp="1"/>
+          </p:cNvSpPr>
+          <p:nvPr>
+            <p:ph type="sldNum" sz="quarter" idx="10"/>
+          </p:nvPr>
+        </p:nvSpPr>
+        <p:spPr/>
+        <p:txBody>
+          <a:bodyPr/>
+          <a:lstStyle/>
+          <a:p>
+            <a:fld id="{425071D7-E9FE-4A2E-A3B0-2D7625D474E0}" type="slidenum">
+              <a:rPr lang="en-US" smtClean="0"/>
+              <a:t>5</a:t>
+            </a:fld>
+            <a:endParaRPr lang="en-US"/>
+          </a:p>
+        </p:txBody>
+      </p:sp>
+    </p:spTree>
+    <p:extLst>
+      <p:ext uri="{BB962C8B-B14F-4D97-AF65-F5344CB8AC3E}">
+        <p14:creationId xmlns:p14="http://schemas.microsoft.com/office/powerpoint/2010/main" val="2436293790"/>
+      </p:ext>
+    </p:extLst>
+  </p:cSld>
+  <p:clrMapOvr>
+    <a:masterClrMapping/>
+  </p:clrMapOvr>
+</p:notes>
+</file>
+
+<file path=ppt/notesSlides/notesSlide2.xml><?xml version="1.0" encoding="utf-8"?>
+<p:notes xmlns:a="http://schemas.openxmlformats.org/drawingml/2006/main" xmlns:r="http://schemas.openxmlformats.org/officeDocument/2006/relationships" xmlns:p="http://schemas.openxmlformats.org/presentationml/2006/main">
+  <p:cSld>
+    <p:spTree>
+      <p:nvGrpSpPr>
+        <p:cNvPr id="1" name=""/>
+        <p:cNvGrpSpPr/>
+        <p:nvPr/>
+      </p:nvGrpSpPr>
+      <p:grpSpPr>
+        <a:xfrm>
+          <a:off x="0" y="0"/>
+          <a:ext cx="0" cy="0"/>
+          <a:chOff x="0" y="0"/>
+          <a:chExt cx="0" cy="0"/>
+        </a:xfrm>
+      </p:grpSpPr>
+      <p:sp>
+        <p:nvSpPr>
+          <p:cNvPr id="2" name="Slide Image Placeholder 1"/>
+          <p:cNvSpPr>
+            <a:spLocks noGrp="1" noRot="1" noChangeAspect="1"/>
+          </p:cNvSpPr>
+          <p:nvPr>
+            <p:ph type="sldImg"/>
+          </p:nvPr>
+        </p:nvSpPr>
+        <p:spPr/>
+      </p:sp>
+      <p:sp>
+        <p:nvSpPr>
+          <p:cNvPr id="3" name="Notes Placeholder 2"/>
+          <p:cNvSpPr>
+            <a:spLocks noGrp="1"/>
+          </p:cNvSpPr>
+          <p:nvPr>
+            <p:ph type="body" idx="1"/>
+          </p:nvPr>
+        </p:nvSpPr>
+        <p:spPr/>
+        <p:txBody>
+          <a:bodyPr/>
+          <a:lstStyle/>
+          <a:p>
+            <a:endParaRPr lang="en-US"/>
+          </a:p>
+        </p:txBody>
+      </p:sp>
+      <p:sp>
+        <p:nvSpPr>
+          <p:cNvPr id="4" name="Slide Number Placeholder 3"/>
+          <p:cNvSpPr>
+            <a:spLocks noGrp="1"/>
+          </p:cNvSpPr>
+          <p:nvPr>
+            <p:ph type="sldNum" sz="quarter" idx="10"/>
+          </p:nvPr>
+        </p:nvSpPr>
+        <p:spPr/>
+        <p:txBody>
+          <a:bodyPr/>
+          <a:lstStyle/>
+          <a:p>
+            <a:fld id="{425071D7-E9FE-4A2E-A3B0-2D7625D474E0}" type="slidenum">
+              <a:rPr lang="en-US" smtClean="0"/>
+              <a:t>6</a:t>
+            </a:fld>
+            <a:endParaRPr lang="en-US"/>
+          </a:p>
+        </p:txBody>
+      </p:sp>
+    </p:spTree>
+    <p:extLst>
+      <p:ext uri="{BB962C8B-B14F-4D97-AF65-F5344CB8AC3E}">
+        <p14:creationId xmlns:p14="http://schemas.microsoft.com/office/powerpoint/2010/main" val="1588534909"/>
+      </p:ext>
+    </p:extLst>
+  </p:cSld>
+  <p:clrMapOvr>
+    <a:masterClrMapping/>
+  </p:clrMapOvr>
+</p:notes>
+</file>
+
+<file path=ppt/notesSlides/notesSlide3.xml><?xml version="1.0" encoding="utf-8"?>
+<p:notes xmlns:a="http://schemas.openxmlformats.org/drawingml/2006/main" xmlns:r="http://schemas.openxmlformats.org/officeDocument/2006/relationships" xmlns:p="http://schemas.openxmlformats.org/presentationml/2006/main">
+  <p:cSld>
+    <p:spTree>
+      <p:nvGrpSpPr>
+        <p:cNvPr id="1" name=""/>
+        <p:cNvGrpSpPr/>
+        <p:nvPr/>
+      </p:nvGrpSpPr>
+      <p:grpSpPr>
+        <a:xfrm>
+          <a:off x="0" y="0"/>
+          <a:ext cx="0" cy="0"/>
+          <a:chOff x="0" y="0"/>
+          <a:chExt cx="0" cy="0"/>
+        </a:xfrm>
+      </p:grpSpPr>
+      <p:sp>
+        <p:nvSpPr>
+          <p:cNvPr id="2" name="Slide Image Placeholder 1"/>
+          <p:cNvSpPr>
+            <a:spLocks noGrp="1" noRot="1" noChangeAspect="1"/>
+          </p:cNvSpPr>
+          <p:nvPr>
+            <p:ph type="sldImg"/>
+          </p:nvPr>
+        </p:nvSpPr>
+        <p:spPr/>
+      </p:sp>
+      <p:sp>
+        <p:nvSpPr>
+          <p:cNvPr id="3" name="Notes Placeholder 2"/>
+          <p:cNvSpPr>
+            <a:spLocks noGrp="1"/>
+          </p:cNvSpPr>
+          <p:nvPr>
+            <p:ph type="body" idx="1"/>
+          </p:nvPr>
+        </p:nvSpPr>
+        <p:spPr/>
+        <p:txBody>
+          <a:bodyPr/>
+          <a:lstStyle/>
+          <a:p>
+            <a:endParaRPr lang="en-US"/>
+          </a:p>
+        </p:txBody>
+      </p:sp>
+      <p:sp>
+        <p:nvSpPr>
+          <p:cNvPr id="4" name="Slide Number Placeholder 3"/>
+          <p:cNvSpPr>
+            <a:spLocks noGrp="1"/>
+          </p:cNvSpPr>
+          <p:nvPr>
+            <p:ph type="sldNum" sz="quarter" idx="10"/>
+          </p:nvPr>
+        </p:nvSpPr>
+        <p:spPr/>
+        <p:txBody>
+          <a:bodyPr/>
+          <a:lstStyle/>
+          <a:p>
+            <a:fld id="{425071D7-E9FE-4A2E-A3B0-2D7625D474E0}" type="slidenum">
+              <a:rPr lang="en-US" smtClean="0"/>
+              <a:t>7</a:t>
+            </a:fld>
+            <a:endParaRPr lang="en-US"/>
+          </a:p>
+        </p:txBody>
+      </p:sp>
+    </p:spTree>
+    <p:extLst>
+      <p:ext uri="{BB962C8B-B14F-4D97-AF65-F5344CB8AC3E}">
+        <p14:creationId xmlns:p14="http://schemas.microsoft.com/office/powerpoint/2010/main" val="2862218502"/>
+      </p:ext>
+    </p:extLst>
+  </p:cSld>
+  <p:clrMapOvr>
+    <a:masterClrMapping/>
+  </p:clrMapOvr>
+</p:notes>
+</file>
+
+<file path=ppt/notesSlides/notesSlide4.xml><?xml version="1.0" encoding="utf-8"?>
+<p:notes xmlns:a="http://schemas.openxmlformats.org/drawingml/2006/main" xmlns:r="http://schemas.openxmlformats.org/officeDocument/2006/relationships" xmlns:p="http://schemas.openxmlformats.org/presentationml/2006/main">
+  <p:cSld>
+    <p:spTree>
+      <p:nvGrpSpPr>
+        <p:cNvPr id="1" name=""/>
+        <p:cNvGrpSpPr/>
+        <p:nvPr/>
+      </p:nvGrpSpPr>
+      <p:grpSpPr>
+        <a:xfrm>
+          <a:off x="0" y="0"/>
+          <a:ext cx="0" cy="0"/>
+          <a:chOff x="0" y="0"/>
+          <a:chExt cx="0" cy="0"/>
+        </a:xfrm>
+      </p:grpSpPr>
+      <p:sp>
+        <p:nvSpPr>
+          <p:cNvPr id="2" name="Slide Image Placeholder 1"/>
+          <p:cNvSpPr>
+            <a:spLocks noGrp="1" noRot="1" noChangeAspect="1"/>
+          </p:cNvSpPr>
+          <p:nvPr>
+            <p:ph type="sldImg"/>
+          </p:nvPr>
+        </p:nvSpPr>
+        <p:spPr/>
+      </p:sp>
+      <p:sp>
+        <p:nvSpPr>
+          <p:cNvPr id="3" name="Notes Placeholder 2"/>
+          <p:cNvSpPr>
+            <a:spLocks noGrp="1"/>
+          </p:cNvSpPr>
+          <p:nvPr>
+            <p:ph type="body" idx="1"/>
+          </p:nvPr>
+        </p:nvSpPr>
+        <p:spPr/>
+        <p:txBody>
+          <a:bodyPr/>
+          <a:lstStyle/>
+          <a:p>
+            <a:endParaRPr lang="en-US"/>
+          </a:p>
+        </p:txBody>
+      </p:sp>
+      <p:sp>
+        <p:nvSpPr>
+          <p:cNvPr id="4" name="Slide Number Placeholder 3"/>
+          <p:cNvSpPr>
+            <a:spLocks noGrp="1"/>
+          </p:cNvSpPr>
+          <p:nvPr>
+            <p:ph type="sldNum" sz="quarter" idx="10"/>
+          </p:nvPr>
+        </p:nvSpPr>
+        <p:spPr/>
+        <p:txBody>
+          <a:bodyPr/>
+          <a:lstStyle/>
+          <a:p>
+            <a:fld id="{425071D7-E9FE-4A2E-A3B0-2D7625D474E0}" type="slidenum">
+              <a:rPr lang="en-US" smtClean="0"/>
+              <a:t>8</a:t>
+            </a:fld>
+            <a:endParaRPr lang="en-US"/>
+          </a:p>
+        </p:txBody>
+      </p:sp>
+    </p:spTree>
+    <p:extLst>
+      <p:ext uri="{BB962C8B-B14F-4D97-AF65-F5344CB8AC3E}">
+        <p14:creationId xmlns:p14="http://schemas.microsoft.com/office/powerpoint/2010/main" val="2654133057"/>
+      </p:ext>
+    </p:extLst>
+  </p:cSld>
+  <p:clrMapOvr>
+    <a:masterClrMapping/>
+  </p:clrMapOvr>
+</p:notes>
+</file>
+
+<file path=ppt/notesSlides/notesSlide5.xml><?xml version="1.0" encoding="utf-8"?>
+<p:notes xmlns:a="http://schemas.openxmlformats.org/drawingml/2006/main" xmlns:r="http://schemas.openxmlformats.org/officeDocument/2006/relationships" xmlns:p="http://schemas.openxmlformats.org/presentationml/2006/main">
+  <p:cSld>
+    <p:spTree>
+      <p:nvGrpSpPr>
+        <p:cNvPr id="1" name=""/>
+        <p:cNvGrpSpPr/>
+        <p:nvPr/>
+      </p:nvGrpSpPr>
+      <p:grpSpPr>
+        <a:xfrm>
+          <a:off x="0" y="0"/>
+          <a:ext cx="0" cy="0"/>
+          <a:chOff x="0" y="0"/>
+          <a:chExt cx="0" cy="0"/>
+        </a:xfrm>
+      </p:grpSpPr>
+      <p:sp>
+        <p:nvSpPr>
+          <p:cNvPr id="2" name="Slide Image Placeholder 1"/>
+          <p:cNvSpPr>
+            <a:spLocks noGrp="1" noRot="1" noChangeAspect="1"/>
+          </p:cNvSpPr>
+          <p:nvPr>
+            <p:ph type="sldImg"/>
+          </p:nvPr>
+        </p:nvSpPr>
+        <p:spPr/>
+      </p:sp>
+      <p:sp>
+        <p:nvSpPr>
+          <p:cNvPr id="3" name="Notes Placeholder 2"/>
+          <p:cNvSpPr>
+            <a:spLocks noGrp="1"/>
+          </p:cNvSpPr>
+          <p:nvPr>
+            <p:ph type="body" idx="1"/>
+          </p:nvPr>
+        </p:nvSpPr>
+        <p:spPr/>
+        <p:txBody>
+          <a:bodyPr/>
+          <a:lstStyle/>
+          <a:p>
+            <a:endParaRPr lang="en-US"/>
+          </a:p>
+        </p:txBody>
+      </p:sp>
+      <p:sp>
+        <p:nvSpPr>
+          <p:cNvPr id="4" name="Slide Number Placeholder 3"/>
+          <p:cNvSpPr>
+            <a:spLocks noGrp="1"/>
+          </p:cNvSpPr>
+          <p:nvPr>
+            <p:ph type="sldNum" sz="quarter" idx="10"/>
+          </p:nvPr>
+        </p:nvSpPr>
+        <p:spPr/>
+        <p:txBody>
+          <a:bodyPr/>
+          <a:lstStyle/>
+          <a:p>
+            <a:fld id="{425071D7-E9FE-4A2E-A3B0-2D7625D474E0}" type="slidenum">
+              <a:rPr lang="en-US" smtClean="0"/>
+              <a:t>9</a:t>
+            </a:fld>
+            <a:endParaRPr lang="en-US"/>
+          </a:p>
+        </p:txBody>
+      </p:sp>
+    </p:spTree>
+    <p:extLst>
+      <p:ext uri="{BB962C8B-B14F-4D97-AF65-F5344CB8AC3E}">
+        <p14:creationId xmlns:p14="http://schemas.microsoft.com/office/powerpoint/2010/main" val="391217967"/>
+      </p:ext>
+    </p:extLst>
+  </p:cSld>
+  <p:clrMapOvr>
+    <a:masterClrMapping/>
+  </p:clrMapOvr>
+</p:notes>
+</file>
+
+<file path=ppt/notesSlides/notesSlide6.xml><?xml version="1.0" encoding="utf-8"?>
+<p:notes xmlns:a="http://schemas.openxmlformats.org/drawingml/2006/main" xmlns:r="http://schemas.openxmlformats.org/officeDocument/2006/relationships" xmlns:p="http://schemas.openxmlformats.org/presentationml/2006/main">
+  <p:cSld>
+    <p:spTree>
+      <p:nvGrpSpPr>
+        <p:cNvPr id="1" name=""/>
+        <p:cNvGrpSpPr/>
+        <p:nvPr/>
+      </p:nvGrpSpPr>
+      <p:grpSpPr>
+        <a:xfrm>
+          <a:off x="0" y="0"/>
+          <a:ext cx="0" cy="0"/>
+          <a:chOff x="0" y="0"/>
+          <a:chExt cx="0" cy="0"/>
+        </a:xfrm>
+      </p:grpSpPr>
+      <p:sp>
+        <p:nvSpPr>
+          <p:cNvPr id="2" name="Slide Image Placeholder 1"/>
+          <p:cNvSpPr>
+            <a:spLocks noGrp="1" noRot="1" noChangeAspect="1"/>
+          </p:cNvSpPr>
+          <p:nvPr>
+            <p:ph type="sldImg"/>
+          </p:nvPr>
+        </p:nvSpPr>
+        <p:spPr/>
+      </p:sp>
+      <p:sp>
+        <p:nvSpPr>
+          <p:cNvPr id="3" name="Notes Placeholder 2"/>
+          <p:cNvSpPr>
+            <a:spLocks noGrp="1"/>
+          </p:cNvSpPr>
+          <p:nvPr>
+            <p:ph type="body" idx="1"/>
+          </p:nvPr>
+        </p:nvSpPr>
+        <p:spPr/>
+        <p:txBody>
+          <a:bodyPr/>
+          <a:lstStyle/>
+          <a:p>
+            <a:endParaRPr lang="en-US"/>
+          </a:p>
+        </p:txBody>
+      </p:sp>
+      <p:sp>
+        <p:nvSpPr>
+          <p:cNvPr id="4" name="Slide Number Placeholder 3"/>
+          <p:cNvSpPr>
+            <a:spLocks noGrp="1"/>
+          </p:cNvSpPr>
+          <p:nvPr>
+            <p:ph type="sldNum" sz="quarter" idx="10"/>
+          </p:nvPr>
+        </p:nvSpPr>
+        <p:spPr/>
+        <p:txBody>
+          <a:bodyPr/>
+          <a:lstStyle/>
+          <a:p>
+            <a:fld id="{425071D7-E9FE-4A2E-A3B0-2D7625D474E0}" type="slidenum">
+              <a:rPr lang="en-US" smtClean="0"/>
+              <a:t>10</a:t>
+            </a:fld>
+            <a:endParaRPr lang="en-US"/>
+          </a:p>
+        </p:txBody>
+      </p:sp>
+    </p:spTree>
+    <p:extLst>
+      <p:ext uri="{BB962C8B-B14F-4D97-AF65-F5344CB8AC3E}">
+        <p14:creationId xmlns:p14="http://schemas.microsoft.com/office/powerpoint/2010/main" val="1169357763"/>
+      </p:ext>
+    </p:extLst>
+  </p:cSld>
+  <p:clrMapOvr>
+    <a:masterClrMapping/>
+  </p:clrMapOvr>
+</p:notes>
+</file>
+
+<file path=ppt/notesSlides/notesSlide7.xml><?xml version="1.0" encoding="utf-8"?>
+<p:notes xmlns:a="http://schemas.openxmlformats.org/drawingml/2006/main" xmlns:r="http://schemas.openxmlformats.org/officeDocument/2006/relationships" xmlns:p="http://schemas.openxmlformats.org/presentationml/2006/main">
+  <p:cSld>
+    <p:spTree>
+      <p:nvGrpSpPr>
+        <p:cNvPr id="1" name=""/>
+        <p:cNvGrpSpPr/>
+        <p:nvPr/>
+      </p:nvGrpSpPr>
+      <p:grpSpPr>
+        <a:xfrm>
+          <a:off x="0" y="0"/>
+          <a:ext cx="0" cy="0"/>
+          <a:chOff x="0" y="0"/>
+          <a:chExt cx="0" cy="0"/>
+        </a:xfrm>
+      </p:grpSpPr>
+      <p:sp>
+        <p:nvSpPr>
+          <p:cNvPr id="2" name="Slide Image Placeholder 1"/>
+          <p:cNvSpPr>
+            <a:spLocks noGrp="1" noRot="1" noChangeAspect="1"/>
+          </p:cNvSpPr>
+          <p:nvPr>
+            <p:ph type="sldImg"/>
+          </p:nvPr>
+        </p:nvSpPr>
+        <p:spPr/>
+      </p:sp>
+      <p:sp>
+        <p:nvSpPr>
+          <p:cNvPr id="3" name="Notes Placeholder 2"/>
+          <p:cNvSpPr>
+            <a:spLocks noGrp="1"/>
+          </p:cNvSpPr>
+          <p:nvPr>
+            <p:ph type="body" idx="1"/>
+          </p:nvPr>
+        </p:nvSpPr>
+        <p:spPr/>
+        <p:txBody>
+          <a:bodyPr/>
+          <a:lstStyle/>
+          <a:p>
+            <a:endParaRPr lang="en-US"/>
+          </a:p>
+        </p:txBody>
+      </p:sp>
+      <p:sp>
+        <p:nvSpPr>
+          <p:cNvPr id="4" name="Slide Number Placeholder 3"/>
+          <p:cNvSpPr>
+            <a:spLocks noGrp="1"/>
+          </p:cNvSpPr>
+          <p:nvPr>
+            <p:ph type="sldNum" sz="quarter" idx="10"/>
+          </p:nvPr>
+        </p:nvSpPr>
+        <p:spPr/>
+        <p:txBody>
+          <a:bodyPr/>
+          <a:lstStyle/>
+          <a:p>
+            <a:fld id="{425071D7-E9FE-4A2E-A3B0-2D7625D474E0}" type="slidenum">
+              <a:rPr lang="en-US" smtClean="0"/>
+              <a:t>11</a:t>
+            </a:fld>
+            <a:endParaRPr lang="en-US"/>
+          </a:p>
+        </p:txBody>
+      </p:sp>
+    </p:spTree>
+    <p:extLst>
+      <p:ext uri="{BB962C8B-B14F-4D97-AF65-F5344CB8AC3E}">
+        <p14:creationId xmlns:p14="http://schemas.microsoft.com/office/powerpoint/2010/main" val="2975855566"/>
+      </p:ext>
+    </p:extLst>
+  </p:cSld>
+  <p:clrMapOvr>
+    <a:masterClrMapping/>
+  </p:clrMapOvr>
+</p:notes>
 </file>
 
 <file path=ppt/slideLayouts/slideLayout1.xml><?xml version="1.0" encoding="utf-8"?>
@@ -241,7 +1194,7 @@
           <a:p>
             <a:fld id="{B92A333E-E70E-422D-B9AD-2F30A6ED7E78}" type="datetimeFigureOut">
               <a:rPr lang="en-US" smtClean="0"/>
-              <a:t>2/10/2016</a:t>
+              <a:t>2/11/2016</a:t>
             </a:fld>
             <a:endParaRPr lang="en-US"/>
           </a:p>
@@ -411,7 +1364,7 @@
           <a:p>
             <a:fld id="{B92A333E-E70E-422D-B9AD-2F30A6ED7E78}" type="datetimeFigureOut">
               <a:rPr lang="en-US" smtClean="0"/>
-              <a:t>2/10/2016</a:t>
+              <a:t>2/11/2016</a:t>
             </a:fld>
             <a:endParaRPr lang="en-US"/>
           </a:p>
@@ -591,7 +1544,7 @@
           <a:p>
             <a:fld id="{B92A333E-E70E-422D-B9AD-2F30A6ED7E78}" type="datetimeFigureOut">
               <a:rPr lang="en-US" smtClean="0"/>
-              <a:t>2/10/2016</a:t>
+              <a:t>2/11/2016</a:t>
             </a:fld>
             <a:endParaRPr lang="en-US"/>
           </a:p>
@@ -761,7 +1714,7 @@
           <a:p>
             <a:fld id="{B92A333E-E70E-422D-B9AD-2F30A6ED7E78}" type="datetimeFigureOut">
               <a:rPr lang="en-US" smtClean="0"/>
-              <a:t>2/10/2016</a:t>
+              <a:t>2/11/2016</a:t>
             </a:fld>
             <a:endParaRPr lang="en-US"/>
           </a:p>
@@ -1007,7 +1960,7 @@
           <a:p>
             <a:fld id="{B92A333E-E70E-422D-B9AD-2F30A6ED7E78}" type="datetimeFigureOut">
               <a:rPr lang="en-US" smtClean="0"/>
-              <a:t>2/10/2016</a:t>
+              <a:t>2/11/2016</a:t>
             </a:fld>
             <a:endParaRPr lang="en-US"/>
           </a:p>
@@ -1239,7 +2192,7 @@
           <a:p>
             <a:fld id="{B92A333E-E70E-422D-B9AD-2F30A6ED7E78}" type="datetimeFigureOut">
               <a:rPr lang="en-US" smtClean="0"/>
-              <a:t>2/10/2016</a:t>
+              <a:t>2/11/2016</a:t>
             </a:fld>
             <a:endParaRPr lang="en-US"/>
           </a:p>
@@ -1606,7 +2559,7 @@
           <a:p>
             <a:fld id="{B92A333E-E70E-422D-B9AD-2F30A6ED7E78}" type="datetimeFigureOut">
               <a:rPr lang="en-US" smtClean="0"/>
-              <a:t>2/10/2016</a:t>
+              <a:t>2/11/2016</a:t>
             </a:fld>
             <a:endParaRPr lang="en-US"/>
           </a:p>
@@ -1724,7 +2677,7 @@
           <a:p>
             <a:fld id="{B92A333E-E70E-422D-B9AD-2F30A6ED7E78}" type="datetimeFigureOut">
               <a:rPr lang="en-US" smtClean="0"/>
-              <a:t>2/10/2016</a:t>
+              <a:t>2/11/2016</a:t>
             </a:fld>
             <a:endParaRPr lang="en-US"/>
           </a:p>
@@ -1819,7 +2772,7 @@
           <a:p>
             <a:fld id="{B92A333E-E70E-422D-B9AD-2F30A6ED7E78}" type="datetimeFigureOut">
               <a:rPr lang="en-US" smtClean="0"/>
-              <a:t>2/10/2016</a:t>
+              <a:t>2/11/2016</a:t>
             </a:fld>
             <a:endParaRPr lang="en-US"/>
           </a:p>
@@ -2096,7 +3049,7 @@
           <a:p>
             <a:fld id="{B92A333E-E70E-422D-B9AD-2F30A6ED7E78}" type="datetimeFigureOut">
               <a:rPr lang="en-US" smtClean="0"/>
-              <a:t>2/10/2016</a:t>
+              <a:t>2/11/2016</a:t>
             </a:fld>
             <a:endParaRPr lang="en-US"/>
           </a:p>
@@ -2349,7 +3302,7 @@
           <a:p>
             <a:fld id="{B92A333E-E70E-422D-B9AD-2F30A6ED7E78}" type="datetimeFigureOut">
               <a:rPr lang="en-US" smtClean="0"/>
-              <a:t>2/10/2016</a:t>
+              <a:t>2/11/2016</a:t>
             </a:fld>
             <a:endParaRPr lang="en-US"/>
           </a:p>
@@ -2562,7 +3515,7 @@
           <a:p>
             <a:fld id="{B92A333E-E70E-422D-B9AD-2F30A6ED7E78}" type="datetimeFigureOut">
               <a:rPr lang="en-US" smtClean="0"/>
-              <a:t>2/10/2016</a:t>
+              <a:t>2/11/2016</a:t>
             </a:fld>
             <a:endParaRPr lang="en-US"/>
           </a:p>
@@ -3040,6 +3993,1439 @@
 </p:sld>
 </file>
 
+<file path=ppt/slides/slide10.xml><?xml version="1.0" encoding="utf-8"?>
+<p:sld xmlns:a="http://schemas.openxmlformats.org/drawingml/2006/main" xmlns:r="http://schemas.openxmlformats.org/officeDocument/2006/relationships" xmlns:p="http://schemas.openxmlformats.org/presentationml/2006/main">
+  <p:cSld>
+    <p:spTree>
+      <p:nvGrpSpPr>
+        <p:cNvPr id="1" name=""/>
+        <p:cNvGrpSpPr/>
+        <p:nvPr/>
+      </p:nvGrpSpPr>
+      <p:grpSpPr>
+        <a:xfrm>
+          <a:off x="0" y="0"/>
+          <a:ext cx="0" cy="0"/>
+          <a:chOff x="0" y="0"/>
+          <a:chExt cx="0" cy="0"/>
+        </a:xfrm>
+      </p:grpSpPr>
+      <p:pic>
+        <p:nvPicPr>
+          <p:cNvPr id="5" name="Picture 4"/>
+          <p:cNvPicPr>
+            <a:picLocks noChangeAspect="1"/>
+          </p:cNvPicPr>
+          <p:nvPr/>
+        </p:nvPicPr>
+        <p:blipFill>
+          <a:blip r:embed="rId3"/>
+          <a:stretch>
+            <a:fillRect/>
+          </a:stretch>
+        </p:blipFill>
+        <p:spPr>
+          <a:xfrm>
+            <a:off x="0" y="1218574"/>
+            <a:ext cx="12192000" cy="5639426"/>
+          </a:xfrm>
+          <a:prstGeom prst="rect">
+            <a:avLst/>
+          </a:prstGeom>
+        </p:spPr>
+      </p:pic>
+      <p:sp>
+        <p:nvSpPr>
+          <p:cNvPr id="3" name="TextBox 2"/>
+          <p:cNvSpPr txBox="1"/>
+          <p:nvPr/>
+        </p:nvSpPr>
+        <p:spPr>
+          <a:xfrm>
+            <a:off x="172934" y="32097"/>
+            <a:ext cx="10759132" cy="1600438"/>
+          </a:xfrm>
+          <a:prstGeom prst="rect">
+            <a:avLst/>
+          </a:prstGeom>
+          <a:noFill/>
+        </p:spPr>
+        <p:txBody>
+          <a:bodyPr wrap="square" rtlCol="0">
+            <a:spAutoFit/>
+          </a:bodyPr>
+          <a:lstStyle/>
+          <a:p>
+            <a:r>
+              <a:rPr lang="en-US" sz="1400" dirty="0" smtClean="0"/>
+              <a:t>How do they work?</a:t>
+            </a:r>
+          </a:p>
+          <a:p>
+            <a:pPr marL="342900" indent="-342900">
+              <a:buAutoNum type="arabicParenR"/>
+            </a:pPr>
+            <a:r>
+              <a:rPr lang="en-US" sz="1400" dirty="0" smtClean="0"/>
+              <a:t>We have a 5 selector switch</a:t>
+            </a:r>
+          </a:p>
+          <a:p>
+            <a:pPr marL="800100" lvl="1" indent="-342900">
+              <a:buAutoNum type="arabicParenR"/>
+            </a:pPr>
+            <a:r>
+              <a:rPr lang="en-US" sz="1400" dirty="0" smtClean="0"/>
+              <a:t>Off</a:t>
+            </a:r>
+          </a:p>
+          <a:p>
+            <a:pPr marL="800100" lvl="1" indent="-342900">
+              <a:buAutoNum type="arabicParenR"/>
+            </a:pPr>
+            <a:r>
+              <a:rPr lang="en-US" sz="1400" b="1" dirty="0" smtClean="0"/>
+              <a:t>Just cross (don’t shoot)</a:t>
+            </a:r>
+          </a:p>
+          <a:p>
+            <a:pPr marL="800100" lvl="1" indent="-342900">
+              <a:buAutoNum type="arabicParenR"/>
+            </a:pPr>
+            <a:r>
+              <a:rPr lang="en-US" sz="1400" dirty="0" smtClean="0"/>
+              <a:t>Shoot after crossing defense 1 or 2</a:t>
+            </a:r>
+          </a:p>
+          <a:p>
+            <a:pPr marL="800100" lvl="1" indent="-342900">
+              <a:buAutoNum type="arabicParenR"/>
+            </a:pPr>
+            <a:r>
+              <a:rPr lang="en-US" sz="1400" dirty="0"/>
+              <a:t>Shoot after crossing defense 3 </a:t>
+            </a:r>
+            <a:r>
+              <a:rPr lang="en-US" sz="1400" dirty="0" smtClean="0"/>
+              <a:t>or</a:t>
+            </a:r>
+            <a:r>
+              <a:rPr lang="en-US" sz="1400" dirty="0" smtClean="0"/>
+              <a:t> 4</a:t>
+            </a:r>
+          </a:p>
+          <a:p>
+            <a:pPr marL="800100" lvl="1" indent="-342900">
+              <a:buAutoNum type="arabicParenR"/>
+            </a:pPr>
+            <a:r>
+              <a:rPr lang="en-US" sz="1400" dirty="0"/>
+              <a:t>Shoot after crossing defense </a:t>
+            </a:r>
+            <a:r>
+              <a:rPr lang="en-US" sz="1400" dirty="0" smtClean="0"/>
+              <a:t>5</a:t>
+            </a:r>
+            <a:endParaRPr lang="en-US" sz="1400" dirty="0" smtClean="0"/>
+          </a:p>
+        </p:txBody>
+      </p:sp>
+      <p:grpSp>
+        <p:nvGrpSpPr>
+          <p:cNvPr id="4" name="Group 3"/>
+          <p:cNvGrpSpPr/>
+          <p:nvPr/>
+        </p:nvGrpSpPr>
+        <p:grpSpPr>
+          <a:xfrm rot="16200000">
+            <a:off x="5475799" y="2604060"/>
+            <a:ext cx="354227" cy="619897"/>
+            <a:chOff x="4950941" y="24714"/>
+            <a:chExt cx="790832" cy="1383956"/>
+          </a:xfrm>
+        </p:grpSpPr>
+        <p:sp>
+          <p:nvSpPr>
+            <p:cNvPr id="6" name="Octagon 5"/>
+            <p:cNvSpPr/>
+            <p:nvPr/>
+          </p:nvSpPr>
+          <p:spPr>
+            <a:xfrm>
+              <a:off x="4950941" y="395416"/>
+              <a:ext cx="790832" cy="1013254"/>
+            </a:xfrm>
+            <a:prstGeom prst="octagon">
+              <a:avLst/>
+            </a:prstGeom>
+          </p:spPr>
+          <p:style>
+            <a:lnRef idx="2">
+              <a:schemeClr val="accent1">
+                <a:shade val="50000"/>
+              </a:schemeClr>
+            </a:lnRef>
+            <a:fillRef idx="1">
+              <a:schemeClr val="accent1"/>
+            </a:fillRef>
+            <a:effectRef idx="0">
+              <a:schemeClr val="accent1"/>
+            </a:effectRef>
+            <a:fontRef idx="minor">
+              <a:schemeClr val="lt1"/>
+            </a:fontRef>
+          </p:style>
+          <p:txBody>
+            <a:bodyPr rtlCol="0" anchor="ctr"/>
+            <a:lstStyle/>
+            <a:p>
+              <a:pPr algn="ctr"/>
+              <a:endParaRPr lang="en-US"/>
+            </a:p>
+          </p:txBody>
+        </p:sp>
+        <p:sp>
+          <p:nvSpPr>
+            <p:cNvPr id="7" name="Moon 6"/>
+            <p:cNvSpPr/>
+            <p:nvPr/>
+          </p:nvSpPr>
+          <p:spPr>
+            <a:xfrm rot="16200000">
+              <a:off x="5161006" y="-160637"/>
+              <a:ext cx="370702" cy="741404"/>
+            </a:xfrm>
+            <a:prstGeom prst="moon">
+              <a:avLst/>
+            </a:prstGeom>
+          </p:spPr>
+          <p:style>
+            <a:lnRef idx="2">
+              <a:schemeClr val="accent1">
+                <a:shade val="50000"/>
+              </a:schemeClr>
+            </a:lnRef>
+            <a:fillRef idx="1">
+              <a:schemeClr val="accent1"/>
+            </a:fillRef>
+            <a:effectRef idx="0">
+              <a:schemeClr val="accent1"/>
+            </a:effectRef>
+            <a:fontRef idx="minor">
+              <a:schemeClr val="lt1"/>
+            </a:fontRef>
+          </p:style>
+          <p:txBody>
+            <a:bodyPr rtlCol="0" anchor="ctr"/>
+            <a:lstStyle/>
+            <a:p>
+              <a:pPr algn="ctr"/>
+              <a:endParaRPr lang="en-US"/>
+            </a:p>
+          </p:txBody>
+        </p:sp>
+      </p:grpSp>
+    </p:spTree>
+    <p:extLst>
+      <p:ext uri="{BB962C8B-B14F-4D97-AF65-F5344CB8AC3E}">
+        <p14:creationId xmlns:p14="http://schemas.microsoft.com/office/powerpoint/2010/main" val="943427101"/>
+      </p:ext>
+    </p:extLst>
+  </p:cSld>
+  <p:clrMapOvr>
+    <a:masterClrMapping/>
+  </p:clrMapOvr>
+  <p:timing>
+    <p:tnLst>
+      <p:par>
+        <p:cTn id="1" dur="indefinite" restart="never" nodeType="tmRoot">
+          <p:childTnLst>
+            <p:seq concurrent="1" nextAc="seek">
+              <p:cTn id="2" dur="indefinite" nodeType="mainSeq">
+                <p:childTnLst>
+                  <p:par>
+                    <p:cTn id="3" fill="hold">
+                      <p:stCondLst>
+                        <p:cond delay="indefinite"/>
+                      </p:stCondLst>
+                      <p:childTnLst>
+                        <p:par>
+                          <p:cTn id="4" fill="hold">
+                            <p:stCondLst>
+                              <p:cond delay="0"/>
+                            </p:stCondLst>
+                            <p:childTnLst>
+                              <p:par>
+                                <p:cTn id="5" presetID="0" presetClass="path" presetSubtype="0" accel="50000" decel="50000" fill="hold" nodeType="clickEffect">
+                                  <p:stCondLst>
+                                    <p:cond delay="0"/>
+                                  </p:stCondLst>
+                                  <p:childTnLst>
+                                    <p:animMotion origin="layout" path="M 4.58333E-6 -1.11111E-6 L 4.58333E-6 -1.11111E-6 C -0.01172 0.00231 -0.00157 0.00116 -0.0155 -1.11111E-6 C -0.02383 -0.00069 -0.03216 -0.00069 -0.0405 -0.00139 C -0.04987 -0.00208 -0.05912 -0.00301 -0.06849 -0.00394 C -0.06875 -0.00532 -0.06901 -0.00648 -0.06914 -0.00787 C -0.06953 -0.00995 -0.06901 -0.01273 -0.06992 -0.01435 C -0.07045 -0.01528 -0.07045 -0.01181 -0.07071 -0.01042 C -0.07253 0.00069 -0.07084 -0.0037 -0.07435 0.00255 C -0.07487 0.00139 -0.07552 -1.11111E-6 -0.07578 -0.00139 C -0.07644 -0.00394 -0.07735 -0.00926 -0.07735 -0.00926 C -0.078 -0.00833 -0.07891 -0.00787 -0.07956 -0.00648 C -0.08229 -0.00023 -0.07761 -0.00417 -0.08242 -0.00139 C -0.08295 -0.00255 -0.08347 -0.00394 -0.08386 -0.00532 C -0.08425 -0.00648 -0.08425 -0.0081 -0.08464 -0.00926 C -0.08503 -0.01019 -0.08568 -0.01088 -0.08607 -0.01181 C -0.08972 -0.00556 -0.08529 -0.01343 -0.08907 -0.00532 C -0.08946 -0.0044 -0.09011 -0.00347 -0.0905 -0.00255 C -0.09245 -0.00486 -0.09323 -0.00509 -0.09427 -0.00926 C -0.09597 -0.0162 -0.09336 -0.01343 -0.09714 -0.01574 C -0.10078 -0.00926 -0.09909 -0.0088 -0.10235 -0.01435 C -0.10417 -0.02454 -0.10144 -0.01227 -0.10456 -0.01042 L -0.10677 -0.00926 C -0.10821 -0.00972 -0.1099 -0.01181 -0.11107 -0.01042 C -0.11133 -0.01019 -0.10977 -0.00208 -0.10964 -0.00139 C -0.11524 0.00185 -0.1086 -0.00278 -0.11328 0.00393 C -0.11394 0.00486 -0.11485 0.00486 -0.1155 0.00532 C -0.11576 0.00509 -0.12019 0.00324 -0.12071 0.00255 C -0.12136 0.00162 -0.12136 -0.00093 -0.12214 -0.00139 C -0.12604 -0.00278 -0.12995 -0.00232 -0.13399 -0.00255 C -0.1763 -0.00116 -0.15742 -0.00139 -0.1905 -0.00139 " pathEditMode="relative" ptsTypes="AAAAAAAAAAAAAAAAAAAAAAAAAAAAAAA">
+                                      <p:cBhvr>
+                                        <p:cTn id="6" dur="2000" fill="hold"/>
+                                        <p:tgtEl>
+                                          <p:spTgt spid="4"/>
+                                        </p:tgtEl>
+                                        <p:attrNameLst>
+                                          <p:attrName>ppt_x</p:attrName>
+                                          <p:attrName>ppt_y</p:attrName>
+                                        </p:attrNameLst>
+                                      </p:cBhvr>
+                                    </p:animMotion>
+                                  </p:childTnLst>
+                                </p:cTn>
+                              </p:par>
+                            </p:childTnLst>
+                          </p:cTn>
+                        </p:par>
+                      </p:childTnLst>
+                    </p:cTn>
+                  </p:par>
+                </p:childTnLst>
+              </p:cTn>
+              <p:prevCondLst>
+                <p:cond evt="onPrev" delay="0">
+                  <p:tgtEl>
+                    <p:sldTgt/>
+                  </p:tgtEl>
+                </p:cond>
+              </p:prevCondLst>
+              <p:nextCondLst>
+                <p:cond evt="onNext" delay="0">
+                  <p:tgtEl>
+                    <p:sldTgt/>
+                  </p:tgtEl>
+                </p:cond>
+              </p:nextCondLst>
+            </p:seq>
+          </p:childTnLst>
+        </p:cTn>
+      </p:par>
+    </p:tnLst>
+  </p:timing>
+</p:sld>
+</file>
+
+<file path=ppt/slides/slide11.xml><?xml version="1.0" encoding="utf-8"?>
+<p:sld xmlns:a="http://schemas.openxmlformats.org/drawingml/2006/main" xmlns:r="http://schemas.openxmlformats.org/officeDocument/2006/relationships" xmlns:p="http://schemas.openxmlformats.org/presentationml/2006/main">
+  <p:cSld>
+    <p:spTree>
+      <p:nvGrpSpPr>
+        <p:cNvPr id="1" name=""/>
+        <p:cNvGrpSpPr/>
+        <p:nvPr/>
+      </p:nvGrpSpPr>
+      <p:grpSpPr>
+        <a:xfrm>
+          <a:off x="0" y="0"/>
+          <a:ext cx="0" cy="0"/>
+          <a:chOff x="0" y="0"/>
+          <a:chExt cx="0" cy="0"/>
+        </a:xfrm>
+      </p:grpSpPr>
+      <p:pic>
+        <p:nvPicPr>
+          <p:cNvPr id="5" name="Picture 4"/>
+          <p:cNvPicPr>
+            <a:picLocks noChangeAspect="1"/>
+          </p:cNvPicPr>
+          <p:nvPr/>
+        </p:nvPicPr>
+        <p:blipFill>
+          <a:blip r:embed="rId3"/>
+          <a:stretch>
+            <a:fillRect/>
+          </a:stretch>
+        </p:blipFill>
+        <p:spPr>
+          <a:xfrm>
+            <a:off x="0" y="1218574"/>
+            <a:ext cx="12192000" cy="5639426"/>
+          </a:xfrm>
+          <a:prstGeom prst="rect">
+            <a:avLst/>
+          </a:prstGeom>
+        </p:spPr>
+      </p:pic>
+      <p:sp>
+        <p:nvSpPr>
+          <p:cNvPr id="3" name="TextBox 2"/>
+          <p:cNvSpPr txBox="1"/>
+          <p:nvPr/>
+        </p:nvSpPr>
+        <p:spPr>
+          <a:xfrm>
+            <a:off x="172934" y="32097"/>
+            <a:ext cx="10759132" cy="1600438"/>
+          </a:xfrm>
+          <a:prstGeom prst="rect">
+            <a:avLst/>
+          </a:prstGeom>
+          <a:noFill/>
+        </p:spPr>
+        <p:txBody>
+          <a:bodyPr wrap="square" rtlCol="0">
+            <a:spAutoFit/>
+          </a:bodyPr>
+          <a:lstStyle/>
+          <a:p>
+            <a:r>
+              <a:rPr lang="en-US" sz="1400" dirty="0" smtClean="0"/>
+              <a:t>How do they work?</a:t>
+            </a:r>
+          </a:p>
+          <a:p>
+            <a:pPr marL="342900" indent="-342900">
+              <a:buAutoNum type="arabicParenR"/>
+            </a:pPr>
+            <a:r>
+              <a:rPr lang="en-US" sz="1400" dirty="0" smtClean="0"/>
+              <a:t>We have a 5 selector switch</a:t>
+            </a:r>
+          </a:p>
+          <a:p>
+            <a:pPr marL="800100" lvl="1" indent="-342900">
+              <a:buAutoNum type="arabicParenR"/>
+            </a:pPr>
+            <a:r>
+              <a:rPr lang="en-US" sz="1400" dirty="0" smtClean="0"/>
+              <a:t>Off</a:t>
+            </a:r>
+          </a:p>
+          <a:p>
+            <a:pPr marL="800100" lvl="1" indent="-342900">
+              <a:buAutoNum type="arabicParenR"/>
+            </a:pPr>
+            <a:r>
+              <a:rPr lang="en-US" sz="1400" dirty="0" smtClean="0"/>
+              <a:t>Just cross (don’t shoot)</a:t>
+            </a:r>
+          </a:p>
+          <a:p>
+            <a:pPr marL="800100" lvl="1" indent="-342900">
+              <a:buAutoNum type="arabicParenR"/>
+            </a:pPr>
+            <a:r>
+              <a:rPr lang="en-US" sz="1400" b="1" dirty="0" smtClean="0"/>
+              <a:t>Shoot after crossing defense 1 or 2</a:t>
+            </a:r>
+          </a:p>
+          <a:p>
+            <a:pPr marL="800100" lvl="1" indent="-342900">
+              <a:buAutoNum type="arabicParenR"/>
+            </a:pPr>
+            <a:r>
+              <a:rPr lang="en-US" sz="1400" dirty="0"/>
+              <a:t>Shoot after crossing defense 3 </a:t>
+            </a:r>
+            <a:r>
+              <a:rPr lang="en-US" sz="1400" dirty="0" smtClean="0"/>
+              <a:t>or</a:t>
+            </a:r>
+            <a:r>
+              <a:rPr lang="en-US" sz="1400" dirty="0" smtClean="0"/>
+              <a:t> 4</a:t>
+            </a:r>
+          </a:p>
+          <a:p>
+            <a:pPr marL="800100" lvl="1" indent="-342900">
+              <a:buAutoNum type="arabicParenR"/>
+            </a:pPr>
+            <a:r>
+              <a:rPr lang="en-US" sz="1400" dirty="0"/>
+              <a:t>Shoot after crossing defense </a:t>
+            </a:r>
+            <a:r>
+              <a:rPr lang="en-US" sz="1400" dirty="0" smtClean="0"/>
+              <a:t>5</a:t>
+            </a:r>
+            <a:endParaRPr lang="en-US" sz="1400" dirty="0" smtClean="0"/>
+          </a:p>
+        </p:txBody>
+      </p:sp>
+      <p:cxnSp>
+        <p:nvCxnSpPr>
+          <p:cNvPr id="11" name="Straight Arrow Connector 10"/>
+          <p:cNvCxnSpPr/>
+          <p:nvPr/>
+        </p:nvCxnSpPr>
+        <p:spPr>
+          <a:xfrm flipH="1">
+            <a:off x="1667435" y="5038165"/>
+            <a:ext cx="1066240" cy="0"/>
+          </a:xfrm>
+          <a:prstGeom prst="straightConnector1">
+            <a:avLst/>
+          </a:prstGeom>
+          <a:ln w="57150">
+            <a:solidFill>
+              <a:schemeClr val="tx1"/>
+            </a:solidFill>
+            <a:tailEnd type="triangle"/>
+          </a:ln>
+        </p:spPr>
+        <p:style>
+          <a:lnRef idx="1">
+            <a:schemeClr val="accent1"/>
+          </a:lnRef>
+          <a:fillRef idx="0">
+            <a:schemeClr val="accent1"/>
+          </a:fillRef>
+          <a:effectRef idx="0">
+            <a:schemeClr val="accent1"/>
+          </a:effectRef>
+          <a:fontRef idx="minor">
+            <a:schemeClr val="tx1"/>
+          </a:fontRef>
+        </p:style>
+      </p:cxnSp>
+      <p:cxnSp>
+        <p:nvCxnSpPr>
+          <p:cNvPr id="12" name="Straight Arrow Connector 11"/>
+          <p:cNvCxnSpPr/>
+          <p:nvPr/>
+        </p:nvCxnSpPr>
+        <p:spPr>
+          <a:xfrm>
+            <a:off x="1695098" y="5038165"/>
+            <a:ext cx="1069533" cy="0"/>
+          </a:xfrm>
+          <a:prstGeom prst="straightConnector1">
+            <a:avLst/>
+          </a:prstGeom>
+          <a:ln w="57150">
+            <a:solidFill>
+              <a:schemeClr val="tx1"/>
+            </a:solidFill>
+            <a:tailEnd type="triangle"/>
+          </a:ln>
+        </p:spPr>
+        <p:style>
+          <a:lnRef idx="1">
+            <a:schemeClr val="accent1"/>
+          </a:lnRef>
+          <a:fillRef idx="0">
+            <a:schemeClr val="accent1"/>
+          </a:fillRef>
+          <a:effectRef idx="0">
+            <a:schemeClr val="accent1"/>
+          </a:effectRef>
+          <a:fontRef idx="minor">
+            <a:schemeClr val="tx1"/>
+          </a:fontRef>
+        </p:style>
+      </p:cxnSp>
+      <p:sp>
+        <p:nvSpPr>
+          <p:cNvPr id="14" name="TextBox 13"/>
+          <p:cNvSpPr txBox="1"/>
+          <p:nvPr/>
+        </p:nvSpPr>
+        <p:spPr>
+          <a:xfrm>
+            <a:off x="2686050" y="3478213"/>
+            <a:ext cx="1708261" cy="1200329"/>
+          </a:xfrm>
+          <a:prstGeom prst="rect">
+            <a:avLst/>
+          </a:prstGeom>
+          <a:noFill/>
+        </p:spPr>
+        <p:txBody>
+          <a:bodyPr wrap="square" rtlCol="0">
+            <a:spAutoFit/>
+          </a:bodyPr>
+          <a:lstStyle/>
+          <a:p>
+            <a:r>
+              <a:rPr lang="en-US" dirty="0" smtClean="0"/>
+              <a:t>Move to pre-determined distance from wall</a:t>
+            </a:r>
+            <a:endParaRPr lang="en-US" dirty="0"/>
+          </a:p>
+        </p:txBody>
+      </p:sp>
+      <p:grpSp>
+        <p:nvGrpSpPr>
+          <p:cNvPr id="16" name="Group 15"/>
+          <p:cNvGrpSpPr/>
+          <p:nvPr/>
+        </p:nvGrpSpPr>
+        <p:grpSpPr>
+          <a:xfrm>
+            <a:off x="5180547" y="4941375"/>
+            <a:ext cx="834770" cy="354227"/>
+            <a:chOff x="4875747" y="4931850"/>
+            <a:chExt cx="834770" cy="354227"/>
+          </a:xfrm>
+        </p:grpSpPr>
+        <p:grpSp>
+          <p:nvGrpSpPr>
+            <p:cNvPr id="8" name="Group 7"/>
+            <p:cNvGrpSpPr/>
+            <p:nvPr/>
+          </p:nvGrpSpPr>
+          <p:grpSpPr>
+            <a:xfrm rot="16200000">
+              <a:off x="5223455" y="4799015"/>
+              <a:ext cx="354227" cy="619897"/>
+              <a:chOff x="4950941" y="24714"/>
+              <a:chExt cx="790832" cy="1383956"/>
+            </a:xfrm>
+          </p:grpSpPr>
+          <p:sp>
+            <p:nvSpPr>
+              <p:cNvPr id="9" name="Octagon 8"/>
+              <p:cNvSpPr/>
+              <p:nvPr/>
+            </p:nvSpPr>
+            <p:spPr>
+              <a:xfrm>
+                <a:off x="4950941" y="395416"/>
+                <a:ext cx="790832" cy="1013254"/>
+              </a:xfrm>
+              <a:prstGeom prst="octagon">
+                <a:avLst/>
+              </a:prstGeom>
+            </p:spPr>
+            <p:style>
+              <a:lnRef idx="2">
+                <a:schemeClr val="accent1">
+                  <a:shade val="50000"/>
+                </a:schemeClr>
+              </a:lnRef>
+              <a:fillRef idx="1">
+                <a:schemeClr val="accent1"/>
+              </a:fillRef>
+              <a:effectRef idx="0">
+                <a:schemeClr val="accent1"/>
+              </a:effectRef>
+              <a:fontRef idx="minor">
+                <a:schemeClr val="lt1"/>
+              </a:fontRef>
+            </p:style>
+            <p:txBody>
+              <a:bodyPr rtlCol="0" anchor="ctr"/>
+              <a:lstStyle/>
+              <a:p>
+                <a:pPr algn="ctr"/>
+                <a:endParaRPr lang="en-US"/>
+              </a:p>
+            </p:txBody>
+          </p:sp>
+          <p:sp>
+            <p:nvSpPr>
+              <p:cNvPr id="10" name="Moon 9"/>
+              <p:cNvSpPr/>
+              <p:nvPr/>
+            </p:nvSpPr>
+            <p:spPr>
+              <a:xfrm rot="16200000">
+                <a:off x="5161006" y="-160637"/>
+                <a:ext cx="370702" cy="741404"/>
+              </a:xfrm>
+              <a:prstGeom prst="moon">
+                <a:avLst/>
+              </a:prstGeom>
+            </p:spPr>
+            <p:style>
+              <a:lnRef idx="2">
+                <a:schemeClr val="accent1">
+                  <a:shade val="50000"/>
+                </a:schemeClr>
+              </a:lnRef>
+              <a:fillRef idx="1">
+                <a:schemeClr val="accent1"/>
+              </a:fillRef>
+              <a:effectRef idx="0">
+                <a:schemeClr val="accent1"/>
+              </a:effectRef>
+              <a:fontRef idx="minor">
+                <a:schemeClr val="lt1"/>
+              </a:fontRef>
+            </p:style>
+            <p:txBody>
+              <a:bodyPr rtlCol="0" anchor="ctr"/>
+              <a:lstStyle/>
+              <a:p>
+                <a:pPr algn="ctr"/>
+                <a:endParaRPr lang="en-US"/>
+              </a:p>
+            </p:txBody>
+          </p:sp>
+        </p:grpSp>
+        <p:sp>
+          <p:nvSpPr>
+            <p:cNvPr id="15" name="Oval 14"/>
+            <p:cNvSpPr/>
+            <p:nvPr/>
+          </p:nvSpPr>
+          <p:spPr>
+            <a:xfrm>
+              <a:off x="4875747" y="4965037"/>
+              <a:ext cx="287851" cy="287851"/>
+            </a:xfrm>
+            <a:prstGeom prst="ellipse">
+              <a:avLst/>
+            </a:prstGeom>
+            <a:solidFill>
+              <a:schemeClr val="bg1">
+                <a:lumMod val="50000"/>
+              </a:schemeClr>
+            </a:solidFill>
+            <a:ln>
+              <a:noFill/>
+            </a:ln>
+          </p:spPr>
+          <p:style>
+            <a:lnRef idx="2">
+              <a:schemeClr val="accent1">
+                <a:shade val="50000"/>
+              </a:schemeClr>
+            </a:lnRef>
+            <a:fillRef idx="1">
+              <a:schemeClr val="accent1"/>
+            </a:fillRef>
+            <a:effectRef idx="0">
+              <a:schemeClr val="accent1"/>
+            </a:effectRef>
+            <a:fontRef idx="minor">
+              <a:schemeClr val="lt1"/>
+            </a:fontRef>
+          </p:style>
+          <p:txBody>
+            <a:bodyPr rtlCol="0" anchor="ctr"/>
+            <a:lstStyle/>
+            <a:p>
+              <a:pPr algn="ctr"/>
+              <a:endParaRPr lang="en-US"/>
+            </a:p>
+          </p:txBody>
+        </p:sp>
+      </p:grpSp>
+      <p:sp>
+        <p:nvSpPr>
+          <p:cNvPr id="17" name="TextBox 16"/>
+          <p:cNvSpPr txBox="1"/>
+          <p:nvPr/>
+        </p:nvSpPr>
+        <p:spPr>
+          <a:xfrm>
+            <a:off x="2733675" y="3571875"/>
+            <a:ext cx="1457325" cy="646331"/>
+          </a:xfrm>
+          <a:prstGeom prst="rect">
+            <a:avLst/>
+          </a:prstGeom>
+          <a:noFill/>
+        </p:spPr>
+        <p:txBody>
+          <a:bodyPr wrap="square" rtlCol="0">
+            <a:spAutoFit/>
+          </a:bodyPr>
+          <a:lstStyle/>
+          <a:p>
+            <a:r>
+              <a:rPr lang="en-US" dirty="0" smtClean="0"/>
+              <a:t>Turn right 45 degrees</a:t>
+            </a:r>
+            <a:endParaRPr lang="en-US" dirty="0"/>
+          </a:p>
+        </p:txBody>
+      </p:sp>
+      <p:grpSp>
+        <p:nvGrpSpPr>
+          <p:cNvPr id="25" name="Group 24"/>
+          <p:cNvGrpSpPr/>
+          <p:nvPr/>
+        </p:nvGrpSpPr>
+        <p:grpSpPr>
+          <a:xfrm rot="2685725">
+            <a:off x="2393779" y="4861051"/>
+            <a:ext cx="834770" cy="354227"/>
+            <a:chOff x="4875747" y="4931850"/>
+            <a:chExt cx="834770" cy="354227"/>
+          </a:xfrm>
+        </p:grpSpPr>
+        <p:grpSp>
+          <p:nvGrpSpPr>
+            <p:cNvPr id="26" name="Group 25"/>
+            <p:cNvGrpSpPr/>
+            <p:nvPr/>
+          </p:nvGrpSpPr>
+          <p:grpSpPr>
+            <a:xfrm rot="16200000">
+              <a:off x="5223455" y="4799015"/>
+              <a:ext cx="354227" cy="619897"/>
+              <a:chOff x="4950941" y="24714"/>
+              <a:chExt cx="790832" cy="1383956"/>
+            </a:xfrm>
+          </p:grpSpPr>
+          <p:sp>
+            <p:nvSpPr>
+              <p:cNvPr id="28" name="Octagon 27"/>
+              <p:cNvSpPr/>
+              <p:nvPr/>
+            </p:nvSpPr>
+            <p:spPr>
+              <a:xfrm>
+                <a:off x="4950941" y="395416"/>
+                <a:ext cx="790832" cy="1013254"/>
+              </a:xfrm>
+              <a:prstGeom prst="octagon">
+                <a:avLst/>
+              </a:prstGeom>
+            </p:spPr>
+            <p:style>
+              <a:lnRef idx="2">
+                <a:schemeClr val="accent1">
+                  <a:shade val="50000"/>
+                </a:schemeClr>
+              </a:lnRef>
+              <a:fillRef idx="1">
+                <a:schemeClr val="accent1"/>
+              </a:fillRef>
+              <a:effectRef idx="0">
+                <a:schemeClr val="accent1"/>
+              </a:effectRef>
+              <a:fontRef idx="minor">
+                <a:schemeClr val="lt1"/>
+              </a:fontRef>
+            </p:style>
+            <p:txBody>
+              <a:bodyPr rtlCol="0" anchor="ctr"/>
+              <a:lstStyle/>
+              <a:p>
+                <a:pPr algn="ctr"/>
+                <a:endParaRPr lang="en-US"/>
+              </a:p>
+            </p:txBody>
+          </p:sp>
+          <p:sp>
+            <p:nvSpPr>
+              <p:cNvPr id="29" name="Moon 28"/>
+              <p:cNvSpPr/>
+              <p:nvPr/>
+            </p:nvSpPr>
+            <p:spPr>
+              <a:xfrm rot="16200000">
+                <a:off x="5161006" y="-160637"/>
+                <a:ext cx="370702" cy="741404"/>
+              </a:xfrm>
+              <a:prstGeom prst="moon">
+                <a:avLst/>
+              </a:prstGeom>
+            </p:spPr>
+            <p:style>
+              <a:lnRef idx="2">
+                <a:schemeClr val="accent1">
+                  <a:shade val="50000"/>
+                </a:schemeClr>
+              </a:lnRef>
+              <a:fillRef idx="1">
+                <a:schemeClr val="accent1"/>
+              </a:fillRef>
+              <a:effectRef idx="0">
+                <a:schemeClr val="accent1"/>
+              </a:effectRef>
+              <a:fontRef idx="minor">
+                <a:schemeClr val="lt1"/>
+              </a:fontRef>
+            </p:style>
+            <p:txBody>
+              <a:bodyPr rtlCol="0" anchor="ctr"/>
+              <a:lstStyle/>
+              <a:p>
+                <a:pPr algn="ctr"/>
+                <a:endParaRPr lang="en-US"/>
+              </a:p>
+            </p:txBody>
+          </p:sp>
+        </p:grpSp>
+        <p:sp>
+          <p:nvSpPr>
+            <p:cNvPr id="27" name="Oval 26"/>
+            <p:cNvSpPr/>
+            <p:nvPr/>
+          </p:nvSpPr>
+          <p:spPr>
+            <a:xfrm>
+              <a:off x="4875747" y="4965037"/>
+              <a:ext cx="287851" cy="287851"/>
+            </a:xfrm>
+            <a:prstGeom prst="ellipse">
+              <a:avLst/>
+            </a:prstGeom>
+            <a:solidFill>
+              <a:schemeClr val="bg1">
+                <a:lumMod val="50000"/>
+              </a:schemeClr>
+            </a:solidFill>
+            <a:ln>
+              <a:noFill/>
+            </a:ln>
+          </p:spPr>
+          <p:style>
+            <a:lnRef idx="2">
+              <a:schemeClr val="accent1">
+                <a:shade val="50000"/>
+              </a:schemeClr>
+            </a:lnRef>
+            <a:fillRef idx="1">
+              <a:schemeClr val="accent1"/>
+            </a:fillRef>
+            <a:effectRef idx="0">
+              <a:schemeClr val="accent1"/>
+            </a:effectRef>
+            <a:fontRef idx="minor">
+              <a:schemeClr val="lt1"/>
+            </a:fontRef>
+          </p:style>
+          <p:txBody>
+            <a:bodyPr rtlCol="0" anchor="ctr"/>
+            <a:lstStyle/>
+            <a:p>
+              <a:pPr algn="ctr"/>
+              <a:endParaRPr lang="en-US"/>
+            </a:p>
+          </p:txBody>
+        </p:sp>
+      </p:grpSp>
+      <p:sp>
+        <p:nvSpPr>
+          <p:cNvPr id="30" name="TextBox 29"/>
+          <p:cNvSpPr txBox="1"/>
+          <p:nvPr/>
+        </p:nvSpPr>
+        <p:spPr>
+          <a:xfrm>
+            <a:off x="2886075" y="3724275"/>
+            <a:ext cx="1457325" cy="646331"/>
+          </a:xfrm>
+          <a:prstGeom prst="rect">
+            <a:avLst/>
+          </a:prstGeom>
+          <a:noFill/>
+        </p:spPr>
+        <p:txBody>
+          <a:bodyPr wrap="square" rtlCol="0">
+            <a:spAutoFit/>
+          </a:bodyPr>
+          <a:lstStyle/>
+          <a:p>
+            <a:r>
+              <a:rPr lang="en-US" dirty="0" smtClean="0"/>
+              <a:t>Aim and shoot</a:t>
+            </a:r>
+            <a:endParaRPr lang="en-US" dirty="0"/>
+          </a:p>
+        </p:txBody>
+      </p:sp>
+    </p:spTree>
+    <p:extLst>
+      <p:ext uri="{BB962C8B-B14F-4D97-AF65-F5344CB8AC3E}">
+        <p14:creationId xmlns:p14="http://schemas.microsoft.com/office/powerpoint/2010/main" val="514686324"/>
+      </p:ext>
+    </p:extLst>
+  </p:cSld>
+  <p:clrMapOvr>
+    <a:masterClrMapping/>
+  </p:clrMapOvr>
+  <p:timing>
+    <p:tnLst>
+      <p:par>
+        <p:cTn id="1" dur="indefinite" restart="never" nodeType="tmRoot">
+          <p:childTnLst>
+            <p:seq concurrent="1" nextAc="seek">
+              <p:cTn id="2" dur="indefinite" nodeType="mainSeq">
+                <p:childTnLst>
+                  <p:par>
+                    <p:cTn id="3" fill="hold">
+                      <p:stCondLst>
+                        <p:cond delay="indefinite"/>
+                      </p:stCondLst>
+                      <p:childTnLst>
+                        <p:par>
+                          <p:cTn id="4" fill="hold">
+                            <p:stCondLst>
+                              <p:cond delay="0"/>
+                            </p:stCondLst>
+                            <p:childTnLst>
+                              <p:par>
+                                <p:cTn id="5" presetID="0" presetClass="path" presetSubtype="0" accel="50000" decel="50000" fill="hold" nodeType="clickEffect">
+                                  <p:stCondLst>
+                                    <p:cond delay="0"/>
+                                  </p:stCondLst>
+                                  <p:childTnLst>
+                                    <p:animMotion origin="layout" path="M 2.29167E-6 7.40741E-7 L 2.29167E-6 7.40741E-7 C -0.00299 -0.00371 -0.01041 -0.01389 -0.01432 -0.01713 C -0.01666 -0.01899 -0.02148 -0.0213 -0.02148 -0.0213 C -0.03594 -0.00255 -0.02929 -0.00672 -0.03932 -0.00232 C -0.04049 -0.0044 -0.04179 -0.00625 -0.04297 -0.00857 C -0.04388 -0.01065 -0.04401 -0.01412 -0.04531 -0.01505 C -0.04648 -0.01598 -0.04765 -0.01366 -0.04883 -0.01297 C -0.05039 -0.01088 -0.05195 -0.00834 -0.05364 -0.00649 C -0.05469 -0.00533 -0.05599 -0.0044 -0.05716 -0.0044 C -0.06627 -0.0044 -0.07539 -0.00556 -0.0845 -0.00649 C -0.09049 -0.00718 -0.09648 -0.00787 -0.10247 -0.00857 C -0.10794 -0.00787 -0.11354 -0.00741 -0.11914 -0.00649 C -0.12148 -0.00602 -0.12383 -0.0051 -0.12617 -0.0044 C -0.12903 -0.00371 -0.13177 -0.00301 -0.1345 -0.00232 C -0.14492 -0.00301 -0.15521 -0.00301 -0.16549 -0.0044 C -0.16679 -0.00463 -0.16784 -0.00625 -0.16901 -0.00649 C -0.17422 -0.00764 -0.17942 -0.00787 -0.1845 -0.00857 C -0.20742 -0.01875 -0.18763 -0.01065 -0.24518 -0.01065 " pathEditMode="relative" ptsTypes="AAAAAAAAAAAAAAAAAAA">
+                                      <p:cBhvr>
+                                        <p:cTn id="6" dur="2000" fill="hold"/>
+                                        <p:tgtEl>
+                                          <p:spTgt spid="16"/>
+                                        </p:tgtEl>
+                                        <p:attrNameLst>
+                                          <p:attrName>ppt_x</p:attrName>
+                                          <p:attrName>ppt_y</p:attrName>
+                                        </p:attrNameLst>
+                                      </p:cBhvr>
+                                    </p:animMotion>
+                                  </p:childTnLst>
+                                </p:cTn>
+                              </p:par>
+                            </p:childTnLst>
+                          </p:cTn>
+                        </p:par>
+                        <p:par>
+                          <p:cTn id="7" fill="hold">
+                            <p:stCondLst>
+                              <p:cond delay="2000"/>
+                            </p:stCondLst>
+                            <p:childTnLst>
+                              <p:par>
+                                <p:cTn id="8" presetID="22" presetClass="entr" presetSubtype="2" fill="hold" nodeType="afterEffect">
+                                  <p:stCondLst>
+                                    <p:cond delay="0"/>
+                                  </p:stCondLst>
+                                  <p:childTnLst>
+                                    <p:set>
+                                      <p:cBhvr>
+                                        <p:cTn id="9" dur="1" fill="hold">
+                                          <p:stCondLst>
+                                            <p:cond delay="0"/>
+                                          </p:stCondLst>
+                                        </p:cTn>
+                                        <p:tgtEl>
+                                          <p:spTgt spid="11"/>
+                                        </p:tgtEl>
+                                        <p:attrNameLst>
+                                          <p:attrName>style.visibility</p:attrName>
+                                        </p:attrNameLst>
+                                      </p:cBhvr>
+                                      <p:to>
+                                        <p:strVal val="visible"/>
+                                      </p:to>
+                                    </p:set>
+                                    <p:animEffect transition="in" filter="wipe(right)">
+                                      <p:cBhvr>
+                                        <p:cTn id="10" dur="500"/>
+                                        <p:tgtEl>
+                                          <p:spTgt spid="11"/>
+                                        </p:tgtEl>
+                                      </p:cBhvr>
+                                    </p:animEffect>
+                                  </p:childTnLst>
+                                </p:cTn>
+                              </p:par>
+                            </p:childTnLst>
+                          </p:cTn>
+                        </p:par>
+                        <p:par>
+                          <p:cTn id="11" fill="hold">
+                            <p:stCondLst>
+                              <p:cond delay="2500"/>
+                            </p:stCondLst>
+                            <p:childTnLst>
+                              <p:par>
+                                <p:cTn id="12" presetID="1" presetClass="exit" presetSubtype="0" fill="hold" nodeType="afterEffect">
+                                  <p:stCondLst>
+                                    <p:cond delay="0"/>
+                                  </p:stCondLst>
+                                  <p:childTnLst>
+                                    <p:set>
+                                      <p:cBhvr>
+                                        <p:cTn id="13" dur="1" fill="hold">
+                                          <p:stCondLst>
+                                            <p:cond delay="0"/>
+                                          </p:stCondLst>
+                                        </p:cTn>
+                                        <p:tgtEl>
+                                          <p:spTgt spid="11"/>
+                                        </p:tgtEl>
+                                        <p:attrNameLst>
+                                          <p:attrName>style.visibility</p:attrName>
+                                        </p:attrNameLst>
+                                      </p:cBhvr>
+                                      <p:to>
+                                        <p:strVal val="hidden"/>
+                                      </p:to>
+                                    </p:set>
+                                  </p:childTnLst>
+                                </p:cTn>
+                              </p:par>
+                            </p:childTnLst>
+                          </p:cTn>
+                        </p:par>
+                        <p:par>
+                          <p:cTn id="14" fill="hold">
+                            <p:stCondLst>
+                              <p:cond delay="2500"/>
+                            </p:stCondLst>
+                            <p:childTnLst>
+                              <p:par>
+                                <p:cTn id="15" presetID="22" presetClass="entr" presetSubtype="8" fill="hold" nodeType="afterEffect">
+                                  <p:stCondLst>
+                                    <p:cond delay="0"/>
+                                  </p:stCondLst>
+                                  <p:childTnLst>
+                                    <p:set>
+                                      <p:cBhvr>
+                                        <p:cTn id="16" dur="1" fill="hold">
+                                          <p:stCondLst>
+                                            <p:cond delay="0"/>
+                                          </p:stCondLst>
+                                        </p:cTn>
+                                        <p:tgtEl>
+                                          <p:spTgt spid="12"/>
+                                        </p:tgtEl>
+                                        <p:attrNameLst>
+                                          <p:attrName>style.visibility</p:attrName>
+                                        </p:attrNameLst>
+                                      </p:cBhvr>
+                                      <p:to>
+                                        <p:strVal val="visible"/>
+                                      </p:to>
+                                    </p:set>
+                                    <p:animEffect transition="in" filter="wipe(left)">
+                                      <p:cBhvr>
+                                        <p:cTn id="17" dur="500"/>
+                                        <p:tgtEl>
+                                          <p:spTgt spid="12"/>
+                                        </p:tgtEl>
+                                      </p:cBhvr>
+                                    </p:animEffect>
+                                  </p:childTnLst>
+                                </p:cTn>
+                              </p:par>
+                            </p:childTnLst>
+                          </p:cTn>
+                        </p:par>
+                        <p:par>
+                          <p:cTn id="18" fill="hold">
+                            <p:stCondLst>
+                              <p:cond delay="3000"/>
+                            </p:stCondLst>
+                            <p:childTnLst>
+                              <p:par>
+                                <p:cTn id="19" presetID="1" presetClass="exit" presetSubtype="0" fill="hold" nodeType="afterEffect">
+                                  <p:stCondLst>
+                                    <p:cond delay="0"/>
+                                  </p:stCondLst>
+                                  <p:childTnLst>
+                                    <p:set>
+                                      <p:cBhvr>
+                                        <p:cTn id="20" dur="1" fill="hold">
+                                          <p:stCondLst>
+                                            <p:cond delay="0"/>
+                                          </p:stCondLst>
+                                        </p:cTn>
+                                        <p:tgtEl>
+                                          <p:spTgt spid="12"/>
+                                        </p:tgtEl>
+                                        <p:attrNameLst>
+                                          <p:attrName>style.visibility</p:attrName>
+                                        </p:attrNameLst>
+                                      </p:cBhvr>
+                                      <p:to>
+                                        <p:strVal val="hidden"/>
+                                      </p:to>
+                                    </p:set>
+                                  </p:childTnLst>
+                                </p:cTn>
+                              </p:par>
+                            </p:childTnLst>
+                          </p:cTn>
+                        </p:par>
+                        <p:par>
+                          <p:cTn id="21" fill="hold">
+                            <p:stCondLst>
+                              <p:cond delay="3000"/>
+                            </p:stCondLst>
+                            <p:childTnLst>
+                              <p:par>
+                                <p:cTn id="22" presetID="10" presetClass="exit" presetSubtype="0" fill="hold" grpId="0" nodeType="afterEffect">
+                                  <p:stCondLst>
+                                    <p:cond delay="0"/>
+                                  </p:stCondLst>
+                                  <p:childTnLst>
+                                    <p:animEffect transition="out" filter="fade">
+                                      <p:cBhvr>
+                                        <p:cTn id="23" dur="500"/>
+                                        <p:tgtEl>
+                                          <p:spTgt spid="14"/>
+                                        </p:tgtEl>
+                                      </p:cBhvr>
+                                    </p:animEffect>
+                                    <p:set>
+                                      <p:cBhvr>
+                                        <p:cTn id="24" dur="1" fill="hold">
+                                          <p:stCondLst>
+                                            <p:cond delay="499"/>
+                                          </p:stCondLst>
+                                        </p:cTn>
+                                        <p:tgtEl>
+                                          <p:spTgt spid="14"/>
+                                        </p:tgtEl>
+                                        <p:attrNameLst>
+                                          <p:attrName>style.visibility</p:attrName>
+                                        </p:attrNameLst>
+                                      </p:cBhvr>
+                                      <p:to>
+                                        <p:strVal val="hidden"/>
+                                      </p:to>
+                                    </p:set>
+                                  </p:childTnLst>
+                                </p:cTn>
+                              </p:par>
+                            </p:childTnLst>
+                          </p:cTn>
+                        </p:par>
+                        <p:par>
+                          <p:cTn id="25" fill="hold">
+                            <p:stCondLst>
+                              <p:cond delay="3500"/>
+                            </p:stCondLst>
+                            <p:childTnLst>
+                              <p:par>
+                                <p:cTn id="26" presetID="10" presetClass="entr" presetSubtype="0" fill="hold" grpId="0" nodeType="afterEffect">
+                                  <p:stCondLst>
+                                    <p:cond delay="0"/>
+                                  </p:stCondLst>
+                                  <p:childTnLst>
+                                    <p:set>
+                                      <p:cBhvr>
+                                        <p:cTn id="27" dur="1" fill="hold">
+                                          <p:stCondLst>
+                                            <p:cond delay="0"/>
+                                          </p:stCondLst>
+                                        </p:cTn>
+                                        <p:tgtEl>
+                                          <p:spTgt spid="17"/>
+                                        </p:tgtEl>
+                                        <p:attrNameLst>
+                                          <p:attrName>style.visibility</p:attrName>
+                                        </p:attrNameLst>
+                                      </p:cBhvr>
+                                      <p:to>
+                                        <p:strVal val="visible"/>
+                                      </p:to>
+                                    </p:set>
+                                    <p:animEffect transition="in" filter="fade">
+                                      <p:cBhvr>
+                                        <p:cTn id="28" dur="500"/>
+                                        <p:tgtEl>
+                                          <p:spTgt spid="17"/>
+                                        </p:tgtEl>
+                                      </p:cBhvr>
+                                    </p:animEffect>
+                                  </p:childTnLst>
+                                </p:cTn>
+                              </p:par>
+                            </p:childTnLst>
+                          </p:cTn>
+                        </p:par>
+                      </p:childTnLst>
+                    </p:cTn>
+                  </p:par>
+                  <p:par>
+                    <p:cTn id="29" fill="hold">
+                      <p:stCondLst>
+                        <p:cond delay="indefinite"/>
+                      </p:stCondLst>
+                      <p:childTnLst>
+                        <p:par>
+                          <p:cTn id="30" fill="hold">
+                            <p:stCondLst>
+                              <p:cond delay="0"/>
+                            </p:stCondLst>
+                            <p:childTnLst>
+                              <p:par>
+                                <p:cTn id="31" presetID="10" presetClass="exit" presetSubtype="0" fill="hold" nodeType="clickEffect">
+                                  <p:stCondLst>
+                                    <p:cond delay="0"/>
+                                  </p:stCondLst>
+                                  <p:childTnLst>
+                                    <p:animEffect transition="out" filter="fade">
+                                      <p:cBhvr>
+                                        <p:cTn id="32" dur="500"/>
+                                        <p:tgtEl>
+                                          <p:spTgt spid="16"/>
+                                        </p:tgtEl>
+                                      </p:cBhvr>
+                                    </p:animEffect>
+                                    <p:set>
+                                      <p:cBhvr>
+                                        <p:cTn id="33" dur="1" fill="hold">
+                                          <p:stCondLst>
+                                            <p:cond delay="499"/>
+                                          </p:stCondLst>
+                                        </p:cTn>
+                                        <p:tgtEl>
+                                          <p:spTgt spid="16"/>
+                                        </p:tgtEl>
+                                        <p:attrNameLst>
+                                          <p:attrName>style.visibility</p:attrName>
+                                        </p:attrNameLst>
+                                      </p:cBhvr>
+                                      <p:to>
+                                        <p:strVal val="hidden"/>
+                                      </p:to>
+                                    </p:set>
+                                  </p:childTnLst>
+                                </p:cTn>
+                              </p:par>
+                              <p:par>
+                                <p:cTn id="34" presetID="10" presetClass="entr" presetSubtype="0" fill="hold" nodeType="withEffect">
+                                  <p:stCondLst>
+                                    <p:cond delay="0"/>
+                                  </p:stCondLst>
+                                  <p:childTnLst>
+                                    <p:set>
+                                      <p:cBhvr>
+                                        <p:cTn id="35" dur="1" fill="hold">
+                                          <p:stCondLst>
+                                            <p:cond delay="0"/>
+                                          </p:stCondLst>
+                                        </p:cTn>
+                                        <p:tgtEl>
+                                          <p:spTgt spid="25"/>
+                                        </p:tgtEl>
+                                        <p:attrNameLst>
+                                          <p:attrName>style.visibility</p:attrName>
+                                        </p:attrNameLst>
+                                      </p:cBhvr>
+                                      <p:to>
+                                        <p:strVal val="visible"/>
+                                      </p:to>
+                                    </p:set>
+                                    <p:animEffect transition="in" filter="fade">
+                                      <p:cBhvr>
+                                        <p:cTn id="36" dur="500"/>
+                                        <p:tgtEl>
+                                          <p:spTgt spid="25"/>
+                                        </p:tgtEl>
+                                      </p:cBhvr>
+                                    </p:animEffect>
+                                  </p:childTnLst>
+                                </p:cTn>
+                              </p:par>
+                            </p:childTnLst>
+                          </p:cTn>
+                        </p:par>
+                        <p:par>
+                          <p:cTn id="37" fill="hold">
+                            <p:stCondLst>
+                              <p:cond delay="500"/>
+                            </p:stCondLst>
+                            <p:childTnLst>
+                              <p:par>
+                                <p:cTn id="38" presetID="1" presetClass="exit" presetSubtype="0" fill="hold" grpId="1" nodeType="afterEffect">
+                                  <p:stCondLst>
+                                    <p:cond delay="0"/>
+                                  </p:stCondLst>
+                                  <p:childTnLst>
+                                    <p:set>
+                                      <p:cBhvr>
+                                        <p:cTn id="39" dur="1" fill="hold">
+                                          <p:stCondLst>
+                                            <p:cond delay="0"/>
+                                          </p:stCondLst>
+                                        </p:cTn>
+                                        <p:tgtEl>
+                                          <p:spTgt spid="17"/>
+                                        </p:tgtEl>
+                                        <p:attrNameLst>
+                                          <p:attrName>style.visibility</p:attrName>
+                                        </p:attrNameLst>
+                                      </p:cBhvr>
+                                      <p:to>
+                                        <p:strVal val="hidden"/>
+                                      </p:to>
+                                    </p:set>
+                                  </p:childTnLst>
+                                </p:cTn>
+                              </p:par>
+                            </p:childTnLst>
+                          </p:cTn>
+                        </p:par>
+                        <p:par>
+                          <p:cTn id="40" fill="hold">
+                            <p:stCondLst>
+                              <p:cond delay="500"/>
+                            </p:stCondLst>
+                            <p:childTnLst>
+                              <p:par>
+                                <p:cTn id="41" presetID="10" presetClass="entr" presetSubtype="0" fill="hold" grpId="0" nodeType="afterEffect">
+                                  <p:stCondLst>
+                                    <p:cond delay="0"/>
+                                  </p:stCondLst>
+                                  <p:childTnLst>
+                                    <p:set>
+                                      <p:cBhvr>
+                                        <p:cTn id="42" dur="1" fill="hold">
+                                          <p:stCondLst>
+                                            <p:cond delay="0"/>
+                                          </p:stCondLst>
+                                        </p:cTn>
+                                        <p:tgtEl>
+                                          <p:spTgt spid="30"/>
+                                        </p:tgtEl>
+                                        <p:attrNameLst>
+                                          <p:attrName>style.visibility</p:attrName>
+                                        </p:attrNameLst>
+                                      </p:cBhvr>
+                                      <p:to>
+                                        <p:strVal val="visible"/>
+                                      </p:to>
+                                    </p:set>
+                                    <p:animEffect transition="in" filter="fade">
+                                      <p:cBhvr>
+                                        <p:cTn id="43" dur="500"/>
+                                        <p:tgtEl>
+                                          <p:spTgt spid="30"/>
+                                        </p:tgtEl>
+                                      </p:cBhvr>
+                                    </p:animEffect>
+                                  </p:childTnLst>
+                                </p:cTn>
+                              </p:par>
+                            </p:childTnLst>
+                          </p:cTn>
+                        </p:par>
+                      </p:childTnLst>
+                    </p:cTn>
+                  </p:par>
+                </p:childTnLst>
+              </p:cTn>
+              <p:prevCondLst>
+                <p:cond evt="onPrev" delay="0">
+                  <p:tgtEl>
+                    <p:sldTgt/>
+                  </p:tgtEl>
+                </p:cond>
+              </p:prevCondLst>
+              <p:nextCondLst>
+                <p:cond evt="onNext" delay="0">
+                  <p:tgtEl>
+                    <p:sldTgt/>
+                  </p:tgtEl>
+                </p:cond>
+              </p:nextCondLst>
+            </p:seq>
+          </p:childTnLst>
+        </p:cTn>
+      </p:par>
+    </p:tnLst>
+    <p:bldLst>
+      <p:bldP spid="14" grpId="0"/>
+      <p:bldP spid="17" grpId="0"/>
+      <p:bldP spid="17" grpId="1"/>
+      <p:bldP spid="30" grpId="0"/>
+    </p:bldLst>
+  </p:timing>
+</p:sld>
+</file>
+
 <file path=ppt/slides/slide2.xml><?xml version="1.0" encoding="utf-8"?>
 <p:sld xmlns:a="http://schemas.openxmlformats.org/drawingml/2006/main" xmlns:r="http://schemas.openxmlformats.org/officeDocument/2006/relationships" xmlns:p="http://schemas.openxmlformats.org/presentationml/2006/main">
   <p:cSld>
@@ -3239,7 +5625,7 @@
         <p:spPr>
           <a:xfrm>
             <a:off x="165542" y="127489"/>
-            <a:ext cx="3468129" cy="1477328"/>
+            <a:ext cx="10759132" cy="1200329"/>
           </a:xfrm>
           <a:prstGeom prst="rect">
             <a:avLst/>
@@ -3264,83 +5650,47 @@
           <a:p>
             <a:r>
               <a:rPr lang="en-US" dirty="0" smtClean="0"/>
-              <a:t>Better question, what can we do?</a:t>
-            </a:r>
-          </a:p>
-          <a:p>
+              <a:t>Better question, what can we </a:t>
+            </a:r>
             <a:r>
               <a:rPr lang="en-US" dirty="0" smtClean="0"/>
-              <a:t>Low bar, moat, rough terrain, ramparts, </a:t>
-            </a:r>
-          </a:p>
-          <a:p>
+              <a:t>cross?</a:t>
+            </a:r>
             <a:endParaRPr lang="en-US" dirty="0" smtClean="0"/>
           </a:p>
+          <a:p>
+            <a:r>
+              <a:rPr lang="en-US" dirty="0" smtClean="0"/>
+              <a:t>Low bar, moat, rough terrain, ramparts</a:t>
+            </a:r>
+            <a:r>
+              <a:rPr lang="en-US" dirty="0" smtClean="0"/>
+              <a:t>, </a:t>
+            </a:r>
+            <a:r>
+              <a:rPr lang="en-US" dirty="0" err="1" smtClean="0"/>
+              <a:t>rockwall</a:t>
+            </a:r>
+            <a:r>
+              <a:rPr lang="en-US" dirty="0" smtClean="0"/>
+              <a:t> .</a:t>
+            </a:r>
+            <a:endParaRPr lang="en-US" dirty="0" smtClean="0"/>
+          </a:p>
+          <a:p>
+            <a:endParaRPr lang="en-US" dirty="0" smtClean="0"/>
+          </a:p>
         </p:txBody>
       </p:sp>
-    </p:spTree>
-    <p:extLst>
-      <p:ext uri="{BB962C8B-B14F-4D97-AF65-F5344CB8AC3E}">
-        <p14:creationId xmlns:p14="http://schemas.microsoft.com/office/powerpoint/2010/main" val="2513305907"/>
-      </p:ext>
-    </p:extLst>
-  </p:cSld>
-  <p:clrMapOvr>
-    <a:masterClrMapping/>
-  </p:clrMapOvr>
-</p:sld>
-</file>
-
-<file path=ppt/slides/slide4.xml><?xml version="1.0" encoding="utf-8"?>
-<p:sld xmlns:a="http://schemas.openxmlformats.org/drawingml/2006/main" xmlns:r="http://schemas.openxmlformats.org/officeDocument/2006/relationships" xmlns:p="http://schemas.openxmlformats.org/presentationml/2006/main">
-  <p:cSld>
-    <p:spTree>
-      <p:nvGrpSpPr>
-        <p:cNvPr id="1" name=""/>
-        <p:cNvGrpSpPr/>
-        <p:nvPr/>
-      </p:nvGrpSpPr>
-      <p:grpSpPr>
-        <a:xfrm>
-          <a:off x="0" y="0"/>
-          <a:ext cx="0" cy="0"/>
-          <a:chOff x="0" y="0"/>
-          <a:chExt cx="0" cy="0"/>
-        </a:xfrm>
-      </p:grpSpPr>
-      <p:pic>
-        <p:nvPicPr>
-          <p:cNvPr id="4" name="Picture 3"/>
-          <p:cNvPicPr>
-            <a:picLocks noChangeAspect="1"/>
-          </p:cNvPicPr>
-          <p:nvPr/>
-        </p:nvPicPr>
-        <p:blipFill>
-          <a:blip r:embed="rId2"/>
-          <a:stretch>
-            <a:fillRect/>
-          </a:stretch>
-        </p:blipFill>
-        <p:spPr>
-          <a:xfrm>
-            <a:off x="-7945" y="1223319"/>
-            <a:ext cx="12181743" cy="5634681"/>
-          </a:xfrm>
-          <a:prstGeom prst="rect">
-            <a:avLst/>
-          </a:prstGeom>
-        </p:spPr>
-      </p:pic>
       <p:grpSp>
         <p:nvGrpSpPr>
-          <p:cNvPr id="8" name="Group 7"/>
+          <p:cNvPr id="4" name="Group 3"/>
           <p:cNvGrpSpPr/>
           <p:nvPr/>
         </p:nvGrpSpPr>
         <p:grpSpPr>
           <a:xfrm rot="16200000">
-            <a:off x="5595805" y="2638768"/>
+            <a:off x="5608938" y="2593697"/>
             <a:ext cx="354227" cy="619897"/>
             <a:chOff x="4950941" y="24714"/>
             <a:chExt cx="790832" cy="1383956"/>
@@ -3429,13 +5779,13 @@
       </p:grpSp>
       <p:grpSp>
         <p:nvGrpSpPr>
-          <p:cNvPr id="9" name="Group 8"/>
+          <p:cNvPr id="8" name="Group 7"/>
           <p:cNvGrpSpPr/>
           <p:nvPr/>
         </p:nvGrpSpPr>
         <p:grpSpPr>
           <a:xfrm rot="16200000">
-            <a:off x="5591045" y="5540289"/>
+            <a:off x="5608938" y="3365914"/>
             <a:ext cx="354227" cy="619897"/>
             <a:chOff x="4950941" y="24714"/>
             <a:chExt cx="790832" cy="1383956"/>
@@ -3443,7 +5793,7 @@
         </p:grpSpPr>
         <p:sp>
           <p:nvSpPr>
-            <p:cNvPr id="10" name="Octagon 9"/>
+            <p:cNvPr id="9" name="Octagon 8"/>
             <p:cNvSpPr/>
             <p:nvPr/>
           </p:nvSpPr>
@@ -3483,7 +5833,7 @@
         </p:sp>
         <p:sp>
           <p:nvSpPr>
-            <p:cNvPr id="11" name="Moon 10"/>
+            <p:cNvPr id="10" name="Moon 9"/>
             <p:cNvSpPr/>
             <p:nvPr/>
           </p:nvSpPr>
@@ -3522,75 +5872,101 @@
           </p:txBody>
         </p:sp>
       </p:grpSp>
-      <p:sp>
-        <p:nvSpPr>
-          <p:cNvPr id="12" name="TextBox 11"/>
-          <p:cNvSpPr txBox="1"/>
+      <p:grpSp>
+        <p:nvGrpSpPr>
+          <p:cNvPr id="11" name="Group 10"/>
+          <p:cNvGrpSpPr/>
           <p:nvPr/>
-        </p:nvSpPr>
-        <p:spPr>
-          <a:xfrm>
-            <a:off x="5041878" y="3118278"/>
-            <a:ext cx="832664" cy="646331"/>
+        </p:nvGrpSpPr>
+        <p:grpSpPr>
+          <a:xfrm rot="16200000">
+            <a:off x="5591033" y="4039009"/>
+            <a:ext cx="354227" cy="619897"/>
+            <a:chOff x="4950941" y="24714"/>
+            <a:chExt cx="790832" cy="1383956"/>
           </a:xfrm>
-          <a:prstGeom prst="rect">
-            <a:avLst/>
-          </a:prstGeom>
-          <a:noFill/>
-        </p:spPr>
-        <p:txBody>
-          <a:bodyPr wrap="none" rtlCol="0">
-            <a:spAutoFit/>
-          </a:bodyPr>
-          <a:lstStyle/>
-          <a:p>
-            <a:pPr algn="ctr"/>
-            <a:r>
-              <a:rPr lang="en-US" dirty="0" smtClean="0"/>
-              <a:t>Rough</a:t>
-            </a:r>
-          </a:p>
-          <a:p>
-            <a:pPr algn="ctr"/>
-            <a:r>
-              <a:rPr lang="en-US" dirty="0" smtClean="0"/>
-              <a:t>Terrain</a:t>
-            </a:r>
-            <a:endParaRPr lang="en-US" dirty="0"/>
-          </a:p>
-        </p:txBody>
-      </p:sp>
-      <p:sp>
-        <p:nvSpPr>
-          <p:cNvPr id="13" name="TextBox 12"/>
-          <p:cNvSpPr txBox="1"/>
-          <p:nvPr/>
-        </p:nvSpPr>
-        <p:spPr>
-          <a:xfrm>
-            <a:off x="4989620" y="5311344"/>
-            <a:ext cx="937180" cy="369332"/>
-          </a:xfrm>
-          <a:prstGeom prst="rect">
-            <a:avLst/>
-          </a:prstGeom>
-          <a:noFill/>
-        </p:spPr>
-        <p:txBody>
-          <a:bodyPr wrap="none" rtlCol="0">
-            <a:spAutoFit/>
-          </a:bodyPr>
-          <a:lstStyle/>
-          <a:p>
-            <a:pPr algn="ctr"/>
-            <a:r>
-              <a:rPr lang="en-US" dirty="0" smtClean="0"/>
-              <a:t>Low Bar</a:t>
-            </a:r>
-            <a:endParaRPr lang="en-US" dirty="0"/>
-          </a:p>
-        </p:txBody>
-      </p:sp>
+        </p:grpSpPr>
+        <p:sp>
+          <p:nvSpPr>
+            <p:cNvPr id="12" name="Octagon 11"/>
+            <p:cNvSpPr/>
+            <p:nvPr/>
+          </p:nvSpPr>
+          <p:spPr>
+            <a:xfrm>
+              <a:off x="4950941" y="395416"/>
+              <a:ext cx="790832" cy="1013254"/>
+            </a:xfrm>
+            <a:prstGeom prst="octagon">
+              <a:avLst/>
+            </a:prstGeom>
+          </p:spPr>
+          <p:style>
+            <a:lnRef idx="2">
+              <a:schemeClr val="accent1">
+                <a:shade val="50000"/>
+              </a:schemeClr>
+            </a:lnRef>
+            <a:fillRef idx="1">
+              <a:schemeClr val="accent1"/>
+            </a:fillRef>
+            <a:effectRef idx="0">
+              <a:schemeClr val="accent1"/>
+            </a:effectRef>
+            <a:fontRef idx="minor">
+              <a:schemeClr val="lt1"/>
+            </a:fontRef>
+          </p:style>
+          <p:txBody>
+            <a:bodyPr rtlCol="0" anchor="ctr"/>
+            <a:lstStyle/>
+            <a:p>
+              <a:pPr algn="ctr"/>
+              <a:endParaRPr lang="en-US"/>
+            </a:p>
+          </p:txBody>
+        </p:sp>
+        <p:sp>
+          <p:nvSpPr>
+            <p:cNvPr id="13" name="Moon 12"/>
+            <p:cNvSpPr/>
+            <p:nvPr/>
+          </p:nvSpPr>
+          <p:spPr>
+            <a:xfrm rot="16200000">
+              <a:off x="5161006" y="-160637"/>
+              <a:ext cx="370702" cy="741404"/>
+            </a:xfrm>
+            <a:prstGeom prst="moon">
+              <a:avLst/>
+            </a:prstGeom>
+          </p:spPr>
+          <p:style>
+            <a:lnRef idx="2">
+              <a:schemeClr val="accent1">
+                <a:shade val="50000"/>
+              </a:schemeClr>
+            </a:lnRef>
+            <a:fillRef idx="1">
+              <a:schemeClr val="accent1"/>
+            </a:fillRef>
+            <a:effectRef idx="0">
+              <a:schemeClr val="accent1"/>
+            </a:effectRef>
+            <a:fontRef idx="minor">
+              <a:schemeClr val="lt1"/>
+            </a:fontRef>
+          </p:style>
+          <p:txBody>
+            <a:bodyPr rtlCol="0" anchor="ctr"/>
+            <a:lstStyle/>
+            <a:p>
+              <a:pPr algn="ctr"/>
+              <a:endParaRPr lang="en-US"/>
+            </a:p>
+          </p:txBody>
+        </p:sp>
+      </p:grpSp>
       <p:grpSp>
         <p:nvGrpSpPr>
           <p:cNvPr id="14" name="Group 13"/>
@@ -3598,8 +5974,8 @@
           <p:nvPr/>
         </p:nvGrpSpPr>
         <p:grpSpPr>
-          <a:xfrm rot="5400000">
-            <a:off x="6215761" y="4824282"/>
+          <a:xfrm rot="16200000">
+            <a:off x="5589168" y="4794874"/>
             <a:ext cx="354227" cy="619897"/>
             <a:chOff x="4950941" y="24714"/>
             <a:chExt cx="790832" cy="1383956"/>
@@ -3686,16 +6062,165 @@
           </p:txBody>
         </p:sp>
       </p:grpSp>
-      <p:sp>
-        <p:nvSpPr>
-          <p:cNvPr id="17" name="TextBox 16"/>
+      <p:grpSp>
+        <p:nvGrpSpPr>
+          <p:cNvPr id="17" name="Group 16"/>
+          <p:cNvGrpSpPr/>
+          <p:nvPr/>
+        </p:nvGrpSpPr>
+        <p:grpSpPr>
+          <a:xfrm rot="16200000">
+            <a:off x="5589169" y="5506460"/>
+            <a:ext cx="354227" cy="619897"/>
+            <a:chOff x="4950941" y="24714"/>
+            <a:chExt cx="790832" cy="1383956"/>
+          </a:xfrm>
+        </p:grpSpPr>
+        <p:sp>
+          <p:nvSpPr>
+            <p:cNvPr id="18" name="Octagon 17"/>
+            <p:cNvSpPr/>
+            <p:nvPr/>
+          </p:nvSpPr>
+          <p:spPr>
+            <a:xfrm>
+              <a:off x="4950941" y="395416"/>
+              <a:ext cx="790832" cy="1013254"/>
+            </a:xfrm>
+            <a:prstGeom prst="octagon">
+              <a:avLst/>
+            </a:prstGeom>
+          </p:spPr>
+          <p:style>
+            <a:lnRef idx="2">
+              <a:schemeClr val="accent1">
+                <a:shade val="50000"/>
+              </a:schemeClr>
+            </a:lnRef>
+            <a:fillRef idx="1">
+              <a:schemeClr val="accent1"/>
+            </a:fillRef>
+            <a:effectRef idx="0">
+              <a:schemeClr val="accent1"/>
+            </a:effectRef>
+            <a:fontRef idx="minor">
+              <a:schemeClr val="lt1"/>
+            </a:fontRef>
+          </p:style>
+          <p:txBody>
+            <a:bodyPr rtlCol="0" anchor="ctr"/>
+            <a:lstStyle/>
+            <a:p>
+              <a:pPr algn="ctr"/>
+              <a:endParaRPr lang="en-US"/>
+            </a:p>
+          </p:txBody>
+        </p:sp>
+        <p:sp>
+          <p:nvSpPr>
+            <p:cNvPr id="19" name="Moon 18"/>
+            <p:cNvSpPr/>
+            <p:nvPr/>
+          </p:nvSpPr>
+          <p:spPr>
+            <a:xfrm rot="16200000">
+              <a:off x="5161006" y="-160637"/>
+              <a:ext cx="370702" cy="741404"/>
+            </a:xfrm>
+            <a:prstGeom prst="moon">
+              <a:avLst/>
+            </a:prstGeom>
+          </p:spPr>
+          <p:style>
+            <a:lnRef idx="2">
+              <a:schemeClr val="accent1">
+                <a:shade val="50000"/>
+              </a:schemeClr>
+            </a:lnRef>
+            <a:fillRef idx="1">
+              <a:schemeClr val="accent1"/>
+            </a:fillRef>
+            <a:effectRef idx="0">
+              <a:schemeClr val="accent1"/>
+            </a:effectRef>
+            <a:fontRef idx="minor">
+              <a:schemeClr val="lt1"/>
+            </a:fontRef>
+          </p:style>
+          <p:txBody>
+            <a:bodyPr rtlCol="0" anchor="ctr"/>
+            <a:lstStyle/>
+            <a:p>
+              <a:pPr algn="ctr"/>
+              <a:endParaRPr lang="en-US"/>
+            </a:p>
+          </p:txBody>
+        </p:sp>
+      </p:grpSp>
+    </p:spTree>
+    <p:extLst>
+      <p:ext uri="{BB962C8B-B14F-4D97-AF65-F5344CB8AC3E}">
+        <p14:creationId xmlns:p14="http://schemas.microsoft.com/office/powerpoint/2010/main" val="2513305907"/>
+      </p:ext>
+    </p:extLst>
+  </p:cSld>
+  <p:clrMapOvr>
+    <a:masterClrMapping/>
+  </p:clrMapOvr>
+</p:sld>
+</file>
+
+<file path=ppt/slides/slide4.xml><?xml version="1.0" encoding="utf-8"?>
+<p:sld xmlns:a="http://schemas.openxmlformats.org/drawingml/2006/main" xmlns:r="http://schemas.openxmlformats.org/officeDocument/2006/relationships" xmlns:p="http://schemas.openxmlformats.org/presentationml/2006/main">
+  <p:cSld>
+    <p:spTree>
+      <p:nvGrpSpPr>
+        <p:cNvPr id="1" name=""/>
+        <p:cNvGrpSpPr/>
+        <p:nvPr/>
+      </p:nvGrpSpPr>
+      <p:grpSpPr>
+        <a:xfrm>
+          <a:off x="0" y="0"/>
+          <a:ext cx="0" cy="0"/>
+          <a:chOff x="0" y="0"/>
+          <a:chExt cx="0" cy="0"/>
+        </a:xfrm>
+      </p:grpSpPr>
+      <p:pic>
+        <p:nvPicPr>
+          <p:cNvPr id="5" name="Picture 4"/>
+          <p:cNvPicPr>
+            <a:picLocks noChangeAspect="1"/>
+          </p:cNvPicPr>
+          <p:nvPr/>
+        </p:nvPicPr>
+        <p:blipFill>
+          <a:blip r:embed="rId2"/>
+          <a:stretch>
+            <a:fillRect/>
+          </a:stretch>
+        </p:blipFill>
+        <p:spPr>
+          <a:xfrm>
+            <a:off x="0" y="1218574"/>
+            <a:ext cx="12192000" cy="5639426"/>
+          </a:xfrm>
+          <a:prstGeom prst="rect">
+            <a:avLst/>
+          </a:prstGeom>
+        </p:spPr>
+      </p:pic>
+      <p:sp>
+        <p:nvSpPr>
+          <p:cNvPr id="3" name="TextBox 2"/>
           <p:cNvSpPr txBox="1"/>
           <p:nvPr/>
         </p:nvSpPr>
         <p:spPr>
           <a:xfrm>
-            <a:off x="6371580" y="4370849"/>
-            <a:ext cx="628762" cy="646331"/>
+            <a:off x="262581" y="166524"/>
+            <a:ext cx="10759132" cy="646331"/>
           </a:xfrm>
           <a:prstGeom prst="rect">
             <a:avLst/>
@@ -3703,37 +6228,4753 @@
           <a:noFill/>
         </p:spPr>
         <p:txBody>
-          <a:bodyPr wrap="none" rtlCol="0">
+          <a:bodyPr wrap="square" rtlCol="0">
             <a:spAutoFit/>
           </a:bodyPr>
           <a:lstStyle/>
           <a:p>
-            <a:pPr algn="ctr"/>
             <a:r>
               <a:rPr lang="en-US" dirty="0" smtClean="0"/>
-              <a:t>Rock</a:t>
-            </a:r>
-          </a:p>
-          <a:p>
-            <a:pPr algn="ctr"/>
+              <a:t>I’m across now.  Which way is the goal? Left or right?</a:t>
+            </a:r>
+          </a:p>
+          <a:p>
             <a:r>
               <a:rPr lang="en-US" dirty="0" smtClean="0"/>
-              <a:t>Wall</a:t>
-            </a:r>
-            <a:endParaRPr lang="en-US" dirty="0"/>
+              <a:t>When we get across, our camera will be able to pick up the goal from 2, 3, 4, or 5. If it can’t see it, turn right.</a:t>
+            </a:r>
+            <a:endParaRPr lang="en-US" dirty="0" smtClean="0"/>
           </a:p>
         </p:txBody>
       </p:sp>
+      <p:grpSp>
+        <p:nvGrpSpPr>
+          <p:cNvPr id="4" name="Group 3"/>
+          <p:cNvGrpSpPr/>
+          <p:nvPr/>
+        </p:nvGrpSpPr>
+        <p:grpSpPr>
+          <a:xfrm rot="16200000">
+            <a:off x="5608938" y="2593697"/>
+            <a:ext cx="354227" cy="619897"/>
+            <a:chOff x="4950941" y="24714"/>
+            <a:chExt cx="790832" cy="1383956"/>
+          </a:xfrm>
+        </p:grpSpPr>
+        <p:sp>
+          <p:nvSpPr>
+            <p:cNvPr id="6" name="Octagon 5"/>
+            <p:cNvSpPr/>
+            <p:nvPr/>
+          </p:nvSpPr>
+          <p:spPr>
+            <a:xfrm>
+              <a:off x="4950941" y="395416"/>
+              <a:ext cx="790832" cy="1013254"/>
+            </a:xfrm>
+            <a:prstGeom prst="octagon">
+              <a:avLst/>
+            </a:prstGeom>
+          </p:spPr>
+          <p:style>
+            <a:lnRef idx="2">
+              <a:schemeClr val="accent1">
+                <a:shade val="50000"/>
+              </a:schemeClr>
+            </a:lnRef>
+            <a:fillRef idx="1">
+              <a:schemeClr val="accent1"/>
+            </a:fillRef>
+            <a:effectRef idx="0">
+              <a:schemeClr val="accent1"/>
+            </a:effectRef>
+            <a:fontRef idx="minor">
+              <a:schemeClr val="lt1"/>
+            </a:fontRef>
+          </p:style>
+          <p:txBody>
+            <a:bodyPr rtlCol="0" anchor="ctr"/>
+            <a:lstStyle/>
+            <a:p>
+              <a:pPr algn="ctr"/>
+              <a:endParaRPr lang="en-US"/>
+            </a:p>
+          </p:txBody>
+        </p:sp>
+        <p:sp>
+          <p:nvSpPr>
+            <p:cNvPr id="7" name="Moon 6"/>
+            <p:cNvSpPr/>
+            <p:nvPr/>
+          </p:nvSpPr>
+          <p:spPr>
+            <a:xfrm rot="16200000">
+              <a:off x="5161006" y="-160637"/>
+              <a:ext cx="370702" cy="741404"/>
+            </a:xfrm>
+            <a:prstGeom prst="moon">
+              <a:avLst/>
+            </a:prstGeom>
+          </p:spPr>
+          <p:style>
+            <a:lnRef idx="2">
+              <a:schemeClr val="accent1">
+                <a:shade val="50000"/>
+              </a:schemeClr>
+            </a:lnRef>
+            <a:fillRef idx="1">
+              <a:schemeClr val="accent1"/>
+            </a:fillRef>
+            <a:effectRef idx="0">
+              <a:schemeClr val="accent1"/>
+            </a:effectRef>
+            <a:fontRef idx="minor">
+              <a:schemeClr val="lt1"/>
+            </a:fontRef>
+          </p:style>
+          <p:txBody>
+            <a:bodyPr rtlCol="0" anchor="ctr"/>
+            <a:lstStyle/>
+            <a:p>
+              <a:pPr algn="ctr"/>
+              <a:endParaRPr lang="en-US"/>
+            </a:p>
+          </p:txBody>
+        </p:sp>
+      </p:grpSp>
+      <p:grpSp>
+        <p:nvGrpSpPr>
+          <p:cNvPr id="8" name="Group 7"/>
+          <p:cNvGrpSpPr/>
+          <p:nvPr/>
+        </p:nvGrpSpPr>
+        <p:grpSpPr>
+          <a:xfrm rot="16200000">
+            <a:off x="5608938" y="3365914"/>
+            <a:ext cx="354227" cy="619897"/>
+            <a:chOff x="4950941" y="24714"/>
+            <a:chExt cx="790832" cy="1383956"/>
+          </a:xfrm>
+        </p:grpSpPr>
+        <p:sp>
+          <p:nvSpPr>
+            <p:cNvPr id="9" name="Octagon 8"/>
+            <p:cNvSpPr/>
+            <p:nvPr/>
+          </p:nvSpPr>
+          <p:spPr>
+            <a:xfrm>
+              <a:off x="4950941" y="395416"/>
+              <a:ext cx="790832" cy="1013254"/>
+            </a:xfrm>
+            <a:prstGeom prst="octagon">
+              <a:avLst/>
+            </a:prstGeom>
+          </p:spPr>
+          <p:style>
+            <a:lnRef idx="2">
+              <a:schemeClr val="accent1">
+                <a:shade val="50000"/>
+              </a:schemeClr>
+            </a:lnRef>
+            <a:fillRef idx="1">
+              <a:schemeClr val="accent1"/>
+            </a:fillRef>
+            <a:effectRef idx="0">
+              <a:schemeClr val="accent1"/>
+            </a:effectRef>
+            <a:fontRef idx="minor">
+              <a:schemeClr val="lt1"/>
+            </a:fontRef>
+          </p:style>
+          <p:txBody>
+            <a:bodyPr rtlCol="0" anchor="ctr"/>
+            <a:lstStyle/>
+            <a:p>
+              <a:pPr algn="ctr"/>
+              <a:endParaRPr lang="en-US"/>
+            </a:p>
+          </p:txBody>
+        </p:sp>
+        <p:sp>
+          <p:nvSpPr>
+            <p:cNvPr id="10" name="Moon 9"/>
+            <p:cNvSpPr/>
+            <p:nvPr/>
+          </p:nvSpPr>
+          <p:spPr>
+            <a:xfrm rot="16200000">
+              <a:off x="5161006" y="-160637"/>
+              <a:ext cx="370702" cy="741404"/>
+            </a:xfrm>
+            <a:prstGeom prst="moon">
+              <a:avLst/>
+            </a:prstGeom>
+          </p:spPr>
+          <p:style>
+            <a:lnRef idx="2">
+              <a:schemeClr val="accent1">
+                <a:shade val="50000"/>
+              </a:schemeClr>
+            </a:lnRef>
+            <a:fillRef idx="1">
+              <a:schemeClr val="accent1"/>
+            </a:fillRef>
+            <a:effectRef idx="0">
+              <a:schemeClr val="accent1"/>
+            </a:effectRef>
+            <a:fontRef idx="minor">
+              <a:schemeClr val="lt1"/>
+            </a:fontRef>
+          </p:style>
+          <p:txBody>
+            <a:bodyPr rtlCol="0" anchor="ctr"/>
+            <a:lstStyle/>
+            <a:p>
+              <a:pPr algn="ctr"/>
+              <a:endParaRPr lang="en-US"/>
+            </a:p>
+          </p:txBody>
+        </p:sp>
+      </p:grpSp>
+      <p:grpSp>
+        <p:nvGrpSpPr>
+          <p:cNvPr id="11" name="Group 10"/>
+          <p:cNvGrpSpPr/>
+          <p:nvPr/>
+        </p:nvGrpSpPr>
+        <p:grpSpPr>
+          <a:xfrm rot="16200000">
+            <a:off x="5591033" y="4039009"/>
+            <a:ext cx="354227" cy="619897"/>
+            <a:chOff x="4950941" y="24714"/>
+            <a:chExt cx="790832" cy="1383956"/>
+          </a:xfrm>
+        </p:grpSpPr>
+        <p:sp>
+          <p:nvSpPr>
+            <p:cNvPr id="12" name="Octagon 11"/>
+            <p:cNvSpPr/>
+            <p:nvPr/>
+          </p:nvSpPr>
+          <p:spPr>
+            <a:xfrm>
+              <a:off x="4950941" y="395416"/>
+              <a:ext cx="790832" cy="1013254"/>
+            </a:xfrm>
+            <a:prstGeom prst="octagon">
+              <a:avLst/>
+            </a:prstGeom>
+          </p:spPr>
+          <p:style>
+            <a:lnRef idx="2">
+              <a:schemeClr val="accent1">
+                <a:shade val="50000"/>
+              </a:schemeClr>
+            </a:lnRef>
+            <a:fillRef idx="1">
+              <a:schemeClr val="accent1"/>
+            </a:fillRef>
+            <a:effectRef idx="0">
+              <a:schemeClr val="accent1"/>
+            </a:effectRef>
+            <a:fontRef idx="minor">
+              <a:schemeClr val="lt1"/>
+            </a:fontRef>
+          </p:style>
+          <p:txBody>
+            <a:bodyPr rtlCol="0" anchor="ctr"/>
+            <a:lstStyle/>
+            <a:p>
+              <a:pPr algn="ctr"/>
+              <a:endParaRPr lang="en-US"/>
+            </a:p>
+          </p:txBody>
+        </p:sp>
+        <p:sp>
+          <p:nvSpPr>
+            <p:cNvPr id="13" name="Moon 12"/>
+            <p:cNvSpPr/>
+            <p:nvPr/>
+          </p:nvSpPr>
+          <p:spPr>
+            <a:xfrm rot="16200000">
+              <a:off x="5161006" y="-160637"/>
+              <a:ext cx="370702" cy="741404"/>
+            </a:xfrm>
+            <a:prstGeom prst="moon">
+              <a:avLst/>
+            </a:prstGeom>
+          </p:spPr>
+          <p:style>
+            <a:lnRef idx="2">
+              <a:schemeClr val="accent1">
+                <a:shade val="50000"/>
+              </a:schemeClr>
+            </a:lnRef>
+            <a:fillRef idx="1">
+              <a:schemeClr val="accent1"/>
+            </a:fillRef>
+            <a:effectRef idx="0">
+              <a:schemeClr val="accent1"/>
+            </a:effectRef>
+            <a:fontRef idx="minor">
+              <a:schemeClr val="lt1"/>
+            </a:fontRef>
+          </p:style>
+          <p:txBody>
+            <a:bodyPr rtlCol="0" anchor="ctr"/>
+            <a:lstStyle/>
+            <a:p>
+              <a:pPr algn="ctr"/>
+              <a:endParaRPr lang="en-US"/>
+            </a:p>
+          </p:txBody>
+        </p:sp>
+      </p:grpSp>
+      <p:grpSp>
+        <p:nvGrpSpPr>
+          <p:cNvPr id="14" name="Group 13"/>
+          <p:cNvGrpSpPr/>
+          <p:nvPr/>
+        </p:nvGrpSpPr>
+        <p:grpSpPr>
+          <a:xfrm rot="16200000">
+            <a:off x="5589168" y="4794874"/>
+            <a:ext cx="354227" cy="619897"/>
+            <a:chOff x="4950941" y="24714"/>
+            <a:chExt cx="790832" cy="1383956"/>
+          </a:xfrm>
+        </p:grpSpPr>
+        <p:sp>
+          <p:nvSpPr>
+            <p:cNvPr id="15" name="Octagon 14"/>
+            <p:cNvSpPr/>
+            <p:nvPr/>
+          </p:nvSpPr>
+          <p:spPr>
+            <a:xfrm>
+              <a:off x="4950941" y="395416"/>
+              <a:ext cx="790832" cy="1013254"/>
+            </a:xfrm>
+            <a:prstGeom prst="octagon">
+              <a:avLst/>
+            </a:prstGeom>
+          </p:spPr>
+          <p:style>
+            <a:lnRef idx="2">
+              <a:schemeClr val="accent1">
+                <a:shade val="50000"/>
+              </a:schemeClr>
+            </a:lnRef>
+            <a:fillRef idx="1">
+              <a:schemeClr val="accent1"/>
+            </a:fillRef>
+            <a:effectRef idx="0">
+              <a:schemeClr val="accent1"/>
+            </a:effectRef>
+            <a:fontRef idx="minor">
+              <a:schemeClr val="lt1"/>
+            </a:fontRef>
+          </p:style>
+          <p:txBody>
+            <a:bodyPr rtlCol="0" anchor="ctr"/>
+            <a:lstStyle/>
+            <a:p>
+              <a:pPr algn="ctr"/>
+              <a:endParaRPr lang="en-US"/>
+            </a:p>
+          </p:txBody>
+        </p:sp>
+        <p:sp>
+          <p:nvSpPr>
+            <p:cNvPr id="16" name="Moon 15"/>
+            <p:cNvSpPr/>
+            <p:nvPr/>
+          </p:nvSpPr>
+          <p:spPr>
+            <a:xfrm rot="16200000">
+              <a:off x="5161006" y="-160637"/>
+              <a:ext cx="370702" cy="741404"/>
+            </a:xfrm>
+            <a:prstGeom prst="moon">
+              <a:avLst/>
+            </a:prstGeom>
+          </p:spPr>
+          <p:style>
+            <a:lnRef idx="2">
+              <a:schemeClr val="accent1">
+                <a:shade val="50000"/>
+              </a:schemeClr>
+            </a:lnRef>
+            <a:fillRef idx="1">
+              <a:schemeClr val="accent1"/>
+            </a:fillRef>
+            <a:effectRef idx="0">
+              <a:schemeClr val="accent1"/>
+            </a:effectRef>
+            <a:fontRef idx="minor">
+              <a:schemeClr val="lt1"/>
+            </a:fontRef>
+          </p:style>
+          <p:txBody>
+            <a:bodyPr rtlCol="0" anchor="ctr"/>
+            <a:lstStyle/>
+            <a:p>
+              <a:pPr algn="ctr"/>
+              <a:endParaRPr lang="en-US"/>
+            </a:p>
+          </p:txBody>
+        </p:sp>
+      </p:grpSp>
+      <p:grpSp>
+        <p:nvGrpSpPr>
+          <p:cNvPr id="17" name="Group 16"/>
+          <p:cNvGrpSpPr/>
+          <p:nvPr/>
+        </p:nvGrpSpPr>
+        <p:grpSpPr>
+          <a:xfrm rot="16200000">
+            <a:off x="5589169" y="5506460"/>
+            <a:ext cx="354227" cy="619897"/>
+            <a:chOff x="4950941" y="24714"/>
+            <a:chExt cx="790832" cy="1383956"/>
+          </a:xfrm>
+        </p:grpSpPr>
+        <p:sp>
+          <p:nvSpPr>
+            <p:cNvPr id="18" name="Octagon 17"/>
+            <p:cNvSpPr/>
+            <p:nvPr/>
+          </p:nvSpPr>
+          <p:spPr>
+            <a:xfrm>
+              <a:off x="4950941" y="395416"/>
+              <a:ext cx="790832" cy="1013254"/>
+            </a:xfrm>
+            <a:prstGeom prst="octagon">
+              <a:avLst/>
+            </a:prstGeom>
+          </p:spPr>
+          <p:style>
+            <a:lnRef idx="2">
+              <a:schemeClr val="accent1">
+                <a:shade val="50000"/>
+              </a:schemeClr>
+            </a:lnRef>
+            <a:fillRef idx="1">
+              <a:schemeClr val="accent1"/>
+            </a:fillRef>
+            <a:effectRef idx="0">
+              <a:schemeClr val="accent1"/>
+            </a:effectRef>
+            <a:fontRef idx="minor">
+              <a:schemeClr val="lt1"/>
+            </a:fontRef>
+          </p:style>
+          <p:txBody>
+            <a:bodyPr rtlCol="0" anchor="ctr"/>
+            <a:lstStyle/>
+            <a:p>
+              <a:pPr algn="ctr"/>
+              <a:endParaRPr lang="en-US"/>
+            </a:p>
+          </p:txBody>
+        </p:sp>
+        <p:sp>
+          <p:nvSpPr>
+            <p:cNvPr id="19" name="Moon 18"/>
+            <p:cNvSpPr/>
+            <p:nvPr/>
+          </p:nvSpPr>
+          <p:spPr>
+            <a:xfrm rot="16200000">
+              <a:off x="5161006" y="-160637"/>
+              <a:ext cx="370702" cy="741404"/>
+            </a:xfrm>
+            <a:prstGeom prst="moon">
+              <a:avLst/>
+            </a:prstGeom>
+          </p:spPr>
+          <p:style>
+            <a:lnRef idx="2">
+              <a:schemeClr val="accent1">
+                <a:shade val="50000"/>
+              </a:schemeClr>
+            </a:lnRef>
+            <a:fillRef idx="1">
+              <a:schemeClr val="accent1"/>
+            </a:fillRef>
+            <a:effectRef idx="0">
+              <a:schemeClr val="accent1"/>
+            </a:effectRef>
+            <a:fontRef idx="minor">
+              <a:schemeClr val="lt1"/>
+            </a:fontRef>
+          </p:style>
+          <p:txBody>
+            <a:bodyPr rtlCol="0" anchor="ctr"/>
+            <a:lstStyle/>
+            <a:p>
+              <a:pPr algn="ctr"/>
+              <a:endParaRPr lang="en-US"/>
+            </a:p>
+          </p:txBody>
+        </p:sp>
+      </p:grpSp>
     </p:spTree>
     <p:extLst>
       <p:ext uri="{BB962C8B-B14F-4D97-AF65-F5344CB8AC3E}">
-        <p14:creationId xmlns:p14="http://schemas.microsoft.com/office/powerpoint/2010/main" val="1547878037"/>
+        <p14:creationId xmlns:p14="http://schemas.microsoft.com/office/powerpoint/2010/main" val="2218156230"/>
       </p:ext>
     </p:extLst>
   </p:cSld>
   <p:clrMapOvr>
     <a:masterClrMapping/>
   </p:clrMapOvr>
+  <p:timing>
+    <p:tnLst>
+      <p:par>
+        <p:cTn id="1" dur="indefinite" restart="never" nodeType="tmRoot">
+          <p:childTnLst>
+            <p:seq concurrent="1" nextAc="seek">
+              <p:cTn id="2" dur="indefinite" nodeType="mainSeq">
+                <p:childTnLst>
+                  <p:par>
+                    <p:cTn id="3" fill="hold">
+                      <p:stCondLst>
+                        <p:cond delay="indefinite"/>
+                      </p:stCondLst>
+                      <p:childTnLst>
+                        <p:par>
+                          <p:cTn id="4" fill="hold">
+                            <p:stCondLst>
+                              <p:cond delay="0"/>
+                            </p:stCondLst>
+                            <p:childTnLst>
+                              <p:par>
+                                <p:cTn id="5" presetID="42" presetClass="path" presetSubtype="0" accel="50000" decel="50000" fill="hold" nodeType="clickEffect">
+                                  <p:stCondLst>
+                                    <p:cond delay="0"/>
+                                  </p:stCondLst>
+                                  <p:childTnLst>
+                                    <p:animMotion origin="layout" path="M 8.33333E-7 3.7037E-7 L -0.18112 -0.00463 " pathEditMode="relative" rAng="0" ptsTypes="AA">
+                                      <p:cBhvr>
+                                        <p:cTn id="6" dur="2000" fill="hold"/>
+                                        <p:tgtEl>
+                                          <p:spTgt spid="4"/>
+                                        </p:tgtEl>
+                                        <p:attrNameLst>
+                                          <p:attrName>ppt_x</p:attrName>
+                                          <p:attrName>ppt_y</p:attrName>
+                                        </p:attrNameLst>
+                                      </p:cBhvr>
+                                      <p:rCtr x="-9063" y="-231"/>
+                                    </p:animMotion>
+                                  </p:childTnLst>
+                                </p:cTn>
+                              </p:par>
+                              <p:par>
+                                <p:cTn id="7" presetID="42" presetClass="path" presetSubtype="0" accel="50000" decel="50000" fill="hold" nodeType="withEffect">
+                                  <p:stCondLst>
+                                    <p:cond delay="0"/>
+                                  </p:stCondLst>
+                                  <p:childTnLst>
+                                    <p:animMotion origin="layout" path="M 8.33333E-7 3.7037E-7 L -0.18372 0.01065 " pathEditMode="relative" rAng="0" ptsTypes="AA">
+                                      <p:cBhvr>
+                                        <p:cTn id="8" dur="2000" fill="hold"/>
+                                        <p:tgtEl>
+                                          <p:spTgt spid="8"/>
+                                        </p:tgtEl>
+                                        <p:attrNameLst>
+                                          <p:attrName>ppt_x</p:attrName>
+                                          <p:attrName>ppt_y</p:attrName>
+                                        </p:attrNameLst>
+                                      </p:cBhvr>
+                                      <p:rCtr x="-9193" y="532"/>
+                                    </p:animMotion>
+                                  </p:childTnLst>
+                                </p:cTn>
+                              </p:par>
+                              <p:par>
+                                <p:cTn id="9" presetID="42" presetClass="path" presetSubtype="0" accel="50000" decel="50000" fill="hold" nodeType="withEffect">
+                                  <p:stCondLst>
+                                    <p:cond delay="0"/>
+                                  </p:stCondLst>
+                                  <p:childTnLst>
+                                    <p:animMotion origin="layout" path="M 3.125E-6 2.22222E-6 L -0.18099 0.01921 " pathEditMode="relative" rAng="0" ptsTypes="AA">
+                                      <p:cBhvr>
+                                        <p:cTn id="10" dur="2000" fill="hold"/>
+                                        <p:tgtEl>
+                                          <p:spTgt spid="11"/>
+                                        </p:tgtEl>
+                                        <p:attrNameLst>
+                                          <p:attrName>ppt_x</p:attrName>
+                                          <p:attrName>ppt_y</p:attrName>
+                                        </p:attrNameLst>
+                                      </p:cBhvr>
+                                      <p:rCtr x="-9049" y="949"/>
+                                    </p:animMotion>
+                                  </p:childTnLst>
+                                </p:cTn>
+                              </p:par>
+                              <p:par>
+                                <p:cTn id="11" presetID="42" presetClass="path" presetSubtype="0" accel="50000" decel="50000" fill="hold" nodeType="withEffect">
+                                  <p:stCondLst>
+                                    <p:cond delay="0"/>
+                                  </p:stCondLst>
+                                  <p:childTnLst>
+                                    <p:animMotion origin="layout" path="M 3.33333E-6 -2.96296E-6 L -0.17813 -0.00046 " pathEditMode="relative" rAng="0" ptsTypes="AA">
+                                      <p:cBhvr>
+                                        <p:cTn id="12" dur="2000" fill="hold"/>
+                                        <p:tgtEl>
+                                          <p:spTgt spid="14"/>
+                                        </p:tgtEl>
+                                        <p:attrNameLst>
+                                          <p:attrName>ppt_x</p:attrName>
+                                          <p:attrName>ppt_y</p:attrName>
+                                        </p:attrNameLst>
+                                      </p:cBhvr>
+                                      <p:rCtr x="-8906" y="-23"/>
+                                    </p:animMotion>
+                                  </p:childTnLst>
+                                </p:cTn>
+                              </p:par>
+                              <p:par>
+                                <p:cTn id="13" presetID="42" presetClass="path" presetSubtype="0" accel="50000" decel="50000" fill="hold" nodeType="withEffect">
+                                  <p:stCondLst>
+                                    <p:cond delay="0"/>
+                                  </p:stCondLst>
+                                  <p:childTnLst>
+                                    <p:animMotion origin="layout" path="M 3.33333E-6 1.85185E-6 L -0.17162 -0.01621 " pathEditMode="relative" rAng="0" ptsTypes="AA">
+                                      <p:cBhvr>
+                                        <p:cTn id="14" dur="2000" fill="hold"/>
+                                        <p:tgtEl>
+                                          <p:spTgt spid="17"/>
+                                        </p:tgtEl>
+                                        <p:attrNameLst>
+                                          <p:attrName>ppt_x</p:attrName>
+                                          <p:attrName>ppt_y</p:attrName>
+                                        </p:attrNameLst>
+                                      </p:cBhvr>
+                                      <p:rCtr x="-8581" y="-810"/>
+                                    </p:animMotion>
+                                  </p:childTnLst>
+                                </p:cTn>
+                              </p:par>
+                            </p:childTnLst>
+                          </p:cTn>
+                        </p:par>
+                      </p:childTnLst>
+                    </p:cTn>
+                  </p:par>
+                </p:childTnLst>
+              </p:cTn>
+              <p:prevCondLst>
+                <p:cond evt="onPrev" delay="0">
+                  <p:tgtEl>
+                    <p:sldTgt/>
+                  </p:tgtEl>
+                </p:cond>
+              </p:prevCondLst>
+              <p:nextCondLst>
+                <p:cond evt="onNext" delay="0">
+                  <p:tgtEl>
+                    <p:sldTgt/>
+                  </p:tgtEl>
+                </p:cond>
+              </p:nextCondLst>
+            </p:seq>
+          </p:childTnLst>
+        </p:cTn>
+      </p:par>
+    </p:tnLst>
+  </p:timing>
+</p:sld>
+</file>
+
+<file path=ppt/slides/slide5.xml><?xml version="1.0" encoding="utf-8"?>
+<p:sld xmlns:a="http://schemas.openxmlformats.org/drawingml/2006/main" xmlns:r="http://schemas.openxmlformats.org/officeDocument/2006/relationships" xmlns:p="http://schemas.openxmlformats.org/presentationml/2006/main">
+  <p:cSld>
+    <p:spTree>
+      <p:nvGrpSpPr>
+        <p:cNvPr id="1" name=""/>
+        <p:cNvGrpSpPr/>
+        <p:nvPr/>
+      </p:nvGrpSpPr>
+      <p:grpSpPr>
+        <a:xfrm>
+          <a:off x="0" y="0"/>
+          <a:ext cx="0" cy="0"/>
+          <a:chOff x="0" y="0"/>
+          <a:chExt cx="0" cy="0"/>
+        </a:xfrm>
+      </p:grpSpPr>
+      <p:pic>
+        <p:nvPicPr>
+          <p:cNvPr id="5" name="Picture 4"/>
+          <p:cNvPicPr>
+            <a:picLocks noChangeAspect="1"/>
+          </p:cNvPicPr>
+          <p:nvPr/>
+        </p:nvPicPr>
+        <p:blipFill>
+          <a:blip r:embed="rId3"/>
+          <a:stretch>
+            <a:fillRect/>
+          </a:stretch>
+        </p:blipFill>
+        <p:spPr>
+          <a:xfrm>
+            <a:off x="0" y="1218574"/>
+            <a:ext cx="12192000" cy="5639426"/>
+          </a:xfrm>
+          <a:prstGeom prst="rect">
+            <a:avLst/>
+          </a:prstGeom>
+        </p:spPr>
+      </p:pic>
+      <p:sp>
+        <p:nvSpPr>
+          <p:cNvPr id="3" name="TextBox 2"/>
+          <p:cNvSpPr txBox="1"/>
+          <p:nvPr/>
+        </p:nvSpPr>
+        <p:spPr>
+          <a:xfrm>
+            <a:off x="262581" y="166524"/>
+            <a:ext cx="10759132" cy="923330"/>
+          </a:xfrm>
+          <a:prstGeom prst="rect">
+            <a:avLst/>
+          </a:prstGeom>
+          <a:noFill/>
+        </p:spPr>
+        <p:txBody>
+          <a:bodyPr wrap="square" rtlCol="0">
+            <a:spAutoFit/>
+          </a:bodyPr>
+          <a:lstStyle/>
+          <a:p>
+            <a:r>
+              <a:rPr lang="en-US" dirty="0" smtClean="0"/>
+              <a:t>I’m across now.  Which way is the goal? Left or right?</a:t>
+            </a:r>
+          </a:p>
+          <a:p>
+            <a:r>
+              <a:rPr lang="en-US" dirty="0" smtClean="0"/>
+              <a:t>When we get across, our camera will probably be able to pick up the goal from 2, 3, 4, or 5. If it can’t see it, turn right.</a:t>
+            </a:r>
+            <a:endParaRPr lang="en-US" dirty="0" smtClean="0"/>
+          </a:p>
+        </p:txBody>
+      </p:sp>
+      <p:grpSp>
+        <p:nvGrpSpPr>
+          <p:cNvPr id="4" name="Group 3"/>
+          <p:cNvGrpSpPr/>
+          <p:nvPr/>
+        </p:nvGrpSpPr>
+        <p:grpSpPr>
+          <a:xfrm rot="16200000">
+            <a:off x="3573949" y="2593697"/>
+            <a:ext cx="354227" cy="619897"/>
+            <a:chOff x="4950941" y="24714"/>
+            <a:chExt cx="790832" cy="1383956"/>
+          </a:xfrm>
+        </p:grpSpPr>
+        <p:sp>
+          <p:nvSpPr>
+            <p:cNvPr id="6" name="Octagon 5"/>
+            <p:cNvSpPr/>
+            <p:nvPr/>
+          </p:nvSpPr>
+          <p:spPr>
+            <a:xfrm>
+              <a:off x="4950941" y="395416"/>
+              <a:ext cx="790832" cy="1013254"/>
+            </a:xfrm>
+            <a:prstGeom prst="octagon">
+              <a:avLst/>
+            </a:prstGeom>
+          </p:spPr>
+          <p:style>
+            <a:lnRef idx="2">
+              <a:schemeClr val="accent1">
+                <a:shade val="50000"/>
+              </a:schemeClr>
+            </a:lnRef>
+            <a:fillRef idx="1">
+              <a:schemeClr val="accent1"/>
+            </a:fillRef>
+            <a:effectRef idx="0">
+              <a:schemeClr val="accent1"/>
+            </a:effectRef>
+            <a:fontRef idx="minor">
+              <a:schemeClr val="lt1"/>
+            </a:fontRef>
+          </p:style>
+          <p:txBody>
+            <a:bodyPr rtlCol="0" anchor="ctr"/>
+            <a:lstStyle/>
+            <a:p>
+              <a:pPr algn="ctr"/>
+              <a:endParaRPr lang="en-US"/>
+            </a:p>
+          </p:txBody>
+        </p:sp>
+        <p:sp>
+          <p:nvSpPr>
+            <p:cNvPr id="7" name="Moon 6"/>
+            <p:cNvSpPr/>
+            <p:nvPr/>
+          </p:nvSpPr>
+          <p:spPr>
+            <a:xfrm rot="16200000">
+              <a:off x="5161006" y="-160637"/>
+              <a:ext cx="370702" cy="741404"/>
+            </a:xfrm>
+            <a:prstGeom prst="moon">
+              <a:avLst/>
+            </a:prstGeom>
+          </p:spPr>
+          <p:style>
+            <a:lnRef idx="2">
+              <a:schemeClr val="accent1">
+                <a:shade val="50000"/>
+              </a:schemeClr>
+            </a:lnRef>
+            <a:fillRef idx="1">
+              <a:schemeClr val="accent1"/>
+            </a:fillRef>
+            <a:effectRef idx="0">
+              <a:schemeClr val="accent1"/>
+            </a:effectRef>
+            <a:fontRef idx="minor">
+              <a:schemeClr val="lt1"/>
+            </a:fontRef>
+          </p:style>
+          <p:txBody>
+            <a:bodyPr rtlCol="0" anchor="ctr"/>
+            <a:lstStyle/>
+            <a:p>
+              <a:pPr algn="ctr"/>
+              <a:endParaRPr lang="en-US"/>
+            </a:p>
+          </p:txBody>
+        </p:sp>
+      </p:grpSp>
+      <p:grpSp>
+        <p:nvGrpSpPr>
+          <p:cNvPr id="8" name="Group 7"/>
+          <p:cNvGrpSpPr/>
+          <p:nvPr/>
+        </p:nvGrpSpPr>
+        <p:grpSpPr>
+          <a:xfrm rot="16200000">
+            <a:off x="3573949" y="3365914"/>
+            <a:ext cx="354227" cy="619897"/>
+            <a:chOff x="4950941" y="24714"/>
+            <a:chExt cx="790832" cy="1383956"/>
+          </a:xfrm>
+        </p:grpSpPr>
+        <p:sp>
+          <p:nvSpPr>
+            <p:cNvPr id="9" name="Octagon 8"/>
+            <p:cNvSpPr/>
+            <p:nvPr/>
+          </p:nvSpPr>
+          <p:spPr>
+            <a:xfrm>
+              <a:off x="4950941" y="395416"/>
+              <a:ext cx="790832" cy="1013254"/>
+            </a:xfrm>
+            <a:prstGeom prst="octagon">
+              <a:avLst/>
+            </a:prstGeom>
+          </p:spPr>
+          <p:style>
+            <a:lnRef idx="2">
+              <a:schemeClr val="accent1">
+                <a:shade val="50000"/>
+              </a:schemeClr>
+            </a:lnRef>
+            <a:fillRef idx="1">
+              <a:schemeClr val="accent1"/>
+            </a:fillRef>
+            <a:effectRef idx="0">
+              <a:schemeClr val="accent1"/>
+            </a:effectRef>
+            <a:fontRef idx="minor">
+              <a:schemeClr val="lt1"/>
+            </a:fontRef>
+          </p:style>
+          <p:txBody>
+            <a:bodyPr rtlCol="0" anchor="ctr"/>
+            <a:lstStyle/>
+            <a:p>
+              <a:pPr algn="ctr"/>
+              <a:endParaRPr lang="en-US"/>
+            </a:p>
+          </p:txBody>
+        </p:sp>
+        <p:sp>
+          <p:nvSpPr>
+            <p:cNvPr id="10" name="Moon 9"/>
+            <p:cNvSpPr/>
+            <p:nvPr/>
+          </p:nvSpPr>
+          <p:spPr>
+            <a:xfrm rot="16200000">
+              <a:off x="5161006" y="-160637"/>
+              <a:ext cx="370702" cy="741404"/>
+            </a:xfrm>
+            <a:prstGeom prst="moon">
+              <a:avLst/>
+            </a:prstGeom>
+          </p:spPr>
+          <p:style>
+            <a:lnRef idx="2">
+              <a:schemeClr val="accent1">
+                <a:shade val="50000"/>
+              </a:schemeClr>
+            </a:lnRef>
+            <a:fillRef idx="1">
+              <a:schemeClr val="accent1"/>
+            </a:fillRef>
+            <a:effectRef idx="0">
+              <a:schemeClr val="accent1"/>
+            </a:effectRef>
+            <a:fontRef idx="minor">
+              <a:schemeClr val="lt1"/>
+            </a:fontRef>
+          </p:style>
+          <p:txBody>
+            <a:bodyPr rtlCol="0" anchor="ctr"/>
+            <a:lstStyle/>
+            <a:p>
+              <a:pPr algn="ctr"/>
+              <a:endParaRPr lang="en-US"/>
+            </a:p>
+          </p:txBody>
+        </p:sp>
+      </p:grpSp>
+      <p:grpSp>
+        <p:nvGrpSpPr>
+          <p:cNvPr id="11" name="Group 10"/>
+          <p:cNvGrpSpPr/>
+          <p:nvPr/>
+        </p:nvGrpSpPr>
+        <p:grpSpPr>
+          <a:xfrm rot="16200000">
+            <a:off x="3556044" y="4039009"/>
+            <a:ext cx="354227" cy="619897"/>
+            <a:chOff x="4950941" y="24714"/>
+            <a:chExt cx="790832" cy="1383956"/>
+          </a:xfrm>
+        </p:grpSpPr>
+        <p:sp>
+          <p:nvSpPr>
+            <p:cNvPr id="12" name="Octagon 11"/>
+            <p:cNvSpPr/>
+            <p:nvPr/>
+          </p:nvSpPr>
+          <p:spPr>
+            <a:xfrm>
+              <a:off x="4950941" y="395416"/>
+              <a:ext cx="790832" cy="1013254"/>
+            </a:xfrm>
+            <a:prstGeom prst="octagon">
+              <a:avLst/>
+            </a:prstGeom>
+          </p:spPr>
+          <p:style>
+            <a:lnRef idx="2">
+              <a:schemeClr val="accent1">
+                <a:shade val="50000"/>
+              </a:schemeClr>
+            </a:lnRef>
+            <a:fillRef idx="1">
+              <a:schemeClr val="accent1"/>
+            </a:fillRef>
+            <a:effectRef idx="0">
+              <a:schemeClr val="accent1"/>
+            </a:effectRef>
+            <a:fontRef idx="minor">
+              <a:schemeClr val="lt1"/>
+            </a:fontRef>
+          </p:style>
+          <p:txBody>
+            <a:bodyPr rtlCol="0" anchor="ctr"/>
+            <a:lstStyle/>
+            <a:p>
+              <a:pPr algn="ctr"/>
+              <a:endParaRPr lang="en-US"/>
+            </a:p>
+          </p:txBody>
+        </p:sp>
+        <p:sp>
+          <p:nvSpPr>
+            <p:cNvPr id="13" name="Moon 12"/>
+            <p:cNvSpPr/>
+            <p:nvPr/>
+          </p:nvSpPr>
+          <p:spPr>
+            <a:xfrm rot="16200000">
+              <a:off x="5161006" y="-160637"/>
+              <a:ext cx="370702" cy="741404"/>
+            </a:xfrm>
+            <a:prstGeom prst="moon">
+              <a:avLst/>
+            </a:prstGeom>
+          </p:spPr>
+          <p:style>
+            <a:lnRef idx="2">
+              <a:schemeClr val="accent1">
+                <a:shade val="50000"/>
+              </a:schemeClr>
+            </a:lnRef>
+            <a:fillRef idx="1">
+              <a:schemeClr val="accent1"/>
+            </a:fillRef>
+            <a:effectRef idx="0">
+              <a:schemeClr val="accent1"/>
+            </a:effectRef>
+            <a:fontRef idx="minor">
+              <a:schemeClr val="lt1"/>
+            </a:fontRef>
+          </p:style>
+          <p:txBody>
+            <a:bodyPr rtlCol="0" anchor="ctr"/>
+            <a:lstStyle/>
+            <a:p>
+              <a:pPr algn="ctr"/>
+              <a:endParaRPr lang="en-US"/>
+            </a:p>
+          </p:txBody>
+        </p:sp>
+      </p:grpSp>
+      <p:grpSp>
+        <p:nvGrpSpPr>
+          <p:cNvPr id="14" name="Group 13"/>
+          <p:cNvGrpSpPr/>
+          <p:nvPr/>
+        </p:nvGrpSpPr>
+        <p:grpSpPr>
+          <a:xfrm rot="16200000">
+            <a:off x="3554179" y="4794874"/>
+            <a:ext cx="354227" cy="619897"/>
+            <a:chOff x="4950941" y="24714"/>
+            <a:chExt cx="790832" cy="1383956"/>
+          </a:xfrm>
+        </p:grpSpPr>
+        <p:sp>
+          <p:nvSpPr>
+            <p:cNvPr id="15" name="Octagon 14"/>
+            <p:cNvSpPr/>
+            <p:nvPr/>
+          </p:nvSpPr>
+          <p:spPr>
+            <a:xfrm>
+              <a:off x="4950941" y="395416"/>
+              <a:ext cx="790832" cy="1013254"/>
+            </a:xfrm>
+            <a:prstGeom prst="octagon">
+              <a:avLst/>
+            </a:prstGeom>
+          </p:spPr>
+          <p:style>
+            <a:lnRef idx="2">
+              <a:schemeClr val="accent1">
+                <a:shade val="50000"/>
+              </a:schemeClr>
+            </a:lnRef>
+            <a:fillRef idx="1">
+              <a:schemeClr val="accent1"/>
+            </a:fillRef>
+            <a:effectRef idx="0">
+              <a:schemeClr val="accent1"/>
+            </a:effectRef>
+            <a:fontRef idx="minor">
+              <a:schemeClr val="lt1"/>
+            </a:fontRef>
+          </p:style>
+          <p:txBody>
+            <a:bodyPr rtlCol="0" anchor="ctr"/>
+            <a:lstStyle/>
+            <a:p>
+              <a:pPr algn="ctr"/>
+              <a:endParaRPr lang="en-US"/>
+            </a:p>
+          </p:txBody>
+        </p:sp>
+        <p:sp>
+          <p:nvSpPr>
+            <p:cNvPr id="16" name="Moon 15"/>
+            <p:cNvSpPr/>
+            <p:nvPr/>
+          </p:nvSpPr>
+          <p:spPr>
+            <a:xfrm rot="16200000">
+              <a:off x="5161006" y="-160637"/>
+              <a:ext cx="370702" cy="741404"/>
+            </a:xfrm>
+            <a:prstGeom prst="moon">
+              <a:avLst/>
+            </a:prstGeom>
+          </p:spPr>
+          <p:style>
+            <a:lnRef idx="2">
+              <a:schemeClr val="accent1">
+                <a:shade val="50000"/>
+              </a:schemeClr>
+            </a:lnRef>
+            <a:fillRef idx="1">
+              <a:schemeClr val="accent1"/>
+            </a:fillRef>
+            <a:effectRef idx="0">
+              <a:schemeClr val="accent1"/>
+            </a:effectRef>
+            <a:fontRef idx="minor">
+              <a:schemeClr val="lt1"/>
+            </a:fontRef>
+          </p:style>
+          <p:txBody>
+            <a:bodyPr rtlCol="0" anchor="ctr"/>
+            <a:lstStyle/>
+            <a:p>
+              <a:pPr algn="ctr"/>
+              <a:endParaRPr lang="en-US"/>
+            </a:p>
+          </p:txBody>
+        </p:sp>
+      </p:grpSp>
+      <p:grpSp>
+        <p:nvGrpSpPr>
+          <p:cNvPr id="17" name="Group 16"/>
+          <p:cNvGrpSpPr/>
+          <p:nvPr/>
+        </p:nvGrpSpPr>
+        <p:grpSpPr>
+          <a:xfrm rot="18065057">
+            <a:off x="3554180" y="5506460"/>
+            <a:ext cx="354227" cy="619897"/>
+            <a:chOff x="4950941" y="24714"/>
+            <a:chExt cx="790832" cy="1383956"/>
+          </a:xfrm>
+        </p:grpSpPr>
+        <p:sp>
+          <p:nvSpPr>
+            <p:cNvPr id="18" name="Octagon 17"/>
+            <p:cNvSpPr/>
+            <p:nvPr/>
+          </p:nvSpPr>
+          <p:spPr>
+            <a:xfrm>
+              <a:off x="4950941" y="395416"/>
+              <a:ext cx="790832" cy="1013254"/>
+            </a:xfrm>
+            <a:prstGeom prst="octagon">
+              <a:avLst/>
+            </a:prstGeom>
+          </p:spPr>
+          <p:style>
+            <a:lnRef idx="2">
+              <a:schemeClr val="accent1">
+                <a:shade val="50000"/>
+              </a:schemeClr>
+            </a:lnRef>
+            <a:fillRef idx="1">
+              <a:schemeClr val="accent1"/>
+            </a:fillRef>
+            <a:effectRef idx="0">
+              <a:schemeClr val="accent1"/>
+            </a:effectRef>
+            <a:fontRef idx="minor">
+              <a:schemeClr val="lt1"/>
+            </a:fontRef>
+          </p:style>
+          <p:txBody>
+            <a:bodyPr rtlCol="0" anchor="ctr"/>
+            <a:lstStyle/>
+            <a:p>
+              <a:pPr algn="ctr"/>
+              <a:endParaRPr lang="en-US"/>
+            </a:p>
+          </p:txBody>
+        </p:sp>
+        <p:sp>
+          <p:nvSpPr>
+            <p:cNvPr id="19" name="Moon 18"/>
+            <p:cNvSpPr/>
+            <p:nvPr/>
+          </p:nvSpPr>
+          <p:spPr>
+            <a:xfrm rot="16200000">
+              <a:off x="5161006" y="-160637"/>
+              <a:ext cx="370702" cy="741404"/>
+            </a:xfrm>
+            <a:prstGeom prst="moon">
+              <a:avLst/>
+            </a:prstGeom>
+          </p:spPr>
+          <p:style>
+            <a:lnRef idx="2">
+              <a:schemeClr val="accent1">
+                <a:shade val="50000"/>
+              </a:schemeClr>
+            </a:lnRef>
+            <a:fillRef idx="1">
+              <a:schemeClr val="accent1"/>
+            </a:fillRef>
+            <a:effectRef idx="0">
+              <a:schemeClr val="accent1"/>
+            </a:effectRef>
+            <a:fontRef idx="minor">
+              <a:schemeClr val="lt1"/>
+            </a:fontRef>
+          </p:style>
+          <p:txBody>
+            <a:bodyPr rtlCol="0" anchor="ctr"/>
+            <a:lstStyle/>
+            <a:p>
+              <a:pPr algn="ctr"/>
+              <a:endParaRPr lang="en-US"/>
+            </a:p>
+          </p:txBody>
+        </p:sp>
+      </p:grpSp>
+    </p:spTree>
+    <p:extLst>
+      <p:ext uri="{BB962C8B-B14F-4D97-AF65-F5344CB8AC3E}">
+        <p14:creationId xmlns:p14="http://schemas.microsoft.com/office/powerpoint/2010/main" val="1744339842"/>
+      </p:ext>
+    </p:extLst>
+  </p:cSld>
+  <p:clrMapOvr>
+    <a:masterClrMapping/>
+  </p:clrMapOvr>
+  <p:timing>
+    <p:tnLst>
+      <p:par>
+        <p:cTn id="1" dur="indefinite" restart="never" nodeType="tmRoot"/>
+      </p:par>
+    </p:tnLst>
+  </p:timing>
+</p:sld>
+</file>
+
+<file path=ppt/slides/slide6.xml><?xml version="1.0" encoding="utf-8"?>
+<p:sld xmlns:a="http://schemas.openxmlformats.org/drawingml/2006/main" xmlns:r="http://schemas.openxmlformats.org/officeDocument/2006/relationships" xmlns:p="http://schemas.openxmlformats.org/presentationml/2006/main">
+  <p:cSld>
+    <p:spTree>
+      <p:nvGrpSpPr>
+        <p:cNvPr id="1" name=""/>
+        <p:cNvGrpSpPr/>
+        <p:nvPr/>
+      </p:nvGrpSpPr>
+      <p:grpSpPr>
+        <a:xfrm>
+          <a:off x="0" y="0"/>
+          <a:ext cx="0" cy="0"/>
+          <a:chOff x="0" y="0"/>
+          <a:chExt cx="0" cy="0"/>
+        </a:xfrm>
+      </p:grpSpPr>
+      <p:pic>
+        <p:nvPicPr>
+          <p:cNvPr id="5" name="Picture 4"/>
+          <p:cNvPicPr>
+            <a:picLocks noChangeAspect="1"/>
+          </p:cNvPicPr>
+          <p:nvPr/>
+        </p:nvPicPr>
+        <p:blipFill>
+          <a:blip r:embed="rId3"/>
+          <a:stretch>
+            <a:fillRect/>
+          </a:stretch>
+        </p:blipFill>
+        <p:spPr>
+          <a:xfrm>
+            <a:off x="0" y="1218574"/>
+            <a:ext cx="12192000" cy="5639426"/>
+          </a:xfrm>
+          <a:prstGeom prst="rect">
+            <a:avLst/>
+          </a:prstGeom>
+        </p:spPr>
+      </p:pic>
+      <p:sp>
+        <p:nvSpPr>
+          <p:cNvPr id="3" name="TextBox 2"/>
+          <p:cNvSpPr txBox="1"/>
+          <p:nvPr/>
+        </p:nvSpPr>
+        <p:spPr>
+          <a:xfrm>
+            <a:off x="262581" y="166524"/>
+            <a:ext cx="10759132" cy="369332"/>
+          </a:xfrm>
+          <a:prstGeom prst="rect">
+            <a:avLst/>
+          </a:prstGeom>
+          <a:noFill/>
+        </p:spPr>
+        <p:txBody>
+          <a:bodyPr wrap="square" rtlCol="0">
+            <a:spAutoFit/>
+          </a:bodyPr>
+          <a:lstStyle/>
+          <a:p>
+            <a:r>
+              <a:rPr lang="en-US" dirty="0" smtClean="0"/>
+              <a:t>Which goal do we shoot for?</a:t>
+            </a:r>
+            <a:endParaRPr lang="en-US" dirty="0" smtClean="0"/>
+          </a:p>
+        </p:txBody>
+      </p:sp>
+      <p:grpSp>
+        <p:nvGrpSpPr>
+          <p:cNvPr id="4" name="Group 3"/>
+          <p:cNvGrpSpPr/>
+          <p:nvPr/>
+        </p:nvGrpSpPr>
+        <p:grpSpPr>
+          <a:xfrm rot="16200000">
+            <a:off x="3573949" y="2593697"/>
+            <a:ext cx="354227" cy="619897"/>
+            <a:chOff x="4950941" y="24714"/>
+            <a:chExt cx="790832" cy="1383956"/>
+          </a:xfrm>
+        </p:grpSpPr>
+        <p:sp>
+          <p:nvSpPr>
+            <p:cNvPr id="6" name="Octagon 5"/>
+            <p:cNvSpPr/>
+            <p:nvPr/>
+          </p:nvSpPr>
+          <p:spPr>
+            <a:xfrm>
+              <a:off x="4950941" y="395416"/>
+              <a:ext cx="790832" cy="1013254"/>
+            </a:xfrm>
+            <a:prstGeom prst="octagon">
+              <a:avLst/>
+            </a:prstGeom>
+          </p:spPr>
+          <p:style>
+            <a:lnRef idx="2">
+              <a:schemeClr val="accent1">
+                <a:shade val="50000"/>
+              </a:schemeClr>
+            </a:lnRef>
+            <a:fillRef idx="1">
+              <a:schemeClr val="accent1"/>
+            </a:fillRef>
+            <a:effectRef idx="0">
+              <a:schemeClr val="accent1"/>
+            </a:effectRef>
+            <a:fontRef idx="minor">
+              <a:schemeClr val="lt1"/>
+            </a:fontRef>
+          </p:style>
+          <p:txBody>
+            <a:bodyPr rtlCol="0" anchor="ctr"/>
+            <a:lstStyle/>
+            <a:p>
+              <a:pPr algn="ctr"/>
+              <a:endParaRPr lang="en-US"/>
+            </a:p>
+          </p:txBody>
+        </p:sp>
+        <p:sp>
+          <p:nvSpPr>
+            <p:cNvPr id="7" name="Moon 6"/>
+            <p:cNvSpPr/>
+            <p:nvPr/>
+          </p:nvSpPr>
+          <p:spPr>
+            <a:xfrm rot="16200000">
+              <a:off x="5161006" y="-160637"/>
+              <a:ext cx="370702" cy="741404"/>
+            </a:xfrm>
+            <a:prstGeom prst="moon">
+              <a:avLst/>
+            </a:prstGeom>
+          </p:spPr>
+          <p:style>
+            <a:lnRef idx="2">
+              <a:schemeClr val="accent1">
+                <a:shade val="50000"/>
+              </a:schemeClr>
+            </a:lnRef>
+            <a:fillRef idx="1">
+              <a:schemeClr val="accent1"/>
+            </a:fillRef>
+            <a:effectRef idx="0">
+              <a:schemeClr val="accent1"/>
+            </a:effectRef>
+            <a:fontRef idx="minor">
+              <a:schemeClr val="lt1"/>
+            </a:fontRef>
+          </p:style>
+          <p:txBody>
+            <a:bodyPr rtlCol="0" anchor="ctr"/>
+            <a:lstStyle/>
+            <a:p>
+              <a:pPr algn="ctr"/>
+              <a:endParaRPr lang="en-US"/>
+            </a:p>
+          </p:txBody>
+        </p:sp>
+      </p:grpSp>
+      <p:grpSp>
+        <p:nvGrpSpPr>
+          <p:cNvPr id="8" name="Group 7"/>
+          <p:cNvGrpSpPr/>
+          <p:nvPr/>
+        </p:nvGrpSpPr>
+        <p:grpSpPr>
+          <a:xfrm rot="16200000">
+            <a:off x="3573949" y="3365914"/>
+            <a:ext cx="354227" cy="619897"/>
+            <a:chOff x="4950941" y="24714"/>
+            <a:chExt cx="790832" cy="1383956"/>
+          </a:xfrm>
+        </p:grpSpPr>
+        <p:sp>
+          <p:nvSpPr>
+            <p:cNvPr id="9" name="Octagon 8"/>
+            <p:cNvSpPr/>
+            <p:nvPr/>
+          </p:nvSpPr>
+          <p:spPr>
+            <a:xfrm>
+              <a:off x="4950941" y="395416"/>
+              <a:ext cx="790832" cy="1013254"/>
+            </a:xfrm>
+            <a:prstGeom prst="octagon">
+              <a:avLst/>
+            </a:prstGeom>
+          </p:spPr>
+          <p:style>
+            <a:lnRef idx="2">
+              <a:schemeClr val="accent1">
+                <a:shade val="50000"/>
+              </a:schemeClr>
+            </a:lnRef>
+            <a:fillRef idx="1">
+              <a:schemeClr val="accent1"/>
+            </a:fillRef>
+            <a:effectRef idx="0">
+              <a:schemeClr val="accent1"/>
+            </a:effectRef>
+            <a:fontRef idx="minor">
+              <a:schemeClr val="lt1"/>
+            </a:fontRef>
+          </p:style>
+          <p:txBody>
+            <a:bodyPr rtlCol="0" anchor="ctr"/>
+            <a:lstStyle/>
+            <a:p>
+              <a:pPr algn="ctr"/>
+              <a:endParaRPr lang="en-US"/>
+            </a:p>
+          </p:txBody>
+        </p:sp>
+        <p:sp>
+          <p:nvSpPr>
+            <p:cNvPr id="10" name="Moon 9"/>
+            <p:cNvSpPr/>
+            <p:nvPr/>
+          </p:nvSpPr>
+          <p:spPr>
+            <a:xfrm rot="16200000">
+              <a:off x="5161006" y="-160637"/>
+              <a:ext cx="370702" cy="741404"/>
+            </a:xfrm>
+            <a:prstGeom prst="moon">
+              <a:avLst/>
+            </a:prstGeom>
+          </p:spPr>
+          <p:style>
+            <a:lnRef idx="2">
+              <a:schemeClr val="accent1">
+                <a:shade val="50000"/>
+              </a:schemeClr>
+            </a:lnRef>
+            <a:fillRef idx="1">
+              <a:schemeClr val="accent1"/>
+            </a:fillRef>
+            <a:effectRef idx="0">
+              <a:schemeClr val="accent1"/>
+            </a:effectRef>
+            <a:fontRef idx="minor">
+              <a:schemeClr val="lt1"/>
+            </a:fontRef>
+          </p:style>
+          <p:txBody>
+            <a:bodyPr rtlCol="0" anchor="ctr"/>
+            <a:lstStyle/>
+            <a:p>
+              <a:pPr algn="ctr"/>
+              <a:endParaRPr lang="en-US"/>
+            </a:p>
+          </p:txBody>
+        </p:sp>
+      </p:grpSp>
+      <p:grpSp>
+        <p:nvGrpSpPr>
+          <p:cNvPr id="11" name="Group 10"/>
+          <p:cNvGrpSpPr/>
+          <p:nvPr/>
+        </p:nvGrpSpPr>
+        <p:grpSpPr>
+          <a:xfrm rot="16200000">
+            <a:off x="3556044" y="4039009"/>
+            <a:ext cx="354227" cy="619897"/>
+            <a:chOff x="4950941" y="24714"/>
+            <a:chExt cx="790832" cy="1383956"/>
+          </a:xfrm>
+        </p:grpSpPr>
+        <p:sp>
+          <p:nvSpPr>
+            <p:cNvPr id="12" name="Octagon 11"/>
+            <p:cNvSpPr/>
+            <p:nvPr/>
+          </p:nvSpPr>
+          <p:spPr>
+            <a:xfrm>
+              <a:off x="4950941" y="395416"/>
+              <a:ext cx="790832" cy="1013254"/>
+            </a:xfrm>
+            <a:prstGeom prst="octagon">
+              <a:avLst/>
+            </a:prstGeom>
+          </p:spPr>
+          <p:style>
+            <a:lnRef idx="2">
+              <a:schemeClr val="accent1">
+                <a:shade val="50000"/>
+              </a:schemeClr>
+            </a:lnRef>
+            <a:fillRef idx="1">
+              <a:schemeClr val="accent1"/>
+            </a:fillRef>
+            <a:effectRef idx="0">
+              <a:schemeClr val="accent1"/>
+            </a:effectRef>
+            <a:fontRef idx="minor">
+              <a:schemeClr val="lt1"/>
+            </a:fontRef>
+          </p:style>
+          <p:txBody>
+            <a:bodyPr rtlCol="0" anchor="ctr"/>
+            <a:lstStyle/>
+            <a:p>
+              <a:pPr algn="ctr"/>
+              <a:endParaRPr lang="en-US"/>
+            </a:p>
+          </p:txBody>
+        </p:sp>
+        <p:sp>
+          <p:nvSpPr>
+            <p:cNvPr id="13" name="Moon 12"/>
+            <p:cNvSpPr/>
+            <p:nvPr/>
+          </p:nvSpPr>
+          <p:spPr>
+            <a:xfrm rot="16200000">
+              <a:off x="5161006" y="-160637"/>
+              <a:ext cx="370702" cy="741404"/>
+            </a:xfrm>
+            <a:prstGeom prst="moon">
+              <a:avLst/>
+            </a:prstGeom>
+          </p:spPr>
+          <p:style>
+            <a:lnRef idx="2">
+              <a:schemeClr val="accent1">
+                <a:shade val="50000"/>
+              </a:schemeClr>
+            </a:lnRef>
+            <a:fillRef idx="1">
+              <a:schemeClr val="accent1"/>
+            </a:fillRef>
+            <a:effectRef idx="0">
+              <a:schemeClr val="accent1"/>
+            </a:effectRef>
+            <a:fontRef idx="minor">
+              <a:schemeClr val="lt1"/>
+            </a:fontRef>
+          </p:style>
+          <p:txBody>
+            <a:bodyPr rtlCol="0" anchor="ctr"/>
+            <a:lstStyle/>
+            <a:p>
+              <a:pPr algn="ctr"/>
+              <a:endParaRPr lang="en-US"/>
+            </a:p>
+          </p:txBody>
+        </p:sp>
+      </p:grpSp>
+      <p:grpSp>
+        <p:nvGrpSpPr>
+          <p:cNvPr id="14" name="Group 13"/>
+          <p:cNvGrpSpPr/>
+          <p:nvPr/>
+        </p:nvGrpSpPr>
+        <p:grpSpPr>
+          <a:xfrm rot="16200000">
+            <a:off x="3554179" y="4794874"/>
+            <a:ext cx="354227" cy="619897"/>
+            <a:chOff x="4950941" y="24714"/>
+            <a:chExt cx="790832" cy="1383956"/>
+          </a:xfrm>
+        </p:grpSpPr>
+        <p:sp>
+          <p:nvSpPr>
+            <p:cNvPr id="15" name="Octagon 14"/>
+            <p:cNvSpPr/>
+            <p:nvPr/>
+          </p:nvSpPr>
+          <p:spPr>
+            <a:xfrm>
+              <a:off x="4950941" y="395416"/>
+              <a:ext cx="790832" cy="1013254"/>
+            </a:xfrm>
+            <a:prstGeom prst="octagon">
+              <a:avLst/>
+            </a:prstGeom>
+          </p:spPr>
+          <p:style>
+            <a:lnRef idx="2">
+              <a:schemeClr val="accent1">
+                <a:shade val="50000"/>
+              </a:schemeClr>
+            </a:lnRef>
+            <a:fillRef idx="1">
+              <a:schemeClr val="accent1"/>
+            </a:fillRef>
+            <a:effectRef idx="0">
+              <a:schemeClr val="accent1"/>
+            </a:effectRef>
+            <a:fontRef idx="minor">
+              <a:schemeClr val="lt1"/>
+            </a:fontRef>
+          </p:style>
+          <p:txBody>
+            <a:bodyPr rtlCol="0" anchor="ctr"/>
+            <a:lstStyle/>
+            <a:p>
+              <a:pPr algn="ctr"/>
+              <a:endParaRPr lang="en-US"/>
+            </a:p>
+          </p:txBody>
+        </p:sp>
+        <p:sp>
+          <p:nvSpPr>
+            <p:cNvPr id="16" name="Moon 15"/>
+            <p:cNvSpPr/>
+            <p:nvPr/>
+          </p:nvSpPr>
+          <p:spPr>
+            <a:xfrm rot="16200000">
+              <a:off x="5161006" y="-160637"/>
+              <a:ext cx="370702" cy="741404"/>
+            </a:xfrm>
+            <a:prstGeom prst="moon">
+              <a:avLst/>
+            </a:prstGeom>
+          </p:spPr>
+          <p:style>
+            <a:lnRef idx="2">
+              <a:schemeClr val="accent1">
+                <a:shade val="50000"/>
+              </a:schemeClr>
+            </a:lnRef>
+            <a:fillRef idx="1">
+              <a:schemeClr val="accent1"/>
+            </a:fillRef>
+            <a:effectRef idx="0">
+              <a:schemeClr val="accent1"/>
+            </a:effectRef>
+            <a:fontRef idx="minor">
+              <a:schemeClr val="lt1"/>
+            </a:fontRef>
+          </p:style>
+          <p:txBody>
+            <a:bodyPr rtlCol="0" anchor="ctr"/>
+            <a:lstStyle/>
+            <a:p>
+              <a:pPr algn="ctr"/>
+              <a:endParaRPr lang="en-US"/>
+            </a:p>
+          </p:txBody>
+        </p:sp>
+      </p:grpSp>
+      <p:grpSp>
+        <p:nvGrpSpPr>
+          <p:cNvPr id="17" name="Group 16"/>
+          <p:cNvGrpSpPr/>
+          <p:nvPr/>
+        </p:nvGrpSpPr>
+        <p:grpSpPr>
+          <a:xfrm rot="18065057">
+            <a:off x="3554180" y="5506460"/>
+            <a:ext cx="354227" cy="619897"/>
+            <a:chOff x="4950941" y="24714"/>
+            <a:chExt cx="790832" cy="1383956"/>
+          </a:xfrm>
+        </p:grpSpPr>
+        <p:sp>
+          <p:nvSpPr>
+            <p:cNvPr id="18" name="Octagon 17"/>
+            <p:cNvSpPr/>
+            <p:nvPr/>
+          </p:nvSpPr>
+          <p:spPr>
+            <a:xfrm>
+              <a:off x="4950941" y="395416"/>
+              <a:ext cx="790832" cy="1013254"/>
+            </a:xfrm>
+            <a:prstGeom prst="octagon">
+              <a:avLst/>
+            </a:prstGeom>
+          </p:spPr>
+          <p:style>
+            <a:lnRef idx="2">
+              <a:schemeClr val="accent1">
+                <a:shade val="50000"/>
+              </a:schemeClr>
+            </a:lnRef>
+            <a:fillRef idx="1">
+              <a:schemeClr val="accent1"/>
+            </a:fillRef>
+            <a:effectRef idx="0">
+              <a:schemeClr val="accent1"/>
+            </a:effectRef>
+            <a:fontRef idx="minor">
+              <a:schemeClr val="lt1"/>
+            </a:fontRef>
+          </p:style>
+          <p:txBody>
+            <a:bodyPr rtlCol="0" anchor="ctr"/>
+            <a:lstStyle/>
+            <a:p>
+              <a:pPr algn="ctr"/>
+              <a:endParaRPr lang="en-US"/>
+            </a:p>
+          </p:txBody>
+        </p:sp>
+        <p:sp>
+          <p:nvSpPr>
+            <p:cNvPr id="19" name="Moon 18"/>
+            <p:cNvSpPr/>
+            <p:nvPr/>
+          </p:nvSpPr>
+          <p:spPr>
+            <a:xfrm rot="16200000">
+              <a:off x="5161006" y="-160637"/>
+              <a:ext cx="370702" cy="741404"/>
+            </a:xfrm>
+            <a:prstGeom prst="moon">
+              <a:avLst/>
+            </a:prstGeom>
+          </p:spPr>
+          <p:style>
+            <a:lnRef idx="2">
+              <a:schemeClr val="accent1">
+                <a:shade val="50000"/>
+              </a:schemeClr>
+            </a:lnRef>
+            <a:fillRef idx="1">
+              <a:schemeClr val="accent1"/>
+            </a:fillRef>
+            <a:effectRef idx="0">
+              <a:schemeClr val="accent1"/>
+            </a:effectRef>
+            <a:fontRef idx="minor">
+              <a:schemeClr val="lt1"/>
+            </a:fontRef>
+          </p:style>
+          <p:txBody>
+            <a:bodyPr rtlCol="0" anchor="ctr"/>
+            <a:lstStyle/>
+            <a:p>
+              <a:pPr algn="ctr"/>
+              <a:endParaRPr lang="en-US"/>
+            </a:p>
+          </p:txBody>
+        </p:sp>
+      </p:grpSp>
+      <p:sp>
+        <p:nvSpPr>
+          <p:cNvPr id="28" name="Freeform 27"/>
+          <p:cNvSpPr/>
+          <p:nvPr/>
+        </p:nvSpPr>
+        <p:spPr>
+          <a:xfrm>
+            <a:off x="1900518" y="4195482"/>
+            <a:ext cx="1568823" cy="1497106"/>
+          </a:xfrm>
+          <a:custGeom>
+            <a:avLst/>
+            <a:gdLst>
+              <a:gd name="connsiteX0" fmla="*/ 1568823 w 1568823"/>
+              <a:gd name="connsiteY0" fmla="*/ 1497106 h 1497106"/>
+              <a:gd name="connsiteX1" fmla="*/ 672353 w 1568823"/>
+              <a:gd name="connsiteY1" fmla="*/ 1192306 h 1497106"/>
+              <a:gd name="connsiteX2" fmla="*/ 0 w 1568823"/>
+              <a:gd name="connsiteY2" fmla="*/ 0 h 1497106"/>
+            </a:gdLst>
+            <a:ahLst/>
+            <a:cxnLst>
+              <a:cxn ang="0">
+                <a:pos x="connsiteX0" y="connsiteY0"/>
+              </a:cxn>
+              <a:cxn ang="0">
+                <a:pos x="connsiteX1" y="connsiteY1"/>
+              </a:cxn>
+              <a:cxn ang="0">
+                <a:pos x="connsiteX2" y="connsiteY2"/>
+              </a:cxn>
+            </a:cxnLst>
+            <a:rect l="l" t="t" r="r" b="b"/>
+            <a:pathLst>
+              <a:path w="1568823" h="1497106">
+                <a:moveTo>
+                  <a:pt x="1568823" y="1497106"/>
+                </a:moveTo>
+                <a:cubicBezTo>
+                  <a:pt x="1251323" y="1469465"/>
+                  <a:pt x="933823" y="1441824"/>
+                  <a:pt x="672353" y="1192306"/>
+                </a:cubicBezTo>
+                <a:cubicBezTo>
+                  <a:pt x="410883" y="942788"/>
+                  <a:pt x="112059" y="201706"/>
+                  <a:pt x="0" y="0"/>
+                </a:cubicBezTo>
+              </a:path>
+            </a:pathLst>
+          </a:custGeom>
+          <a:noFill/>
+          <a:ln w="57150">
+            <a:solidFill>
+              <a:schemeClr val="tx1"/>
+            </a:solidFill>
+            <a:headEnd type="none" w="med" len="med"/>
+            <a:tailEnd type="triangle" w="med" len="med"/>
+          </a:ln>
+        </p:spPr>
+        <p:style>
+          <a:lnRef idx="2">
+            <a:schemeClr val="accent1">
+              <a:shade val="50000"/>
+            </a:schemeClr>
+          </a:lnRef>
+          <a:fillRef idx="1">
+            <a:schemeClr val="accent1"/>
+          </a:fillRef>
+          <a:effectRef idx="0">
+            <a:schemeClr val="accent1"/>
+          </a:effectRef>
+          <a:fontRef idx="minor">
+            <a:schemeClr val="lt1"/>
+          </a:fontRef>
+        </p:style>
+        <p:txBody>
+          <a:bodyPr rtlCol="0" anchor="ctr"/>
+          <a:lstStyle/>
+          <a:p>
+            <a:pPr algn="ctr"/>
+            <a:endParaRPr lang="en-US"/>
+          </a:p>
+        </p:txBody>
+      </p:sp>
+      <p:sp>
+        <p:nvSpPr>
+          <p:cNvPr id="29" name="Freeform 28"/>
+          <p:cNvSpPr/>
+          <p:nvPr/>
+        </p:nvSpPr>
+        <p:spPr>
+          <a:xfrm>
+            <a:off x="1963271" y="4276165"/>
+            <a:ext cx="1479176" cy="884459"/>
+          </a:xfrm>
+          <a:custGeom>
+            <a:avLst/>
+            <a:gdLst>
+              <a:gd name="connsiteX0" fmla="*/ 1479176 w 1479176"/>
+              <a:gd name="connsiteY0" fmla="*/ 806823 h 884459"/>
+              <a:gd name="connsiteX1" fmla="*/ 618564 w 1479176"/>
+              <a:gd name="connsiteY1" fmla="*/ 806823 h 884459"/>
+              <a:gd name="connsiteX2" fmla="*/ 0 w 1479176"/>
+              <a:gd name="connsiteY2" fmla="*/ 0 h 884459"/>
+            </a:gdLst>
+            <a:ahLst/>
+            <a:cxnLst>
+              <a:cxn ang="0">
+                <a:pos x="connsiteX0" y="connsiteY0"/>
+              </a:cxn>
+              <a:cxn ang="0">
+                <a:pos x="connsiteX1" y="connsiteY1"/>
+              </a:cxn>
+              <a:cxn ang="0">
+                <a:pos x="connsiteX2" y="connsiteY2"/>
+              </a:cxn>
+            </a:cxnLst>
+            <a:rect l="l" t="t" r="r" b="b"/>
+            <a:pathLst>
+              <a:path w="1479176" h="884459">
+                <a:moveTo>
+                  <a:pt x="1479176" y="806823"/>
+                </a:moveTo>
+                <a:cubicBezTo>
+                  <a:pt x="1172134" y="874058"/>
+                  <a:pt x="865093" y="941294"/>
+                  <a:pt x="618564" y="806823"/>
+                </a:cubicBezTo>
+                <a:cubicBezTo>
+                  <a:pt x="372035" y="672352"/>
+                  <a:pt x="83670" y="153894"/>
+                  <a:pt x="0" y="0"/>
+                </a:cubicBezTo>
+              </a:path>
+            </a:pathLst>
+          </a:custGeom>
+          <a:noFill/>
+          <a:ln w="57150">
+            <a:solidFill>
+              <a:schemeClr val="tx1"/>
+            </a:solidFill>
+          </a:ln>
+        </p:spPr>
+        <p:style>
+          <a:lnRef idx="2">
+            <a:schemeClr val="accent1">
+              <a:shade val="50000"/>
+            </a:schemeClr>
+          </a:lnRef>
+          <a:fillRef idx="1">
+            <a:schemeClr val="accent1"/>
+          </a:fillRef>
+          <a:effectRef idx="0">
+            <a:schemeClr val="accent1"/>
+          </a:effectRef>
+          <a:fontRef idx="minor">
+            <a:schemeClr val="lt1"/>
+          </a:fontRef>
+        </p:style>
+        <p:txBody>
+          <a:bodyPr rtlCol="0" anchor="ctr"/>
+          <a:lstStyle/>
+          <a:p>
+            <a:pPr algn="ctr"/>
+            <a:endParaRPr lang="en-US"/>
+          </a:p>
+        </p:txBody>
+      </p:sp>
+      <p:sp>
+        <p:nvSpPr>
+          <p:cNvPr id="32" name="Freeform 31"/>
+          <p:cNvSpPr/>
+          <p:nvPr/>
+        </p:nvSpPr>
+        <p:spPr>
+          <a:xfrm>
+            <a:off x="2115671" y="3887468"/>
+            <a:ext cx="1308847" cy="514574"/>
+          </a:xfrm>
+          <a:custGeom>
+            <a:avLst/>
+            <a:gdLst>
+              <a:gd name="connsiteX0" fmla="*/ 1308847 w 1308847"/>
+              <a:gd name="connsiteY0" fmla="*/ 478344 h 514574"/>
+              <a:gd name="connsiteX1" fmla="*/ 1039905 w 1308847"/>
+              <a:gd name="connsiteY1" fmla="*/ 478344 h 514574"/>
+              <a:gd name="connsiteX2" fmla="*/ 1013011 w 1308847"/>
+              <a:gd name="connsiteY2" fmla="*/ 101826 h 514574"/>
+              <a:gd name="connsiteX3" fmla="*/ 762000 w 1308847"/>
+              <a:gd name="connsiteY3" fmla="*/ 12179 h 514574"/>
+              <a:gd name="connsiteX4" fmla="*/ 0 w 1308847"/>
+              <a:gd name="connsiteY4" fmla="*/ 3214 h 514574"/>
+            </a:gdLst>
+            <a:ahLst/>
+            <a:cxnLst>
+              <a:cxn ang="0">
+                <a:pos x="connsiteX0" y="connsiteY0"/>
+              </a:cxn>
+              <a:cxn ang="0">
+                <a:pos x="connsiteX1" y="connsiteY1"/>
+              </a:cxn>
+              <a:cxn ang="0">
+                <a:pos x="connsiteX2" y="connsiteY2"/>
+              </a:cxn>
+              <a:cxn ang="0">
+                <a:pos x="connsiteX3" y="connsiteY3"/>
+              </a:cxn>
+              <a:cxn ang="0">
+                <a:pos x="connsiteX4" y="connsiteY4"/>
+              </a:cxn>
+            </a:cxnLst>
+            <a:rect l="l" t="t" r="r" b="b"/>
+            <a:pathLst>
+              <a:path w="1308847" h="514574">
+                <a:moveTo>
+                  <a:pt x="1308847" y="478344"/>
+                </a:moveTo>
+                <a:cubicBezTo>
+                  <a:pt x="1199029" y="509720"/>
+                  <a:pt x="1089211" y="541097"/>
+                  <a:pt x="1039905" y="478344"/>
+                </a:cubicBezTo>
+                <a:cubicBezTo>
+                  <a:pt x="990599" y="415591"/>
+                  <a:pt x="1059329" y="179520"/>
+                  <a:pt x="1013011" y="101826"/>
+                </a:cubicBezTo>
+                <a:cubicBezTo>
+                  <a:pt x="966693" y="24132"/>
+                  <a:pt x="930835" y="28614"/>
+                  <a:pt x="762000" y="12179"/>
+                </a:cubicBezTo>
+                <a:cubicBezTo>
+                  <a:pt x="593165" y="-4256"/>
+                  <a:pt x="296582" y="-521"/>
+                  <a:pt x="0" y="3214"/>
+                </a:cubicBezTo>
+              </a:path>
+            </a:pathLst>
+          </a:custGeom>
+          <a:noFill/>
+          <a:ln w="57150">
+            <a:solidFill>
+              <a:schemeClr val="tx1"/>
+            </a:solidFill>
+            <a:headEnd type="none" w="med" len="med"/>
+            <a:tailEnd type="triangle" w="med" len="med"/>
+          </a:ln>
+        </p:spPr>
+        <p:style>
+          <a:lnRef idx="2">
+            <a:schemeClr val="accent1">
+              <a:shade val="50000"/>
+            </a:schemeClr>
+          </a:lnRef>
+          <a:fillRef idx="1">
+            <a:schemeClr val="accent1"/>
+          </a:fillRef>
+          <a:effectRef idx="0">
+            <a:schemeClr val="accent1"/>
+          </a:effectRef>
+          <a:fontRef idx="minor">
+            <a:schemeClr val="lt1"/>
+          </a:fontRef>
+        </p:style>
+        <p:txBody>
+          <a:bodyPr rtlCol="0" anchor="ctr"/>
+          <a:lstStyle/>
+          <a:p>
+            <a:pPr algn="ctr"/>
+            <a:endParaRPr lang="en-US"/>
+          </a:p>
+        </p:txBody>
+      </p:sp>
+      <p:sp>
+        <p:nvSpPr>
+          <p:cNvPr id="33" name="Freeform 32"/>
+          <p:cNvSpPr/>
+          <p:nvPr/>
+        </p:nvSpPr>
+        <p:spPr>
+          <a:xfrm>
+            <a:off x="2241176" y="3674928"/>
+            <a:ext cx="1237130" cy="197826"/>
+          </a:xfrm>
+          <a:custGeom>
+            <a:avLst/>
+            <a:gdLst>
+              <a:gd name="connsiteX0" fmla="*/ 1237130 w 1237130"/>
+              <a:gd name="connsiteY0" fmla="*/ 36461 h 197826"/>
+              <a:gd name="connsiteX1" fmla="*/ 887506 w 1237130"/>
+              <a:gd name="connsiteY1" fmla="*/ 9567 h 197826"/>
+              <a:gd name="connsiteX2" fmla="*/ 824753 w 1237130"/>
+              <a:gd name="connsiteY2" fmla="*/ 179896 h 197826"/>
+              <a:gd name="connsiteX3" fmla="*/ 537883 w 1237130"/>
+              <a:gd name="connsiteY3" fmla="*/ 179896 h 197826"/>
+              <a:gd name="connsiteX4" fmla="*/ 0 w 1237130"/>
+              <a:gd name="connsiteY4" fmla="*/ 197826 h 197826"/>
+              <a:gd name="connsiteX5" fmla="*/ 0 w 1237130"/>
+              <a:gd name="connsiteY5" fmla="*/ 197826 h 197826"/>
+            </a:gdLst>
+            <a:ahLst/>
+            <a:cxnLst>
+              <a:cxn ang="0">
+                <a:pos x="connsiteX0" y="connsiteY0"/>
+              </a:cxn>
+              <a:cxn ang="0">
+                <a:pos x="connsiteX1" y="connsiteY1"/>
+              </a:cxn>
+              <a:cxn ang="0">
+                <a:pos x="connsiteX2" y="connsiteY2"/>
+              </a:cxn>
+              <a:cxn ang="0">
+                <a:pos x="connsiteX3" y="connsiteY3"/>
+              </a:cxn>
+              <a:cxn ang="0">
+                <a:pos x="connsiteX4" y="connsiteY4"/>
+              </a:cxn>
+              <a:cxn ang="0">
+                <a:pos x="connsiteX5" y="connsiteY5"/>
+              </a:cxn>
+            </a:cxnLst>
+            <a:rect l="l" t="t" r="r" b="b"/>
+            <a:pathLst>
+              <a:path w="1237130" h="197826">
+                <a:moveTo>
+                  <a:pt x="1237130" y="36461"/>
+                </a:moveTo>
+                <a:cubicBezTo>
+                  <a:pt x="1096682" y="11061"/>
+                  <a:pt x="956235" y="-14339"/>
+                  <a:pt x="887506" y="9567"/>
+                </a:cubicBezTo>
+                <a:cubicBezTo>
+                  <a:pt x="818777" y="33473"/>
+                  <a:pt x="883023" y="151508"/>
+                  <a:pt x="824753" y="179896"/>
+                </a:cubicBezTo>
+                <a:cubicBezTo>
+                  <a:pt x="766483" y="208284"/>
+                  <a:pt x="675342" y="176908"/>
+                  <a:pt x="537883" y="179896"/>
+                </a:cubicBezTo>
+                <a:cubicBezTo>
+                  <a:pt x="400424" y="182884"/>
+                  <a:pt x="0" y="197826"/>
+                  <a:pt x="0" y="197826"/>
+                </a:cubicBezTo>
+                <a:lnTo>
+                  <a:pt x="0" y="197826"/>
+                </a:lnTo>
+              </a:path>
+            </a:pathLst>
+          </a:custGeom>
+          <a:noFill/>
+          <a:ln w="57150">
+            <a:solidFill>
+              <a:schemeClr val="tx1"/>
+            </a:solidFill>
+          </a:ln>
+        </p:spPr>
+        <p:style>
+          <a:lnRef idx="2">
+            <a:schemeClr val="accent1">
+              <a:shade val="50000"/>
+            </a:schemeClr>
+          </a:lnRef>
+          <a:fillRef idx="1">
+            <a:schemeClr val="accent1"/>
+          </a:fillRef>
+          <a:effectRef idx="0">
+            <a:schemeClr val="accent1"/>
+          </a:effectRef>
+          <a:fontRef idx="minor">
+            <a:schemeClr val="lt1"/>
+          </a:fontRef>
+        </p:style>
+        <p:txBody>
+          <a:bodyPr rtlCol="0" anchor="ctr"/>
+          <a:lstStyle/>
+          <a:p>
+            <a:pPr algn="ctr"/>
+            <a:endParaRPr lang="en-US"/>
+          </a:p>
+        </p:txBody>
+      </p:sp>
+      <p:sp>
+        <p:nvSpPr>
+          <p:cNvPr id="34" name="Freeform 33"/>
+          <p:cNvSpPr/>
+          <p:nvPr/>
+        </p:nvSpPr>
+        <p:spPr>
+          <a:xfrm>
+            <a:off x="1909482" y="2839607"/>
+            <a:ext cx="1524000" cy="647664"/>
+          </a:xfrm>
+          <a:custGeom>
+            <a:avLst/>
+            <a:gdLst>
+              <a:gd name="connsiteX0" fmla="*/ 1524000 w 1524000"/>
+              <a:gd name="connsiteY0" fmla="*/ 20134 h 647664"/>
+              <a:gd name="connsiteX1" fmla="*/ 681318 w 1524000"/>
+              <a:gd name="connsiteY1" fmla="*/ 11169 h 647664"/>
+              <a:gd name="connsiteX2" fmla="*/ 340659 w 1524000"/>
+              <a:gd name="connsiteY2" fmla="*/ 154605 h 647664"/>
+              <a:gd name="connsiteX3" fmla="*/ 0 w 1524000"/>
+              <a:gd name="connsiteY3" fmla="*/ 647664 h 647664"/>
+            </a:gdLst>
+            <a:ahLst/>
+            <a:cxnLst>
+              <a:cxn ang="0">
+                <a:pos x="connsiteX0" y="connsiteY0"/>
+              </a:cxn>
+              <a:cxn ang="0">
+                <a:pos x="connsiteX1" y="connsiteY1"/>
+              </a:cxn>
+              <a:cxn ang="0">
+                <a:pos x="connsiteX2" y="connsiteY2"/>
+              </a:cxn>
+              <a:cxn ang="0">
+                <a:pos x="connsiteX3" y="connsiteY3"/>
+              </a:cxn>
+            </a:cxnLst>
+            <a:rect l="l" t="t" r="r" b="b"/>
+            <a:pathLst>
+              <a:path w="1524000" h="647664">
+                <a:moveTo>
+                  <a:pt x="1524000" y="20134"/>
+                </a:moveTo>
+                <a:cubicBezTo>
+                  <a:pt x="1201270" y="4445"/>
+                  <a:pt x="878541" y="-11243"/>
+                  <a:pt x="681318" y="11169"/>
+                </a:cubicBezTo>
+                <a:cubicBezTo>
+                  <a:pt x="484095" y="33581"/>
+                  <a:pt x="454212" y="48523"/>
+                  <a:pt x="340659" y="154605"/>
+                </a:cubicBezTo>
+                <a:cubicBezTo>
+                  <a:pt x="227106" y="260688"/>
+                  <a:pt x="113553" y="454176"/>
+                  <a:pt x="0" y="647664"/>
+                </a:cubicBezTo>
+              </a:path>
+            </a:pathLst>
+          </a:custGeom>
+          <a:noFill/>
+          <a:ln w="57150">
+            <a:solidFill>
+              <a:schemeClr val="tx1"/>
+            </a:solidFill>
+            <a:headEnd type="none" w="med" len="med"/>
+            <a:tailEnd type="triangle" w="med" len="med"/>
+          </a:ln>
+        </p:spPr>
+        <p:style>
+          <a:lnRef idx="2">
+            <a:schemeClr val="accent1">
+              <a:shade val="50000"/>
+            </a:schemeClr>
+          </a:lnRef>
+          <a:fillRef idx="1">
+            <a:schemeClr val="accent1"/>
+          </a:fillRef>
+          <a:effectRef idx="0">
+            <a:schemeClr val="accent1"/>
+          </a:effectRef>
+          <a:fontRef idx="minor">
+            <a:schemeClr val="lt1"/>
+          </a:fontRef>
+        </p:style>
+        <p:txBody>
+          <a:bodyPr rtlCol="0" anchor="ctr"/>
+          <a:lstStyle/>
+          <a:p>
+            <a:pPr algn="ctr"/>
+            <a:endParaRPr lang="en-US"/>
+          </a:p>
+        </p:txBody>
+      </p:sp>
+    </p:spTree>
+    <p:extLst>
+      <p:ext uri="{BB962C8B-B14F-4D97-AF65-F5344CB8AC3E}">
+        <p14:creationId xmlns:p14="http://schemas.microsoft.com/office/powerpoint/2010/main" val="3118650944"/>
+      </p:ext>
+    </p:extLst>
+  </p:cSld>
+  <p:clrMapOvr>
+    <a:masterClrMapping/>
+  </p:clrMapOvr>
+  <p:timing>
+    <p:tnLst>
+      <p:par>
+        <p:cTn id="1" dur="indefinite" restart="never" nodeType="tmRoot"/>
+      </p:par>
+    </p:tnLst>
+  </p:timing>
+</p:sld>
+</file>
+
+<file path=ppt/slides/slide7.xml><?xml version="1.0" encoding="utf-8"?>
+<p:sld xmlns:a="http://schemas.openxmlformats.org/drawingml/2006/main" xmlns:r="http://schemas.openxmlformats.org/officeDocument/2006/relationships" xmlns:p="http://schemas.openxmlformats.org/presentationml/2006/main">
+  <p:cSld>
+    <p:spTree>
+      <p:nvGrpSpPr>
+        <p:cNvPr id="1" name=""/>
+        <p:cNvGrpSpPr/>
+        <p:nvPr/>
+      </p:nvGrpSpPr>
+      <p:grpSpPr>
+        <a:xfrm>
+          <a:off x="0" y="0"/>
+          <a:ext cx="0" cy="0"/>
+          <a:chOff x="0" y="0"/>
+          <a:chExt cx="0" cy="0"/>
+        </a:xfrm>
+      </p:grpSpPr>
+      <p:pic>
+        <p:nvPicPr>
+          <p:cNvPr id="5" name="Picture 4"/>
+          <p:cNvPicPr>
+            <a:picLocks noChangeAspect="1"/>
+          </p:cNvPicPr>
+          <p:nvPr/>
+        </p:nvPicPr>
+        <p:blipFill>
+          <a:blip r:embed="rId3"/>
+          <a:stretch>
+            <a:fillRect/>
+          </a:stretch>
+        </p:blipFill>
+        <p:spPr>
+          <a:xfrm>
+            <a:off x="0" y="1218574"/>
+            <a:ext cx="12192000" cy="5639426"/>
+          </a:xfrm>
+          <a:prstGeom prst="rect">
+            <a:avLst/>
+          </a:prstGeom>
+        </p:spPr>
+      </p:pic>
+      <p:sp>
+        <p:nvSpPr>
+          <p:cNvPr id="3" name="TextBox 2"/>
+          <p:cNvSpPr txBox="1"/>
+          <p:nvPr/>
+        </p:nvSpPr>
+        <p:spPr>
+          <a:xfrm>
+            <a:off x="172934" y="32097"/>
+            <a:ext cx="10759132" cy="1569660"/>
+          </a:xfrm>
+          <a:prstGeom prst="rect">
+            <a:avLst/>
+          </a:prstGeom>
+          <a:noFill/>
+        </p:spPr>
+        <p:txBody>
+          <a:bodyPr wrap="square" rtlCol="0">
+            <a:spAutoFit/>
+          </a:bodyPr>
+          <a:lstStyle/>
+          <a:p>
+            <a:r>
+              <a:rPr lang="en-US" sz="1600" dirty="0" smtClean="0"/>
+              <a:t>How do we make it do that?</a:t>
+            </a:r>
+          </a:p>
+          <a:p>
+            <a:pPr marL="342900" indent="-342900">
+              <a:buAutoNum type="arabicParenR"/>
+            </a:pPr>
+            <a:r>
+              <a:rPr lang="en-US" sz="1600" dirty="0" smtClean="0"/>
+              <a:t>Tell it what position it’s in.</a:t>
+            </a:r>
+          </a:p>
+          <a:p>
+            <a:pPr marL="342900" indent="-342900">
+              <a:buAutoNum type="arabicParenR"/>
+            </a:pPr>
+            <a:r>
+              <a:rPr lang="en-US" sz="1600" dirty="0" smtClean="0"/>
+              <a:t>Use sensors to figure it out</a:t>
+            </a:r>
+          </a:p>
+          <a:p>
+            <a:pPr marL="800100" lvl="1" indent="-342900">
+              <a:buAutoNum type="arabicParenR"/>
+            </a:pPr>
+            <a:r>
+              <a:rPr lang="en-US" sz="1600" dirty="0" smtClean="0"/>
+              <a:t>Distance</a:t>
+            </a:r>
+          </a:p>
+          <a:p>
+            <a:pPr marL="800100" lvl="1" indent="-342900">
+              <a:buAutoNum type="arabicParenR"/>
+            </a:pPr>
+            <a:r>
+              <a:rPr lang="en-US" sz="1600" dirty="0" smtClean="0"/>
+              <a:t>Camera</a:t>
+            </a:r>
+          </a:p>
+          <a:p>
+            <a:pPr marL="342900" indent="-342900">
+              <a:buAutoNum type="arabicParenR"/>
+            </a:pPr>
+            <a:r>
+              <a:rPr lang="en-US" sz="1600" dirty="0" smtClean="0"/>
+              <a:t>Combination of both?</a:t>
+            </a:r>
+            <a:endParaRPr lang="en-US" sz="1600" dirty="0" smtClean="0"/>
+          </a:p>
+        </p:txBody>
+      </p:sp>
+      <p:grpSp>
+        <p:nvGrpSpPr>
+          <p:cNvPr id="4" name="Group 3"/>
+          <p:cNvGrpSpPr/>
+          <p:nvPr/>
+        </p:nvGrpSpPr>
+        <p:grpSpPr>
+          <a:xfrm rot="16200000">
+            <a:off x="3573949" y="2593697"/>
+            <a:ext cx="354227" cy="619897"/>
+            <a:chOff x="4950941" y="24714"/>
+            <a:chExt cx="790832" cy="1383956"/>
+          </a:xfrm>
+        </p:grpSpPr>
+        <p:sp>
+          <p:nvSpPr>
+            <p:cNvPr id="6" name="Octagon 5"/>
+            <p:cNvSpPr/>
+            <p:nvPr/>
+          </p:nvSpPr>
+          <p:spPr>
+            <a:xfrm>
+              <a:off x="4950941" y="395416"/>
+              <a:ext cx="790832" cy="1013254"/>
+            </a:xfrm>
+            <a:prstGeom prst="octagon">
+              <a:avLst/>
+            </a:prstGeom>
+          </p:spPr>
+          <p:style>
+            <a:lnRef idx="2">
+              <a:schemeClr val="accent1">
+                <a:shade val="50000"/>
+              </a:schemeClr>
+            </a:lnRef>
+            <a:fillRef idx="1">
+              <a:schemeClr val="accent1"/>
+            </a:fillRef>
+            <a:effectRef idx="0">
+              <a:schemeClr val="accent1"/>
+            </a:effectRef>
+            <a:fontRef idx="minor">
+              <a:schemeClr val="lt1"/>
+            </a:fontRef>
+          </p:style>
+          <p:txBody>
+            <a:bodyPr rtlCol="0" anchor="ctr"/>
+            <a:lstStyle/>
+            <a:p>
+              <a:pPr algn="ctr"/>
+              <a:endParaRPr lang="en-US"/>
+            </a:p>
+          </p:txBody>
+        </p:sp>
+        <p:sp>
+          <p:nvSpPr>
+            <p:cNvPr id="7" name="Moon 6"/>
+            <p:cNvSpPr/>
+            <p:nvPr/>
+          </p:nvSpPr>
+          <p:spPr>
+            <a:xfrm rot="16200000">
+              <a:off x="5161006" y="-160637"/>
+              <a:ext cx="370702" cy="741404"/>
+            </a:xfrm>
+            <a:prstGeom prst="moon">
+              <a:avLst/>
+            </a:prstGeom>
+          </p:spPr>
+          <p:style>
+            <a:lnRef idx="2">
+              <a:schemeClr val="accent1">
+                <a:shade val="50000"/>
+              </a:schemeClr>
+            </a:lnRef>
+            <a:fillRef idx="1">
+              <a:schemeClr val="accent1"/>
+            </a:fillRef>
+            <a:effectRef idx="0">
+              <a:schemeClr val="accent1"/>
+            </a:effectRef>
+            <a:fontRef idx="minor">
+              <a:schemeClr val="lt1"/>
+            </a:fontRef>
+          </p:style>
+          <p:txBody>
+            <a:bodyPr rtlCol="0" anchor="ctr"/>
+            <a:lstStyle/>
+            <a:p>
+              <a:pPr algn="ctr"/>
+              <a:endParaRPr lang="en-US"/>
+            </a:p>
+          </p:txBody>
+        </p:sp>
+      </p:grpSp>
+      <p:grpSp>
+        <p:nvGrpSpPr>
+          <p:cNvPr id="8" name="Group 7"/>
+          <p:cNvGrpSpPr/>
+          <p:nvPr/>
+        </p:nvGrpSpPr>
+        <p:grpSpPr>
+          <a:xfrm rot="16200000">
+            <a:off x="3573949" y="3365914"/>
+            <a:ext cx="354227" cy="619897"/>
+            <a:chOff x="4950941" y="24714"/>
+            <a:chExt cx="790832" cy="1383956"/>
+          </a:xfrm>
+        </p:grpSpPr>
+        <p:sp>
+          <p:nvSpPr>
+            <p:cNvPr id="9" name="Octagon 8"/>
+            <p:cNvSpPr/>
+            <p:nvPr/>
+          </p:nvSpPr>
+          <p:spPr>
+            <a:xfrm>
+              <a:off x="4950941" y="395416"/>
+              <a:ext cx="790832" cy="1013254"/>
+            </a:xfrm>
+            <a:prstGeom prst="octagon">
+              <a:avLst/>
+            </a:prstGeom>
+          </p:spPr>
+          <p:style>
+            <a:lnRef idx="2">
+              <a:schemeClr val="accent1">
+                <a:shade val="50000"/>
+              </a:schemeClr>
+            </a:lnRef>
+            <a:fillRef idx="1">
+              <a:schemeClr val="accent1"/>
+            </a:fillRef>
+            <a:effectRef idx="0">
+              <a:schemeClr val="accent1"/>
+            </a:effectRef>
+            <a:fontRef idx="minor">
+              <a:schemeClr val="lt1"/>
+            </a:fontRef>
+          </p:style>
+          <p:txBody>
+            <a:bodyPr rtlCol="0" anchor="ctr"/>
+            <a:lstStyle/>
+            <a:p>
+              <a:pPr algn="ctr"/>
+              <a:endParaRPr lang="en-US"/>
+            </a:p>
+          </p:txBody>
+        </p:sp>
+        <p:sp>
+          <p:nvSpPr>
+            <p:cNvPr id="10" name="Moon 9"/>
+            <p:cNvSpPr/>
+            <p:nvPr/>
+          </p:nvSpPr>
+          <p:spPr>
+            <a:xfrm rot="16200000">
+              <a:off x="5161006" y="-160637"/>
+              <a:ext cx="370702" cy="741404"/>
+            </a:xfrm>
+            <a:prstGeom prst="moon">
+              <a:avLst/>
+            </a:prstGeom>
+          </p:spPr>
+          <p:style>
+            <a:lnRef idx="2">
+              <a:schemeClr val="accent1">
+                <a:shade val="50000"/>
+              </a:schemeClr>
+            </a:lnRef>
+            <a:fillRef idx="1">
+              <a:schemeClr val="accent1"/>
+            </a:fillRef>
+            <a:effectRef idx="0">
+              <a:schemeClr val="accent1"/>
+            </a:effectRef>
+            <a:fontRef idx="minor">
+              <a:schemeClr val="lt1"/>
+            </a:fontRef>
+          </p:style>
+          <p:txBody>
+            <a:bodyPr rtlCol="0" anchor="ctr"/>
+            <a:lstStyle/>
+            <a:p>
+              <a:pPr algn="ctr"/>
+              <a:endParaRPr lang="en-US"/>
+            </a:p>
+          </p:txBody>
+        </p:sp>
+      </p:grpSp>
+      <p:grpSp>
+        <p:nvGrpSpPr>
+          <p:cNvPr id="11" name="Group 10"/>
+          <p:cNvGrpSpPr/>
+          <p:nvPr/>
+        </p:nvGrpSpPr>
+        <p:grpSpPr>
+          <a:xfrm rot="16200000">
+            <a:off x="3556044" y="4039009"/>
+            <a:ext cx="354227" cy="619897"/>
+            <a:chOff x="4950941" y="24714"/>
+            <a:chExt cx="790832" cy="1383956"/>
+          </a:xfrm>
+        </p:grpSpPr>
+        <p:sp>
+          <p:nvSpPr>
+            <p:cNvPr id="12" name="Octagon 11"/>
+            <p:cNvSpPr/>
+            <p:nvPr/>
+          </p:nvSpPr>
+          <p:spPr>
+            <a:xfrm>
+              <a:off x="4950941" y="395416"/>
+              <a:ext cx="790832" cy="1013254"/>
+            </a:xfrm>
+            <a:prstGeom prst="octagon">
+              <a:avLst/>
+            </a:prstGeom>
+          </p:spPr>
+          <p:style>
+            <a:lnRef idx="2">
+              <a:schemeClr val="accent1">
+                <a:shade val="50000"/>
+              </a:schemeClr>
+            </a:lnRef>
+            <a:fillRef idx="1">
+              <a:schemeClr val="accent1"/>
+            </a:fillRef>
+            <a:effectRef idx="0">
+              <a:schemeClr val="accent1"/>
+            </a:effectRef>
+            <a:fontRef idx="minor">
+              <a:schemeClr val="lt1"/>
+            </a:fontRef>
+          </p:style>
+          <p:txBody>
+            <a:bodyPr rtlCol="0" anchor="ctr"/>
+            <a:lstStyle/>
+            <a:p>
+              <a:pPr algn="ctr"/>
+              <a:endParaRPr lang="en-US"/>
+            </a:p>
+          </p:txBody>
+        </p:sp>
+        <p:sp>
+          <p:nvSpPr>
+            <p:cNvPr id="13" name="Moon 12"/>
+            <p:cNvSpPr/>
+            <p:nvPr/>
+          </p:nvSpPr>
+          <p:spPr>
+            <a:xfrm rot="16200000">
+              <a:off x="5161006" y="-160637"/>
+              <a:ext cx="370702" cy="741404"/>
+            </a:xfrm>
+            <a:prstGeom prst="moon">
+              <a:avLst/>
+            </a:prstGeom>
+          </p:spPr>
+          <p:style>
+            <a:lnRef idx="2">
+              <a:schemeClr val="accent1">
+                <a:shade val="50000"/>
+              </a:schemeClr>
+            </a:lnRef>
+            <a:fillRef idx="1">
+              <a:schemeClr val="accent1"/>
+            </a:fillRef>
+            <a:effectRef idx="0">
+              <a:schemeClr val="accent1"/>
+            </a:effectRef>
+            <a:fontRef idx="minor">
+              <a:schemeClr val="lt1"/>
+            </a:fontRef>
+          </p:style>
+          <p:txBody>
+            <a:bodyPr rtlCol="0" anchor="ctr"/>
+            <a:lstStyle/>
+            <a:p>
+              <a:pPr algn="ctr"/>
+              <a:endParaRPr lang="en-US"/>
+            </a:p>
+          </p:txBody>
+        </p:sp>
+      </p:grpSp>
+      <p:grpSp>
+        <p:nvGrpSpPr>
+          <p:cNvPr id="14" name="Group 13"/>
+          <p:cNvGrpSpPr/>
+          <p:nvPr/>
+        </p:nvGrpSpPr>
+        <p:grpSpPr>
+          <a:xfrm rot="16200000">
+            <a:off x="3554179" y="4794874"/>
+            <a:ext cx="354227" cy="619897"/>
+            <a:chOff x="4950941" y="24714"/>
+            <a:chExt cx="790832" cy="1383956"/>
+          </a:xfrm>
+        </p:grpSpPr>
+        <p:sp>
+          <p:nvSpPr>
+            <p:cNvPr id="15" name="Octagon 14"/>
+            <p:cNvSpPr/>
+            <p:nvPr/>
+          </p:nvSpPr>
+          <p:spPr>
+            <a:xfrm>
+              <a:off x="4950941" y="395416"/>
+              <a:ext cx="790832" cy="1013254"/>
+            </a:xfrm>
+            <a:prstGeom prst="octagon">
+              <a:avLst/>
+            </a:prstGeom>
+          </p:spPr>
+          <p:style>
+            <a:lnRef idx="2">
+              <a:schemeClr val="accent1">
+                <a:shade val="50000"/>
+              </a:schemeClr>
+            </a:lnRef>
+            <a:fillRef idx="1">
+              <a:schemeClr val="accent1"/>
+            </a:fillRef>
+            <a:effectRef idx="0">
+              <a:schemeClr val="accent1"/>
+            </a:effectRef>
+            <a:fontRef idx="minor">
+              <a:schemeClr val="lt1"/>
+            </a:fontRef>
+          </p:style>
+          <p:txBody>
+            <a:bodyPr rtlCol="0" anchor="ctr"/>
+            <a:lstStyle/>
+            <a:p>
+              <a:pPr algn="ctr"/>
+              <a:endParaRPr lang="en-US"/>
+            </a:p>
+          </p:txBody>
+        </p:sp>
+        <p:sp>
+          <p:nvSpPr>
+            <p:cNvPr id="16" name="Moon 15"/>
+            <p:cNvSpPr/>
+            <p:nvPr/>
+          </p:nvSpPr>
+          <p:spPr>
+            <a:xfrm rot="16200000">
+              <a:off x="5161006" y="-160637"/>
+              <a:ext cx="370702" cy="741404"/>
+            </a:xfrm>
+            <a:prstGeom prst="moon">
+              <a:avLst/>
+            </a:prstGeom>
+          </p:spPr>
+          <p:style>
+            <a:lnRef idx="2">
+              <a:schemeClr val="accent1">
+                <a:shade val="50000"/>
+              </a:schemeClr>
+            </a:lnRef>
+            <a:fillRef idx="1">
+              <a:schemeClr val="accent1"/>
+            </a:fillRef>
+            <a:effectRef idx="0">
+              <a:schemeClr val="accent1"/>
+            </a:effectRef>
+            <a:fontRef idx="minor">
+              <a:schemeClr val="lt1"/>
+            </a:fontRef>
+          </p:style>
+          <p:txBody>
+            <a:bodyPr rtlCol="0" anchor="ctr"/>
+            <a:lstStyle/>
+            <a:p>
+              <a:pPr algn="ctr"/>
+              <a:endParaRPr lang="en-US"/>
+            </a:p>
+          </p:txBody>
+        </p:sp>
+      </p:grpSp>
+      <p:grpSp>
+        <p:nvGrpSpPr>
+          <p:cNvPr id="17" name="Group 16"/>
+          <p:cNvGrpSpPr/>
+          <p:nvPr/>
+        </p:nvGrpSpPr>
+        <p:grpSpPr>
+          <a:xfrm rot="18065057">
+            <a:off x="3554180" y="5506460"/>
+            <a:ext cx="354227" cy="619897"/>
+            <a:chOff x="4950941" y="24714"/>
+            <a:chExt cx="790832" cy="1383956"/>
+          </a:xfrm>
+        </p:grpSpPr>
+        <p:sp>
+          <p:nvSpPr>
+            <p:cNvPr id="18" name="Octagon 17"/>
+            <p:cNvSpPr/>
+            <p:nvPr/>
+          </p:nvSpPr>
+          <p:spPr>
+            <a:xfrm>
+              <a:off x="4950941" y="395416"/>
+              <a:ext cx="790832" cy="1013254"/>
+            </a:xfrm>
+            <a:prstGeom prst="octagon">
+              <a:avLst/>
+            </a:prstGeom>
+          </p:spPr>
+          <p:style>
+            <a:lnRef idx="2">
+              <a:schemeClr val="accent1">
+                <a:shade val="50000"/>
+              </a:schemeClr>
+            </a:lnRef>
+            <a:fillRef idx="1">
+              <a:schemeClr val="accent1"/>
+            </a:fillRef>
+            <a:effectRef idx="0">
+              <a:schemeClr val="accent1"/>
+            </a:effectRef>
+            <a:fontRef idx="minor">
+              <a:schemeClr val="lt1"/>
+            </a:fontRef>
+          </p:style>
+          <p:txBody>
+            <a:bodyPr rtlCol="0" anchor="ctr"/>
+            <a:lstStyle/>
+            <a:p>
+              <a:pPr algn="ctr"/>
+              <a:endParaRPr lang="en-US"/>
+            </a:p>
+          </p:txBody>
+        </p:sp>
+        <p:sp>
+          <p:nvSpPr>
+            <p:cNvPr id="19" name="Moon 18"/>
+            <p:cNvSpPr/>
+            <p:nvPr/>
+          </p:nvSpPr>
+          <p:spPr>
+            <a:xfrm rot="16200000">
+              <a:off x="5161006" y="-160637"/>
+              <a:ext cx="370702" cy="741404"/>
+            </a:xfrm>
+            <a:prstGeom prst="moon">
+              <a:avLst/>
+            </a:prstGeom>
+          </p:spPr>
+          <p:style>
+            <a:lnRef idx="2">
+              <a:schemeClr val="accent1">
+                <a:shade val="50000"/>
+              </a:schemeClr>
+            </a:lnRef>
+            <a:fillRef idx="1">
+              <a:schemeClr val="accent1"/>
+            </a:fillRef>
+            <a:effectRef idx="0">
+              <a:schemeClr val="accent1"/>
+            </a:effectRef>
+            <a:fontRef idx="minor">
+              <a:schemeClr val="lt1"/>
+            </a:fontRef>
+          </p:style>
+          <p:txBody>
+            <a:bodyPr rtlCol="0" anchor="ctr"/>
+            <a:lstStyle/>
+            <a:p>
+              <a:pPr algn="ctr"/>
+              <a:endParaRPr lang="en-US"/>
+            </a:p>
+          </p:txBody>
+        </p:sp>
+      </p:grpSp>
+      <p:sp>
+        <p:nvSpPr>
+          <p:cNvPr id="28" name="Freeform 27"/>
+          <p:cNvSpPr/>
+          <p:nvPr/>
+        </p:nvSpPr>
+        <p:spPr>
+          <a:xfrm>
+            <a:off x="1900518" y="4195482"/>
+            <a:ext cx="1568823" cy="1497106"/>
+          </a:xfrm>
+          <a:custGeom>
+            <a:avLst/>
+            <a:gdLst>
+              <a:gd name="connsiteX0" fmla="*/ 1568823 w 1568823"/>
+              <a:gd name="connsiteY0" fmla="*/ 1497106 h 1497106"/>
+              <a:gd name="connsiteX1" fmla="*/ 672353 w 1568823"/>
+              <a:gd name="connsiteY1" fmla="*/ 1192306 h 1497106"/>
+              <a:gd name="connsiteX2" fmla="*/ 0 w 1568823"/>
+              <a:gd name="connsiteY2" fmla="*/ 0 h 1497106"/>
+            </a:gdLst>
+            <a:ahLst/>
+            <a:cxnLst>
+              <a:cxn ang="0">
+                <a:pos x="connsiteX0" y="connsiteY0"/>
+              </a:cxn>
+              <a:cxn ang="0">
+                <a:pos x="connsiteX1" y="connsiteY1"/>
+              </a:cxn>
+              <a:cxn ang="0">
+                <a:pos x="connsiteX2" y="connsiteY2"/>
+              </a:cxn>
+            </a:cxnLst>
+            <a:rect l="l" t="t" r="r" b="b"/>
+            <a:pathLst>
+              <a:path w="1568823" h="1497106">
+                <a:moveTo>
+                  <a:pt x="1568823" y="1497106"/>
+                </a:moveTo>
+                <a:cubicBezTo>
+                  <a:pt x="1251323" y="1469465"/>
+                  <a:pt x="933823" y="1441824"/>
+                  <a:pt x="672353" y="1192306"/>
+                </a:cubicBezTo>
+                <a:cubicBezTo>
+                  <a:pt x="410883" y="942788"/>
+                  <a:pt x="112059" y="201706"/>
+                  <a:pt x="0" y="0"/>
+                </a:cubicBezTo>
+              </a:path>
+            </a:pathLst>
+          </a:custGeom>
+          <a:noFill/>
+          <a:ln w="57150">
+            <a:solidFill>
+              <a:schemeClr val="tx1"/>
+            </a:solidFill>
+            <a:headEnd type="none" w="med" len="med"/>
+            <a:tailEnd type="triangle" w="med" len="med"/>
+          </a:ln>
+        </p:spPr>
+        <p:style>
+          <a:lnRef idx="2">
+            <a:schemeClr val="accent1">
+              <a:shade val="50000"/>
+            </a:schemeClr>
+          </a:lnRef>
+          <a:fillRef idx="1">
+            <a:schemeClr val="accent1"/>
+          </a:fillRef>
+          <a:effectRef idx="0">
+            <a:schemeClr val="accent1"/>
+          </a:effectRef>
+          <a:fontRef idx="minor">
+            <a:schemeClr val="lt1"/>
+          </a:fontRef>
+        </p:style>
+        <p:txBody>
+          <a:bodyPr rtlCol="0" anchor="ctr"/>
+          <a:lstStyle/>
+          <a:p>
+            <a:pPr algn="ctr"/>
+            <a:endParaRPr lang="en-US"/>
+          </a:p>
+        </p:txBody>
+      </p:sp>
+      <p:sp>
+        <p:nvSpPr>
+          <p:cNvPr id="29" name="Freeform 28"/>
+          <p:cNvSpPr/>
+          <p:nvPr/>
+        </p:nvSpPr>
+        <p:spPr>
+          <a:xfrm>
+            <a:off x="1963271" y="4276165"/>
+            <a:ext cx="1479176" cy="884459"/>
+          </a:xfrm>
+          <a:custGeom>
+            <a:avLst/>
+            <a:gdLst>
+              <a:gd name="connsiteX0" fmla="*/ 1479176 w 1479176"/>
+              <a:gd name="connsiteY0" fmla="*/ 806823 h 884459"/>
+              <a:gd name="connsiteX1" fmla="*/ 618564 w 1479176"/>
+              <a:gd name="connsiteY1" fmla="*/ 806823 h 884459"/>
+              <a:gd name="connsiteX2" fmla="*/ 0 w 1479176"/>
+              <a:gd name="connsiteY2" fmla="*/ 0 h 884459"/>
+            </a:gdLst>
+            <a:ahLst/>
+            <a:cxnLst>
+              <a:cxn ang="0">
+                <a:pos x="connsiteX0" y="connsiteY0"/>
+              </a:cxn>
+              <a:cxn ang="0">
+                <a:pos x="connsiteX1" y="connsiteY1"/>
+              </a:cxn>
+              <a:cxn ang="0">
+                <a:pos x="connsiteX2" y="connsiteY2"/>
+              </a:cxn>
+            </a:cxnLst>
+            <a:rect l="l" t="t" r="r" b="b"/>
+            <a:pathLst>
+              <a:path w="1479176" h="884459">
+                <a:moveTo>
+                  <a:pt x="1479176" y="806823"/>
+                </a:moveTo>
+                <a:cubicBezTo>
+                  <a:pt x="1172134" y="874058"/>
+                  <a:pt x="865093" y="941294"/>
+                  <a:pt x="618564" y="806823"/>
+                </a:cubicBezTo>
+                <a:cubicBezTo>
+                  <a:pt x="372035" y="672352"/>
+                  <a:pt x="83670" y="153894"/>
+                  <a:pt x="0" y="0"/>
+                </a:cubicBezTo>
+              </a:path>
+            </a:pathLst>
+          </a:custGeom>
+          <a:noFill/>
+          <a:ln w="57150">
+            <a:solidFill>
+              <a:schemeClr val="tx1"/>
+            </a:solidFill>
+          </a:ln>
+        </p:spPr>
+        <p:style>
+          <a:lnRef idx="2">
+            <a:schemeClr val="accent1">
+              <a:shade val="50000"/>
+            </a:schemeClr>
+          </a:lnRef>
+          <a:fillRef idx="1">
+            <a:schemeClr val="accent1"/>
+          </a:fillRef>
+          <a:effectRef idx="0">
+            <a:schemeClr val="accent1"/>
+          </a:effectRef>
+          <a:fontRef idx="minor">
+            <a:schemeClr val="lt1"/>
+          </a:fontRef>
+        </p:style>
+        <p:txBody>
+          <a:bodyPr rtlCol="0" anchor="ctr"/>
+          <a:lstStyle/>
+          <a:p>
+            <a:pPr algn="ctr"/>
+            <a:endParaRPr lang="en-US"/>
+          </a:p>
+        </p:txBody>
+      </p:sp>
+      <p:sp>
+        <p:nvSpPr>
+          <p:cNvPr id="32" name="Freeform 31"/>
+          <p:cNvSpPr/>
+          <p:nvPr/>
+        </p:nvSpPr>
+        <p:spPr>
+          <a:xfrm>
+            <a:off x="2115671" y="3887468"/>
+            <a:ext cx="1308847" cy="514574"/>
+          </a:xfrm>
+          <a:custGeom>
+            <a:avLst/>
+            <a:gdLst>
+              <a:gd name="connsiteX0" fmla="*/ 1308847 w 1308847"/>
+              <a:gd name="connsiteY0" fmla="*/ 478344 h 514574"/>
+              <a:gd name="connsiteX1" fmla="*/ 1039905 w 1308847"/>
+              <a:gd name="connsiteY1" fmla="*/ 478344 h 514574"/>
+              <a:gd name="connsiteX2" fmla="*/ 1013011 w 1308847"/>
+              <a:gd name="connsiteY2" fmla="*/ 101826 h 514574"/>
+              <a:gd name="connsiteX3" fmla="*/ 762000 w 1308847"/>
+              <a:gd name="connsiteY3" fmla="*/ 12179 h 514574"/>
+              <a:gd name="connsiteX4" fmla="*/ 0 w 1308847"/>
+              <a:gd name="connsiteY4" fmla="*/ 3214 h 514574"/>
+            </a:gdLst>
+            <a:ahLst/>
+            <a:cxnLst>
+              <a:cxn ang="0">
+                <a:pos x="connsiteX0" y="connsiteY0"/>
+              </a:cxn>
+              <a:cxn ang="0">
+                <a:pos x="connsiteX1" y="connsiteY1"/>
+              </a:cxn>
+              <a:cxn ang="0">
+                <a:pos x="connsiteX2" y="connsiteY2"/>
+              </a:cxn>
+              <a:cxn ang="0">
+                <a:pos x="connsiteX3" y="connsiteY3"/>
+              </a:cxn>
+              <a:cxn ang="0">
+                <a:pos x="connsiteX4" y="connsiteY4"/>
+              </a:cxn>
+            </a:cxnLst>
+            <a:rect l="l" t="t" r="r" b="b"/>
+            <a:pathLst>
+              <a:path w="1308847" h="514574">
+                <a:moveTo>
+                  <a:pt x="1308847" y="478344"/>
+                </a:moveTo>
+                <a:cubicBezTo>
+                  <a:pt x="1199029" y="509720"/>
+                  <a:pt x="1089211" y="541097"/>
+                  <a:pt x="1039905" y="478344"/>
+                </a:cubicBezTo>
+                <a:cubicBezTo>
+                  <a:pt x="990599" y="415591"/>
+                  <a:pt x="1059329" y="179520"/>
+                  <a:pt x="1013011" y="101826"/>
+                </a:cubicBezTo>
+                <a:cubicBezTo>
+                  <a:pt x="966693" y="24132"/>
+                  <a:pt x="930835" y="28614"/>
+                  <a:pt x="762000" y="12179"/>
+                </a:cubicBezTo>
+                <a:cubicBezTo>
+                  <a:pt x="593165" y="-4256"/>
+                  <a:pt x="296582" y="-521"/>
+                  <a:pt x="0" y="3214"/>
+                </a:cubicBezTo>
+              </a:path>
+            </a:pathLst>
+          </a:custGeom>
+          <a:noFill/>
+          <a:ln w="57150">
+            <a:solidFill>
+              <a:schemeClr val="tx1"/>
+            </a:solidFill>
+            <a:headEnd type="none" w="med" len="med"/>
+            <a:tailEnd type="triangle" w="med" len="med"/>
+          </a:ln>
+        </p:spPr>
+        <p:style>
+          <a:lnRef idx="2">
+            <a:schemeClr val="accent1">
+              <a:shade val="50000"/>
+            </a:schemeClr>
+          </a:lnRef>
+          <a:fillRef idx="1">
+            <a:schemeClr val="accent1"/>
+          </a:fillRef>
+          <a:effectRef idx="0">
+            <a:schemeClr val="accent1"/>
+          </a:effectRef>
+          <a:fontRef idx="minor">
+            <a:schemeClr val="lt1"/>
+          </a:fontRef>
+        </p:style>
+        <p:txBody>
+          <a:bodyPr rtlCol="0" anchor="ctr"/>
+          <a:lstStyle/>
+          <a:p>
+            <a:pPr algn="ctr"/>
+            <a:endParaRPr lang="en-US"/>
+          </a:p>
+        </p:txBody>
+      </p:sp>
+      <p:sp>
+        <p:nvSpPr>
+          <p:cNvPr id="33" name="Freeform 32"/>
+          <p:cNvSpPr/>
+          <p:nvPr/>
+        </p:nvSpPr>
+        <p:spPr>
+          <a:xfrm>
+            <a:off x="2241176" y="3674928"/>
+            <a:ext cx="1237130" cy="197826"/>
+          </a:xfrm>
+          <a:custGeom>
+            <a:avLst/>
+            <a:gdLst>
+              <a:gd name="connsiteX0" fmla="*/ 1237130 w 1237130"/>
+              <a:gd name="connsiteY0" fmla="*/ 36461 h 197826"/>
+              <a:gd name="connsiteX1" fmla="*/ 887506 w 1237130"/>
+              <a:gd name="connsiteY1" fmla="*/ 9567 h 197826"/>
+              <a:gd name="connsiteX2" fmla="*/ 824753 w 1237130"/>
+              <a:gd name="connsiteY2" fmla="*/ 179896 h 197826"/>
+              <a:gd name="connsiteX3" fmla="*/ 537883 w 1237130"/>
+              <a:gd name="connsiteY3" fmla="*/ 179896 h 197826"/>
+              <a:gd name="connsiteX4" fmla="*/ 0 w 1237130"/>
+              <a:gd name="connsiteY4" fmla="*/ 197826 h 197826"/>
+              <a:gd name="connsiteX5" fmla="*/ 0 w 1237130"/>
+              <a:gd name="connsiteY5" fmla="*/ 197826 h 197826"/>
+            </a:gdLst>
+            <a:ahLst/>
+            <a:cxnLst>
+              <a:cxn ang="0">
+                <a:pos x="connsiteX0" y="connsiteY0"/>
+              </a:cxn>
+              <a:cxn ang="0">
+                <a:pos x="connsiteX1" y="connsiteY1"/>
+              </a:cxn>
+              <a:cxn ang="0">
+                <a:pos x="connsiteX2" y="connsiteY2"/>
+              </a:cxn>
+              <a:cxn ang="0">
+                <a:pos x="connsiteX3" y="connsiteY3"/>
+              </a:cxn>
+              <a:cxn ang="0">
+                <a:pos x="connsiteX4" y="connsiteY4"/>
+              </a:cxn>
+              <a:cxn ang="0">
+                <a:pos x="connsiteX5" y="connsiteY5"/>
+              </a:cxn>
+            </a:cxnLst>
+            <a:rect l="l" t="t" r="r" b="b"/>
+            <a:pathLst>
+              <a:path w="1237130" h="197826">
+                <a:moveTo>
+                  <a:pt x="1237130" y="36461"/>
+                </a:moveTo>
+                <a:cubicBezTo>
+                  <a:pt x="1096682" y="11061"/>
+                  <a:pt x="956235" y="-14339"/>
+                  <a:pt x="887506" y="9567"/>
+                </a:cubicBezTo>
+                <a:cubicBezTo>
+                  <a:pt x="818777" y="33473"/>
+                  <a:pt x="883023" y="151508"/>
+                  <a:pt x="824753" y="179896"/>
+                </a:cubicBezTo>
+                <a:cubicBezTo>
+                  <a:pt x="766483" y="208284"/>
+                  <a:pt x="675342" y="176908"/>
+                  <a:pt x="537883" y="179896"/>
+                </a:cubicBezTo>
+                <a:cubicBezTo>
+                  <a:pt x="400424" y="182884"/>
+                  <a:pt x="0" y="197826"/>
+                  <a:pt x="0" y="197826"/>
+                </a:cubicBezTo>
+                <a:lnTo>
+                  <a:pt x="0" y="197826"/>
+                </a:lnTo>
+              </a:path>
+            </a:pathLst>
+          </a:custGeom>
+          <a:noFill/>
+          <a:ln w="57150">
+            <a:solidFill>
+              <a:schemeClr val="tx1"/>
+            </a:solidFill>
+          </a:ln>
+        </p:spPr>
+        <p:style>
+          <a:lnRef idx="2">
+            <a:schemeClr val="accent1">
+              <a:shade val="50000"/>
+            </a:schemeClr>
+          </a:lnRef>
+          <a:fillRef idx="1">
+            <a:schemeClr val="accent1"/>
+          </a:fillRef>
+          <a:effectRef idx="0">
+            <a:schemeClr val="accent1"/>
+          </a:effectRef>
+          <a:fontRef idx="minor">
+            <a:schemeClr val="lt1"/>
+          </a:fontRef>
+        </p:style>
+        <p:txBody>
+          <a:bodyPr rtlCol="0" anchor="ctr"/>
+          <a:lstStyle/>
+          <a:p>
+            <a:pPr algn="ctr"/>
+            <a:endParaRPr lang="en-US"/>
+          </a:p>
+        </p:txBody>
+      </p:sp>
+      <p:sp>
+        <p:nvSpPr>
+          <p:cNvPr id="34" name="Freeform 33"/>
+          <p:cNvSpPr/>
+          <p:nvPr/>
+        </p:nvSpPr>
+        <p:spPr>
+          <a:xfrm>
+            <a:off x="1909482" y="2839607"/>
+            <a:ext cx="1524000" cy="647664"/>
+          </a:xfrm>
+          <a:custGeom>
+            <a:avLst/>
+            <a:gdLst>
+              <a:gd name="connsiteX0" fmla="*/ 1524000 w 1524000"/>
+              <a:gd name="connsiteY0" fmla="*/ 20134 h 647664"/>
+              <a:gd name="connsiteX1" fmla="*/ 681318 w 1524000"/>
+              <a:gd name="connsiteY1" fmla="*/ 11169 h 647664"/>
+              <a:gd name="connsiteX2" fmla="*/ 340659 w 1524000"/>
+              <a:gd name="connsiteY2" fmla="*/ 154605 h 647664"/>
+              <a:gd name="connsiteX3" fmla="*/ 0 w 1524000"/>
+              <a:gd name="connsiteY3" fmla="*/ 647664 h 647664"/>
+            </a:gdLst>
+            <a:ahLst/>
+            <a:cxnLst>
+              <a:cxn ang="0">
+                <a:pos x="connsiteX0" y="connsiteY0"/>
+              </a:cxn>
+              <a:cxn ang="0">
+                <a:pos x="connsiteX1" y="connsiteY1"/>
+              </a:cxn>
+              <a:cxn ang="0">
+                <a:pos x="connsiteX2" y="connsiteY2"/>
+              </a:cxn>
+              <a:cxn ang="0">
+                <a:pos x="connsiteX3" y="connsiteY3"/>
+              </a:cxn>
+            </a:cxnLst>
+            <a:rect l="l" t="t" r="r" b="b"/>
+            <a:pathLst>
+              <a:path w="1524000" h="647664">
+                <a:moveTo>
+                  <a:pt x="1524000" y="20134"/>
+                </a:moveTo>
+                <a:cubicBezTo>
+                  <a:pt x="1201270" y="4445"/>
+                  <a:pt x="878541" y="-11243"/>
+                  <a:pt x="681318" y="11169"/>
+                </a:cubicBezTo>
+                <a:cubicBezTo>
+                  <a:pt x="484095" y="33581"/>
+                  <a:pt x="454212" y="48523"/>
+                  <a:pt x="340659" y="154605"/>
+                </a:cubicBezTo>
+                <a:cubicBezTo>
+                  <a:pt x="227106" y="260688"/>
+                  <a:pt x="113553" y="454176"/>
+                  <a:pt x="0" y="647664"/>
+                </a:cubicBezTo>
+              </a:path>
+            </a:pathLst>
+          </a:custGeom>
+          <a:noFill/>
+          <a:ln w="57150">
+            <a:solidFill>
+              <a:schemeClr val="tx1"/>
+            </a:solidFill>
+            <a:headEnd type="none" w="med" len="med"/>
+            <a:tailEnd type="triangle" w="med" len="med"/>
+          </a:ln>
+        </p:spPr>
+        <p:style>
+          <a:lnRef idx="2">
+            <a:schemeClr val="accent1">
+              <a:shade val="50000"/>
+            </a:schemeClr>
+          </a:lnRef>
+          <a:fillRef idx="1">
+            <a:schemeClr val="accent1"/>
+          </a:fillRef>
+          <a:effectRef idx="0">
+            <a:schemeClr val="accent1"/>
+          </a:effectRef>
+          <a:fontRef idx="minor">
+            <a:schemeClr val="lt1"/>
+          </a:fontRef>
+        </p:style>
+        <p:txBody>
+          <a:bodyPr rtlCol="0" anchor="ctr"/>
+          <a:lstStyle/>
+          <a:p>
+            <a:pPr algn="ctr"/>
+            <a:endParaRPr lang="en-US"/>
+          </a:p>
+        </p:txBody>
+      </p:sp>
+    </p:spTree>
+    <p:extLst>
+      <p:ext uri="{BB962C8B-B14F-4D97-AF65-F5344CB8AC3E}">
+        <p14:creationId xmlns:p14="http://schemas.microsoft.com/office/powerpoint/2010/main" val="3800094416"/>
+      </p:ext>
+    </p:extLst>
+  </p:cSld>
+  <p:clrMapOvr>
+    <a:masterClrMapping/>
+  </p:clrMapOvr>
+  <p:timing>
+    <p:tnLst>
+      <p:par>
+        <p:cTn id="1" dur="indefinite" restart="never" nodeType="tmRoot"/>
+      </p:par>
+    </p:tnLst>
+  </p:timing>
+</p:sld>
+</file>
+
+<file path=ppt/slides/slide8.xml><?xml version="1.0" encoding="utf-8"?>
+<p:sld xmlns:a="http://schemas.openxmlformats.org/drawingml/2006/main" xmlns:r="http://schemas.openxmlformats.org/officeDocument/2006/relationships" xmlns:p="http://schemas.openxmlformats.org/presentationml/2006/main">
+  <p:cSld>
+    <p:spTree>
+      <p:nvGrpSpPr>
+        <p:cNvPr id="1" name=""/>
+        <p:cNvGrpSpPr/>
+        <p:nvPr/>
+      </p:nvGrpSpPr>
+      <p:grpSpPr>
+        <a:xfrm>
+          <a:off x="0" y="0"/>
+          <a:ext cx="0" cy="0"/>
+          <a:chOff x="0" y="0"/>
+          <a:chExt cx="0" cy="0"/>
+        </a:xfrm>
+      </p:grpSpPr>
+      <p:pic>
+        <p:nvPicPr>
+          <p:cNvPr id="5" name="Picture 4"/>
+          <p:cNvPicPr>
+            <a:picLocks noChangeAspect="1"/>
+          </p:cNvPicPr>
+          <p:nvPr/>
+        </p:nvPicPr>
+        <p:blipFill>
+          <a:blip r:embed="rId3"/>
+          <a:stretch>
+            <a:fillRect/>
+          </a:stretch>
+        </p:blipFill>
+        <p:spPr>
+          <a:xfrm>
+            <a:off x="0" y="1218574"/>
+            <a:ext cx="12192000" cy="5639426"/>
+          </a:xfrm>
+          <a:prstGeom prst="rect">
+            <a:avLst/>
+          </a:prstGeom>
+        </p:spPr>
+      </p:pic>
+      <p:sp>
+        <p:nvSpPr>
+          <p:cNvPr id="3" name="TextBox 2"/>
+          <p:cNvSpPr txBox="1"/>
+          <p:nvPr/>
+        </p:nvSpPr>
+        <p:spPr>
+          <a:xfrm>
+            <a:off x="172934" y="32097"/>
+            <a:ext cx="10759132" cy="1600438"/>
+          </a:xfrm>
+          <a:prstGeom prst="rect">
+            <a:avLst/>
+          </a:prstGeom>
+          <a:noFill/>
+        </p:spPr>
+        <p:txBody>
+          <a:bodyPr wrap="square" rtlCol="0">
+            <a:spAutoFit/>
+          </a:bodyPr>
+          <a:lstStyle/>
+          <a:p>
+            <a:r>
+              <a:rPr lang="en-US" sz="1400" dirty="0" smtClean="0"/>
+              <a:t>What’s the plan</a:t>
+            </a:r>
+          </a:p>
+          <a:p>
+            <a:pPr marL="342900" indent="-342900">
+              <a:buAutoNum type="arabicParenR"/>
+            </a:pPr>
+            <a:r>
+              <a:rPr lang="en-US" sz="1400" dirty="0" smtClean="0"/>
+              <a:t>We have a 5 selector switch</a:t>
+            </a:r>
+          </a:p>
+          <a:p>
+            <a:pPr marL="800100" lvl="1" indent="-342900">
+              <a:buAutoNum type="arabicParenR"/>
+            </a:pPr>
+            <a:r>
+              <a:rPr lang="en-US" sz="1400" dirty="0" smtClean="0"/>
+              <a:t>Off</a:t>
+            </a:r>
+          </a:p>
+          <a:p>
+            <a:pPr marL="800100" lvl="1" indent="-342900">
+              <a:buAutoNum type="arabicParenR"/>
+            </a:pPr>
+            <a:r>
+              <a:rPr lang="en-US" sz="1400" dirty="0" smtClean="0"/>
+              <a:t>Just cross (don’t shoot)</a:t>
+            </a:r>
+          </a:p>
+          <a:p>
+            <a:pPr marL="800100" lvl="1" indent="-342900">
+              <a:buAutoNum type="arabicParenR"/>
+            </a:pPr>
+            <a:r>
+              <a:rPr lang="en-US" sz="1400" dirty="0" smtClean="0"/>
+              <a:t>Shoot after crossing defense 1 or 2</a:t>
+            </a:r>
+          </a:p>
+          <a:p>
+            <a:pPr marL="800100" lvl="1" indent="-342900">
+              <a:buAutoNum type="arabicParenR"/>
+            </a:pPr>
+            <a:r>
+              <a:rPr lang="en-US" sz="1400" dirty="0"/>
+              <a:t>Shoot after crossing defense 3 </a:t>
+            </a:r>
+            <a:r>
+              <a:rPr lang="en-US" sz="1400" dirty="0" smtClean="0"/>
+              <a:t>or</a:t>
+            </a:r>
+            <a:r>
+              <a:rPr lang="en-US" sz="1400" dirty="0" smtClean="0"/>
+              <a:t> 4</a:t>
+            </a:r>
+          </a:p>
+          <a:p>
+            <a:pPr marL="800100" lvl="1" indent="-342900">
+              <a:buAutoNum type="arabicParenR"/>
+            </a:pPr>
+            <a:r>
+              <a:rPr lang="en-US" sz="1400" dirty="0"/>
+              <a:t>Shoot after crossing defense </a:t>
+            </a:r>
+            <a:r>
+              <a:rPr lang="en-US" sz="1400" dirty="0" smtClean="0"/>
+              <a:t>5</a:t>
+            </a:r>
+            <a:endParaRPr lang="en-US" sz="1400" dirty="0" smtClean="0"/>
+          </a:p>
+        </p:txBody>
+      </p:sp>
+      <p:grpSp>
+        <p:nvGrpSpPr>
+          <p:cNvPr id="4" name="Group 3"/>
+          <p:cNvGrpSpPr/>
+          <p:nvPr/>
+        </p:nvGrpSpPr>
+        <p:grpSpPr>
+          <a:xfrm rot="16200000">
+            <a:off x="3573949" y="2593697"/>
+            <a:ext cx="354227" cy="619897"/>
+            <a:chOff x="4950941" y="24714"/>
+            <a:chExt cx="790832" cy="1383956"/>
+          </a:xfrm>
+        </p:grpSpPr>
+        <p:sp>
+          <p:nvSpPr>
+            <p:cNvPr id="6" name="Octagon 5"/>
+            <p:cNvSpPr/>
+            <p:nvPr/>
+          </p:nvSpPr>
+          <p:spPr>
+            <a:xfrm>
+              <a:off x="4950941" y="395416"/>
+              <a:ext cx="790832" cy="1013254"/>
+            </a:xfrm>
+            <a:prstGeom prst="octagon">
+              <a:avLst/>
+            </a:prstGeom>
+          </p:spPr>
+          <p:style>
+            <a:lnRef idx="2">
+              <a:schemeClr val="accent1">
+                <a:shade val="50000"/>
+              </a:schemeClr>
+            </a:lnRef>
+            <a:fillRef idx="1">
+              <a:schemeClr val="accent1"/>
+            </a:fillRef>
+            <a:effectRef idx="0">
+              <a:schemeClr val="accent1"/>
+            </a:effectRef>
+            <a:fontRef idx="minor">
+              <a:schemeClr val="lt1"/>
+            </a:fontRef>
+          </p:style>
+          <p:txBody>
+            <a:bodyPr rtlCol="0" anchor="ctr"/>
+            <a:lstStyle/>
+            <a:p>
+              <a:pPr algn="ctr"/>
+              <a:endParaRPr lang="en-US"/>
+            </a:p>
+          </p:txBody>
+        </p:sp>
+        <p:sp>
+          <p:nvSpPr>
+            <p:cNvPr id="7" name="Moon 6"/>
+            <p:cNvSpPr/>
+            <p:nvPr/>
+          </p:nvSpPr>
+          <p:spPr>
+            <a:xfrm rot="16200000">
+              <a:off x="5161006" y="-160637"/>
+              <a:ext cx="370702" cy="741404"/>
+            </a:xfrm>
+            <a:prstGeom prst="moon">
+              <a:avLst/>
+            </a:prstGeom>
+          </p:spPr>
+          <p:style>
+            <a:lnRef idx="2">
+              <a:schemeClr val="accent1">
+                <a:shade val="50000"/>
+              </a:schemeClr>
+            </a:lnRef>
+            <a:fillRef idx="1">
+              <a:schemeClr val="accent1"/>
+            </a:fillRef>
+            <a:effectRef idx="0">
+              <a:schemeClr val="accent1"/>
+            </a:effectRef>
+            <a:fontRef idx="minor">
+              <a:schemeClr val="lt1"/>
+            </a:fontRef>
+          </p:style>
+          <p:txBody>
+            <a:bodyPr rtlCol="0" anchor="ctr"/>
+            <a:lstStyle/>
+            <a:p>
+              <a:pPr algn="ctr"/>
+              <a:endParaRPr lang="en-US"/>
+            </a:p>
+          </p:txBody>
+        </p:sp>
+      </p:grpSp>
+      <p:grpSp>
+        <p:nvGrpSpPr>
+          <p:cNvPr id="8" name="Group 7"/>
+          <p:cNvGrpSpPr/>
+          <p:nvPr/>
+        </p:nvGrpSpPr>
+        <p:grpSpPr>
+          <a:xfrm rot="16200000">
+            <a:off x="3573949" y="3365914"/>
+            <a:ext cx="354227" cy="619897"/>
+            <a:chOff x="4950941" y="24714"/>
+            <a:chExt cx="790832" cy="1383956"/>
+          </a:xfrm>
+        </p:grpSpPr>
+        <p:sp>
+          <p:nvSpPr>
+            <p:cNvPr id="9" name="Octagon 8"/>
+            <p:cNvSpPr/>
+            <p:nvPr/>
+          </p:nvSpPr>
+          <p:spPr>
+            <a:xfrm>
+              <a:off x="4950941" y="395416"/>
+              <a:ext cx="790832" cy="1013254"/>
+            </a:xfrm>
+            <a:prstGeom prst="octagon">
+              <a:avLst/>
+            </a:prstGeom>
+          </p:spPr>
+          <p:style>
+            <a:lnRef idx="2">
+              <a:schemeClr val="accent1">
+                <a:shade val="50000"/>
+              </a:schemeClr>
+            </a:lnRef>
+            <a:fillRef idx="1">
+              <a:schemeClr val="accent1"/>
+            </a:fillRef>
+            <a:effectRef idx="0">
+              <a:schemeClr val="accent1"/>
+            </a:effectRef>
+            <a:fontRef idx="minor">
+              <a:schemeClr val="lt1"/>
+            </a:fontRef>
+          </p:style>
+          <p:txBody>
+            <a:bodyPr rtlCol="0" anchor="ctr"/>
+            <a:lstStyle/>
+            <a:p>
+              <a:pPr algn="ctr"/>
+              <a:endParaRPr lang="en-US"/>
+            </a:p>
+          </p:txBody>
+        </p:sp>
+        <p:sp>
+          <p:nvSpPr>
+            <p:cNvPr id="10" name="Moon 9"/>
+            <p:cNvSpPr/>
+            <p:nvPr/>
+          </p:nvSpPr>
+          <p:spPr>
+            <a:xfrm rot="16200000">
+              <a:off x="5161006" y="-160637"/>
+              <a:ext cx="370702" cy="741404"/>
+            </a:xfrm>
+            <a:prstGeom prst="moon">
+              <a:avLst/>
+            </a:prstGeom>
+          </p:spPr>
+          <p:style>
+            <a:lnRef idx="2">
+              <a:schemeClr val="accent1">
+                <a:shade val="50000"/>
+              </a:schemeClr>
+            </a:lnRef>
+            <a:fillRef idx="1">
+              <a:schemeClr val="accent1"/>
+            </a:fillRef>
+            <a:effectRef idx="0">
+              <a:schemeClr val="accent1"/>
+            </a:effectRef>
+            <a:fontRef idx="minor">
+              <a:schemeClr val="lt1"/>
+            </a:fontRef>
+          </p:style>
+          <p:txBody>
+            <a:bodyPr rtlCol="0" anchor="ctr"/>
+            <a:lstStyle/>
+            <a:p>
+              <a:pPr algn="ctr"/>
+              <a:endParaRPr lang="en-US"/>
+            </a:p>
+          </p:txBody>
+        </p:sp>
+      </p:grpSp>
+      <p:grpSp>
+        <p:nvGrpSpPr>
+          <p:cNvPr id="11" name="Group 10"/>
+          <p:cNvGrpSpPr/>
+          <p:nvPr/>
+        </p:nvGrpSpPr>
+        <p:grpSpPr>
+          <a:xfrm rot="16200000">
+            <a:off x="3556044" y="4039009"/>
+            <a:ext cx="354227" cy="619897"/>
+            <a:chOff x="4950941" y="24714"/>
+            <a:chExt cx="790832" cy="1383956"/>
+          </a:xfrm>
+        </p:grpSpPr>
+        <p:sp>
+          <p:nvSpPr>
+            <p:cNvPr id="12" name="Octagon 11"/>
+            <p:cNvSpPr/>
+            <p:nvPr/>
+          </p:nvSpPr>
+          <p:spPr>
+            <a:xfrm>
+              <a:off x="4950941" y="395416"/>
+              <a:ext cx="790832" cy="1013254"/>
+            </a:xfrm>
+            <a:prstGeom prst="octagon">
+              <a:avLst/>
+            </a:prstGeom>
+          </p:spPr>
+          <p:style>
+            <a:lnRef idx="2">
+              <a:schemeClr val="accent1">
+                <a:shade val="50000"/>
+              </a:schemeClr>
+            </a:lnRef>
+            <a:fillRef idx="1">
+              <a:schemeClr val="accent1"/>
+            </a:fillRef>
+            <a:effectRef idx="0">
+              <a:schemeClr val="accent1"/>
+            </a:effectRef>
+            <a:fontRef idx="minor">
+              <a:schemeClr val="lt1"/>
+            </a:fontRef>
+          </p:style>
+          <p:txBody>
+            <a:bodyPr rtlCol="0" anchor="ctr"/>
+            <a:lstStyle/>
+            <a:p>
+              <a:pPr algn="ctr"/>
+              <a:endParaRPr lang="en-US"/>
+            </a:p>
+          </p:txBody>
+        </p:sp>
+        <p:sp>
+          <p:nvSpPr>
+            <p:cNvPr id="13" name="Moon 12"/>
+            <p:cNvSpPr/>
+            <p:nvPr/>
+          </p:nvSpPr>
+          <p:spPr>
+            <a:xfrm rot="16200000">
+              <a:off x="5161006" y="-160637"/>
+              <a:ext cx="370702" cy="741404"/>
+            </a:xfrm>
+            <a:prstGeom prst="moon">
+              <a:avLst/>
+            </a:prstGeom>
+          </p:spPr>
+          <p:style>
+            <a:lnRef idx="2">
+              <a:schemeClr val="accent1">
+                <a:shade val="50000"/>
+              </a:schemeClr>
+            </a:lnRef>
+            <a:fillRef idx="1">
+              <a:schemeClr val="accent1"/>
+            </a:fillRef>
+            <a:effectRef idx="0">
+              <a:schemeClr val="accent1"/>
+            </a:effectRef>
+            <a:fontRef idx="minor">
+              <a:schemeClr val="lt1"/>
+            </a:fontRef>
+          </p:style>
+          <p:txBody>
+            <a:bodyPr rtlCol="0" anchor="ctr"/>
+            <a:lstStyle/>
+            <a:p>
+              <a:pPr algn="ctr"/>
+              <a:endParaRPr lang="en-US"/>
+            </a:p>
+          </p:txBody>
+        </p:sp>
+      </p:grpSp>
+      <p:grpSp>
+        <p:nvGrpSpPr>
+          <p:cNvPr id="14" name="Group 13"/>
+          <p:cNvGrpSpPr/>
+          <p:nvPr/>
+        </p:nvGrpSpPr>
+        <p:grpSpPr>
+          <a:xfrm rot="16200000">
+            <a:off x="3554179" y="4794874"/>
+            <a:ext cx="354227" cy="619897"/>
+            <a:chOff x="4950941" y="24714"/>
+            <a:chExt cx="790832" cy="1383956"/>
+          </a:xfrm>
+        </p:grpSpPr>
+        <p:sp>
+          <p:nvSpPr>
+            <p:cNvPr id="15" name="Octagon 14"/>
+            <p:cNvSpPr/>
+            <p:nvPr/>
+          </p:nvSpPr>
+          <p:spPr>
+            <a:xfrm>
+              <a:off x="4950941" y="395416"/>
+              <a:ext cx="790832" cy="1013254"/>
+            </a:xfrm>
+            <a:prstGeom prst="octagon">
+              <a:avLst/>
+            </a:prstGeom>
+          </p:spPr>
+          <p:style>
+            <a:lnRef idx="2">
+              <a:schemeClr val="accent1">
+                <a:shade val="50000"/>
+              </a:schemeClr>
+            </a:lnRef>
+            <a:fillRef idx="1">
+              <a:schemeClr val="accent1"/>
+            </a:fillRef>
+            <a:effectRef idx="0">
+              <a:schemeClr val="accent1"/>
+            </a:effectRef>
+            <a:fontRef idx="minor">
+              <a:schemeClr val="lt1"/>
+            </a:fontRef>
+          </p:style>
+          <p:txBody>
+            <a:bodyPr rtlCol="0" anchor="ctr"/>
+            <a:lstStyle/>
+            <a:p>
+              <a:pPr algn="ctr"/>
+              <a:endParaRPr lang="en-US"/>
+            </a:p>
+          </p:txBody>
+        </p:sp>
+        <p:sp>
+          <p:nvSpPr>
+            <p:cNvPr id="16" name="Moon 15"/>
+            <p:cNvSpPr/>
+            <p:nvPr/>
+          </p:nvSpPr>
+          <p:spPr>
+            <a:xfrm rot="16200000">
+              <a:off x="5161006" y="-160637"/>
+              <a:ext cx="370702" cy="741404"/>
+            </a:xfrm>
+            <a:prstGeom prst="moon">
+              <a:avLst/>
+            </a:prstGeom>
+          </p:spPr>
+          <p:style>
+            <a:lnRef idx="2">
+              <a:schemeClr val="accent1">
+                <a:shade val="50000"/>
+              </a:schemeClr>
+            </a:lnRef>
+            <a:fillRef idx="1">
+              <a:schemeClr val="accent1"/>
+            </a:fillRef>
+            <a:effectRef idx="0">
+              <a:schemeClr val="accent1"/>
+            </a:effectRef>
+            <a:fontRef idx="minor">
+              <a:schemeClr val="lt1"/>
+            </a:fontRef>
+          </p:style>
+          <p:txBody>
+            <a:bodyPr rtlCol="0" anchor="ctr"/>
+            <a:lstStyle/>
+            <a:p>
+              <a:pPr algn="ctr"/>
+              <a:endParaRPr lang="en-US"/>
+            </a:p>
+          </p:txBody>
+        </p:sp>
+      </p:grpSp>
+      <p:grpSp>
+        <p:nvGrpSpPr>
+          <p:cNvPr id="17" name="Group 16"/>
+          <p:cNvGrpSpPr/>
+          <p:nvPr/>
+        </p:nvGrpSpPr>
+        <p:grpSpPr>
+          <a:xfrm rot="18065057">
+            <a:off x="3554180" y="5506460"/>
+            <a:ext cx="354227" cy="619897"/>
+            <a:chOff x="4950941" y="24714"/>
+            <a:chExt cx="790832" cy="1383956"/>
+          </a:xfrm>
+        </p:grpSpPr>
+        <p:sp>
+          <p:nvSpPr>
+            <p:cNvPr id="18" name="Octagon 17"/>
+            <p:cNvSpPr/>
+            <p:nvPr/>
+          </p:nvSpPr>
+          <p:spPr>
+            <a:xfrm>
+              <a:off x="4950941" y="395416"/>
+              <a:ext cx="790832" cy="1013254"/>
+            </a:xfrm>
+            <a:prstGeom prst="octagon">
+              <a:avLst/>
+            </a:prstGeom>
+          </p:spPr>
+          <p:style>
+            <a:lnRef idx="2">
+              <a:schemeClr val="accent1">
+                <a:shade val="50000"/>
+              </a:schemeClr>
+            </a:lnRef>
+            <a:fillRef idx="1">
+              <a:schemeClr val="accent1"/>
+            </a:fillRef>
+            <a:effectRef idx="0">
+              <a:schemeClr val="accent1"/>
+            </a:effectRef>
+            <a:fontRef idx="minor">
+              <a:schemeClr val="lt1"/>
+            </a:fontRef>
+          </p:style>
+          <p:txBody>
+            <a:bodyPr rtlCol="0" anchor="ctr"/>
+            <a:lstStyle/>
+            <a:p>
+              <a:pPr algn="ctr"/>
+              <a:endParaRPr lang="en-US"/>
+            </a:p>
+          </p:txBody>
+        </p:sp>
+        <p:sp>
+          <p:nvSpPr>
+            <p:cNvPr id="19" name="Moon 18"/>
+            <p:cNvSpPr/>
+            <p:nvPr/>
+          </p:nvSpPr>
+          <p:spPr>
+            <a:xfrm rot="16200000">
+              <a:off x="5161006" y="-160637"/>
+              <a:ext cx="370702" cy="741404"/>
+            </a:xfrm>
+            <a:prstGeom prst="moon">
+              <a:avLst/>
+            </a:prstGeom>
+          </p:spPr>
+          <p:style>
+            <a:lnRef idx="2">
+              <a:schemeClr val="accent1">
+                <a:shade val="50000"/>
+              </a:schemeClr>
+            </a:lnRef>
+            <a:fillRef idx="1">
+              <a:schemeClr val="accent1"/>
+            </a:fillRef>
+            <a:effectRef idx="0">
+              <a:schemeClr val="accent1"/>
+            </a:effectRef>
+            <a:fontRef idx="minor">
+              <a:schemeClr val="lt1"/>
+            </a:fontRef>
+          </p:style>
+          <p:txBody>
+            <a:bodyPr rtlCol="0" anchor="ctr"/>
+            <a:lstStyle/>
+            <a:p>
+              <a:pPr algn="ctr"/>
+              <a:endParaRPr lang="en-US"/>
+            </a:p>
+          </p:txBody>
+        </p:sp>
+      </p:grpSp>
+      <p:sp>
+        <p:nvSpPr>
+          <p:cNvPr id="28" name="Freeform 27"/>
+          <p:cNvSpPr/>
+          <p:nvPr/>
+        </p:nvSpPr>
+        <p:spPr>
+          <a:xfrm>
+            <a:off x="1900518" y="4195482"/>
+            <a:ext cx="1568823" cy="1497106"/>
+          </a:xfrm>
+          <a:custGeom>
+            <a:avLst/>
+            <a:gdLst>
+              <a:gd name="connsiteX0" fmla="*/ 1568823 w 1568823"/>
+              <a:gd name="connsiteY0" fmla="*/ 1497106 h 1497106"/>
+              <a:gd name="connsiteX1" fmla="*/ 672353 w 1568823"/>
+              <a:gd name="connsiteY1" fmla="*/ 1192306 h 1497106"/>
+              <a:gd name="connsiteX2" fmla="*/ 0 w 1568823"/>
+              <a:gd name="connsiteY2" fmla="*/ 0 h 1497106"/>
+            </a:gdLst>
+            <a:ahLst/>
+            <a:cxnLst>
+              <a:cxn ang="0">
+                <a:pos x="connsiteX0" y="connsiteY0"/>
+              </a:cxn>
+              <a:cxn ang="0">
+                <a:pos x="connsiteX1" y="connsiteY1"/>
+              </a:cxn>
+              <a:cxn ang="0">
+                <a:pos x="connsiteX2" y="connsiteY2"/>
+              </a:cxn>
+            </a:cxnLst>
+            <a:rect l="l" t="t" r="r" b="b"/>
+            <a:pathLst>
+              <a:path w="1568823" h="1497106">
+                <a:moveTo>
+                  <a:pt x="1568823" y="1497106"/>
+                </a:moveTo>
+                <a:cubicBezTo>
+                  <a:pt x="1251323" y="1469465"/>
+                  <a:pt x="933823" y="1441824"/>
+                  <a:pt x="672353" y="1192306"/>
+                </a:cubicBezTo>
+                <a:cubicBezTo>
+                  <a:pt x="410883" y="942788"/>
+                  <a:pt x="112059" y="201706"/>
+                  <a:pt x="0" y="0"/>
+                </a:cubicBezTo>
+              </a:path>
+            </a:pathLst>
+          </a:custGeom>
+          <a:noFill/>
+          <a:ln w="57150">
+            <a:solidFill>
+              <a:schemeClr val="tx1"/>
+            </a:solidFill>
+            <a:headEnd type="none" w="med" len="med"/>
+            <a:tailEnd type="triangle" w="med" len="med"/>
+          </a:ln>
+        </p:spPr>
+        <p:style>
+          <a:lnRef idx="2">
+            <a:schemeClr val="accent1">
+              <a:shade val="50000"/>
+            </a:schemeClr>
+          </a:lnRef>
+          <a:fillRef idx="1">
+            <a:schemeClr val="accent1"/>
+          </a:fillRef>
+          <a:effectRef idx="0">
+            <a:schemeClr val="accent1"/>
+          </a:effectRef>
+          <a:fontRef idx="minor">
+            <a:schemeClr val="lt1"/>
+          </a:fontRef>
+        </p:style>
+        <p:txBody>
+          <a:bodyPr rtlCol="0" anchor="ctr"/>
+          <a:lstStyle/>
+          <a:p>
+            <a:pPr algn="ctr"/>
+            <a:endParaRPr lang="en-US"/>
+          </a:p>
+        </p:txBody>
+      </p:sp>
+      <p:sp>
+        <p:nvSpPr>
+          <p:cNvPr id="29" name="Freeform 28"/>
+          <p:cNvSpPr/>
+          <p:nvPr/>
+        </p:nvSpPr>
+        <p:spPr>
+          <a:xfrm>
+            <a:off x="1963271" y="4276165"/>
+            <a:ext cx="1479176" cy="884459"/>
+          </a:xfrm>
+          <a:custGeom>
+            <a:avLst/>
+            <a:gdLst>
+              <a:gd name="connsiteX0" fmla="*/ 1479176 w 1479176"/>
+              <a:gd name="connsiteY0" fmla="*/ 806823 h 884459"/>
+              <a:gd name="connsiteX1" fmla="*/ 618564 w 1479176"/>
+              <a:gd name="connsiteY1" fmla="*/ 806823 h 884459"/>
+              <a:gd name="connsiteX2" fmla="*/ 0 w 1479176"/>
+              <a:gd name="connsiteY2" fmla="*/ 0 h 884459"/>
+            </a:gdLst>
+            <a:ahLst/>
+            <a:cxnLst>
+              <a:cxn ang="0">
+                <a:pos x="connsiteX0" y="connsiteY0"/>
+              </a:cxn>
+              <a:cxn ang="0">
+                <a:pos x="connsiteX1" y="connsiteY1"/>
+              </a:cxn>
+              <a:cxn ang="0">
+                <a:pos x="connsiteX2" y="connsiteY2"/>
+              </a:cxn>
+            </a:cxnLst>
+            <a:rect l="l" t="t" r="r" b="b"/>
+            <a:pathLst>
+              <a:path w="1479176" h="884459">
+                <a:moveTo>
+                  <a:pt x="1479176" y="806823"/>
+                </a:moveTo>
+                <a:cubicBezTo>
+                  <a:pt x="1172134" y="874058"/>
+                  <a:pt x="865093" y="941294"/>
+                  <a:pt x="618564" y="806823"/>
+                </a:cubicBezTo>
+                <a:cubicBezTo>
+                  <a:pt x="372035" y="672352"/>
+                  <a:pt x="83670" y="153894"/>
+                  <a:pt x="0" y="0"/>
+                </a:cubicBezTo>
+              </a:path>
+            </a:pathLst>
+          </a:custGeom>
+          <a:noFill/>
+          <a:ln w="57150">
+            <a:solidFill>
+              <a:schemeClr val="tx1"/>
+            </a:solidFill>
+          </a:ln>
+        </p:spPr>
+        <p:style>
+          <a:lnRef idx="2">
+            <a:schemeClr val="accent1">
+              <a:shade val="50000"/>
+            </a:schemeClr>
+          </a:lnRef>
+          <a:fillRef idx="1">
+            <a:schemeClr val="accent1"/>
+          </a:fillRef>
+          <a:effectRef idx="0">
+            <a:schemeClr val="accent1"/>
+          </a:effectRef>
+          <a:fontRef idx="minor">
+            <a:schemeClr val="lt1"/>
+          </a:fontRef>
+        </p:style>
+        <p:txBody>
+          <a:bodyPr rtlCol="0" anchor="ctr"/>
+          <a:lstStyle/>
+          <a:p>
+            <a:pPr algn="ctr"/>
+            <a:endParaRPr lang="en-US"/>
+          </a:p>
+        </p:txBody>
+      </p:sp>
+      <p:sp>
+        <p:nvSpPr>
+          <p:cNvPr id="32" name="Freeform 31"/>
+          <p:cNvSpPr/>
+          <p:nvPr/>
+        </p:nvSpPr>
+        <p:spPr>
+          <a:xfrm>
+            <a:off x="2115671" y="3887468"/>
+            <a:ext cx="1308847" cy="514574"/>
+          </a:xfrm>
+          <a:custGeom>
+            <a:avLst/>
+            <a:gdLst>
+              <a:gd name="connsiteX0" fmla="*/ 1308847 w 1308847"/>
+              <a:gd name="connsiteY0" fmla="*/ 478344 h 514574"/>
+              <a:gd name="connsiteX1" fmla="*/ 1039905 w 1308847"/>
+              <a:gd name="connsiteY1" fmla="*/ 478344 h 514574"/>
+              <a:gd name="connsiteX2" fmla="*/ 1013011 w 1308847"/>
+              <a:gd name="connsiteY2" fmla="*/ 101826 h 514574"/>
+              <a:gd name="connsiteX3" fmla="*/ 762000 w 1308847"/>
+              <a:gd name="connsiteY3" fmla="*/ 12179 h 514574"/>
+              <a:gd name="connsiteX4" fmla="*/ 0 w 1308847"/>
+              <a:gd name="connsiteY4" fmla="*/ 3214 h 514574"/>
+            </a:gdLst>
+            <a:ahLst/>
+            <a:cxnLst>
+              <a:cxn ang="0">
+                <a:pos x="connsiteX0" y="connsiteY0"/>
+              </a:cxn>
+              <a:cxn ang="0">
+                <a:pos x="connsiteX1" y="connsiteY1"/>
+              </a:cxn>
+              <a:cxn ang="0">
+                <a:pos x="connsiteX2" y="connsiteY2"/>
+              </a:cxn>
+              <a:cxn ang="0">
+                <a:pos x="connsiteX3" y="connsiteY3"/>
+              </a:cxn>
+              <a:cxn ang="0">
+                <a:pos x="connsiteX4" y="connsiteY4"/>
+              </a:cxn>
+            </a:cxnLst>
+            <a:rect l="l" t="t" r="r" b="b"/>
+            <a:pathLst>
+              <a:path w="1308847" h="514574">
+                <a:moveTo>
+                  <a:pt x="1308847" y="478344"/>
+                </a:moveTo>
+                <a:cubicBezTo>
+                  <a:pt x="1199029" y="509720"/>
+                  <a:pt x="1089211" y="541097"/>
+                  <a:pt x="1039905" y="478344"/>
+                </a:cubicBezTo>
+                <a:cubicBezTo>
+                  <a:pt x="990599" y="415591"/>
+                  <a:pt x="1059329" y="179520"/>
+                  <a:pt x="1013011" y="101826"/>
+                </a:cubicBezTo>
+                <a:cubicBezTo>
+                  <a:pt x="966693" y="24132"/>
+                  <a:pt x="930835" y="28614"/>
+                  <a:pt x="762000" y="12179"/>
+                </a:cubicBezTo>
+                <a:cubicBezTo>
+                  <a:pt x="593165" y="-4256"/>
+                  <a:pt x="296582" y="-521"/>
+                  <a:pt x="0" y="3214"/>
+                </a:cubicBezTo>
+              </a:path>
+            </a:pathLst>
+          </a:custGeom>
+          <a:noFill/>
+          <a:ln w="57150">
+            <a:solidFill>
+              <a:schemeClr val="tx1"/>
+            </a:solidFill>
+            <a:headEnd type="none" w="med" len="med"/>
+            <a:tailEnd type="triangle" w="med" len="med"/>
+          </a:ln>
+        </p:spPr>
+        <p:style>
+          <a:lnRef idx="2">
+            <a:schemeClr val="accent1">
+              <a:shade val="50000"/>
+            </a:schemeClr>
+          </a:lnRef>
+          <a:fillRef idx="1">
+            <a:schemeClr val="accent1"/>
+          </a:fillRef>
+          <a:effectRef idx="0">
+            <a:schemeClr val="accent1"/>
+          </a:effectRef>
+          <a:fontRef idx="minor">
+            <a:schemeClr val="lt1"/>
+          </a:fontRef>
+        </p:style>
+        <p:txBody>
+          <a:bodyPr rtlCol="0" anchor="ctr"/>
+          <a:lstStyle/>
+          <a:p>
+            <a:pPr algn="ctr"/>
+            <a:endParaRPr lang="en-US"/>
+          </a:p>
+        </p:txBody>
+      </p:sp>
+      <p:sp>
+        <p:nvSpPr>
+          <p:cNvPr id="33" name="Freeform 32"/>
+          <p:cNvSpPr/>
+          <p:nvPr/>
+        </p:nvSpPr>
+        <p:spPr>
+          <a:xfrm>
+            <a:off x="2241176" y="3674928"/>
+            <a:ext cx="1237130" cy="197826"/>
+          </a:xfrm>
+          <a:custGeom>
+            <a:avLst/>
+            <a:gdLst>
+              <a:gd name="connsiteX0" fmla="*/ 1237130 w 1237130"/>
+              <a:gd name="connsiteY0" fmla="*/ 36461 h 197826"/>
+              <a:gd name="connsiteX1" fmla="*/ 887506 w 1237130"/>
+              <a:gd name="connsiteY1" fmla="*/ 9567 h 197826"/>
+              <a:gd name="connsiteX2" fmla="*/ 824753 w 1237130"/>
+              <a:gd name="connsiteY2" fmla="*/ 179896 h 197826"/>
+              <a:gd name="connsiteX3" fmla="*/ 537883 w 1237130"/>
+              <a:gd name="connsiteY3" fmla="*/ 179896 h 197826"/>
+              <a:gd name="connsiteX4" fmla="*/ 0 w 1237130"/>
+              <a:gd name="connsiteY4" fmla="*/ 197826 h 197826"/>
+              <a:gd name="connsiteX5" fmla="*/ 0 w 1237130"/>
+              <a:gd name="connsiteY5" fmla="*/ 197826 h 197826"/>
+            </a:gdLst>
+            <a:ahLst/>
+            <a:cxnLst>
+              <a:cxn ang="0">
+                <a:pos x="connsiteX0" y="connsiteY0"/>
+              </a:cxn>
+              <a:cxn ang="0">
+                <a:pos x="connsiteX1" y="connsiteY1"/>
+              </a:cxn>
+              <a:cxn ang="0">
+                <a:pos x="connsiteX2" y="connsiteY2"/>
+              </a:cxn>
+              <a:cxn ang="0">
+                <a:pos x="connsiteX3" y="connsiteY3"/>
+              </a:cxn>
+              <a:cxn ang="0">
+                <a:pos x="connsiteX4" y="connsiteY4"/>
+              </a:cxn>
+              <a:cxn ang="0">
+                <a:pos x="connsiteX5" y="connsiteY5"/>
+              </a:cxn>
+            </a:cxnLst>
+            <a:rect l="l" t="t" r="r" b="b"/>
+            <a:pathLst>
+              <a:path w="1237130" h="197826">
+                <a:moveTo>
+                  <a:pt x="1237130" y="36461"/>
+                </a:moveTo>
+                <a:cubicBezTo>
+                  <a:pt x="1096682" y="11061"/>
+                  <a:pt x="956235" y="-14339"/>
+                  <a:pt x="887506" y="9567"/>
+                </a:cubicBezTo>
+                <a:cubicBezTo>
+                  <a:pt x="818777" y="33473"/>
+                  <a:pt x="883023" y="151508"/>
+                  <a:pt x="824753" y="179896"/>
+                </a:cubicBezTo>
+                <a:cubicBezTo>
+                  <a:pt x="766483" y="208284"/>
+                  <a:pt x="675342" y="176908"/>
+                  <a:pt x="537883" y="179896"/>
+                </a:cubicBezTo>
+                <a:cubicBezTo>
+                  <a:pt x="400424" y="182884"/>
+                  <a:pt x="0" y="197826"/>
+                  <a:pt x="0" y="197826"/>
+                </a:cubicBezTo>
+                <a:lnTo>
+                  <a:pt x="0" y="197826"/>
+                </a:lnTo>
+              </a:path>
+            </a:pathLst>
+          </a:custGeom>
+          <a:noFill/>
+          <a:ln w="57150">
+            <a:solidFill>
+              <a:schemeClr val="tx1"/>
+            </a:solidFill>
+          </a:ln>
+        </p:spPr>
+        <p:style>
+          <a:lnRef idx="2">
+            <a:schemeClr val="accent1">
+              <a:shade val="50000"/>
+            </a:schemeClr>
+          </a:lnRef>
+          <a:fillRef idx="1">
+            <a:schemeClr val="accent1"/>
+          </a:fillRef>
+          <a:effectRef idx="0">
+            <a:schemeClr val="accent1"/>
+          </a:effectRef>
+          <a:fontRef idx="minor">
+            <a:schemeClr val="lt1"/>
+          </a:fontRef>
+        </p:style>
+        <p:txBody>
+          <a:bodyPr rtlCol="0" anchor="ctr"/>
+          <a:lstStyle/>
+          <a:p>
+            <a:pPr algn="ctr"/>
+            <a:endParaRPr lang="en-US"/>
+          </a:p>
+        </p:txBody>
+      </p:sp>
+      <p:sp>
+        <p:nvSpPr>
+          <p:cNvPr id="34" name="Freeform 33"/>
+          <p:cNvSpPr/>
+          <p:nvPr/>
+        </p:nvSpPr>
+        <p:spPr>
+          <a:xfrm>
+            <a:off x="1909482" y="2839607"/>
+            <a:ext cx="1524000" cy="647664"/>
+          </a:xfrm>
+          <a:custGeom>
+            <a:avLst/>
+            <a:gdLst>
+              <a:gd name="connsiteX0" fmla="*/ 1524000 w 1524000"/>
+              <a:gd name="connsiteY0" fmla="*/ 20134 h 647664"/>
+              <a:gd name="connsiteX1" fmla="*/ 681318 w 1524000"/>
+              <a:gd name="connsiteY1" fmla="*/ 11169 h 647664"/>
+              <a:gd name="connsiteX2" fmla="*/ 340659 w 1524000"/>
+              <a:gd name="connsiteY2" fmla="*/ 154605 h 647664"/>
+              <a:gd name="connsiteX3" fmla="*/ 0 w 1524000"/>
+              <a:gd name="connsiteY3" fmla="*/ 647664 h 647664"/>
+            </a:gdLst>
+            <a:ahLst/>
+            <a:cxnLst>
+              <a:cxn ang="0">
+                <a:pos x="connsiteX0" y="connsiteY0"/>
+              </a:cxn>
+              <a:cxn ang="0">
+                <a:pos x="connsiteX1" y="connsiteY1"/>
+              </a:cxn>
+              <a:cxn ang="0">
+                <a:pos x="connsiteX2" y="connsiteY2"/>
+              </a:cxn>
+              <a:cxn ang="0">
+                <a:pos x="connsiteX3" y="connsiteY3"/>
+              </a:cxn>
+            </a:cxnLst>
+            <a:rect l="l" t="t" r="r" b="b"/>
+            <a:pathLst>
+              <a:path w="1524000" h="647664">
+                <a:moveTo>
+                  <a:pt x="1524000" y="20134"/>
+                </a:moveTo>
+                <a:cubicBezTo>
+                  <a:pt x="1201270" y="4445"/>
+                  <a:pt x="878541" y="-11243"/>
+                  <a:pt x="681318" y="11169"/>
+                </a:cubicBezTo>
+                <a:cubicBezTo>
+                  <a:pt x="484095" y="33581"/>
+                  <a:pt x="454212" y="48523"/>
+                  <a:pt x="340659" y="154605"/>
+                </a:cubicBezTo>
+                <a:cubicBezTo>
+                  <a:pt x="227106" y="260688"/>
+                  <a:pt x="113553" y="454176"/>
+                  <a:pt x="0" y="647664"/>
+                </a:cubicBezTo>
+              </a:path>
+            </a:pathLst>
+          </a:custGeom>
+          <a:noFill/>
+          <a:ln w="57150">
+            <a:solidFill>
+              <a:schemeClr val="tx1"/>
+            </a:solidFill>
+            <a:headEnd type="none" w="med" len="med"/>
+            <a:tailEnd type="triangle" w="med" len="med"/>
+          </a:ln>
+        </p:spPr>
+        <p:style>
+          <a:lnRef idx="2">
+            <a:schemeClr val="accent1">
+              <a:shade val="50000"/>
+            </a:schemeClr>
+          </a:lnRef>
+          <a:fillRef idx="1">
+            <a:schemeClr val="accent1"/>
+          </a:fillRef>
+          <a:effectRef idx="0">
+            <a:schemeClr val="accent1"/>
+          </a:effectRef>
+          <a:fontRef idx="minor">
+            <a:schemeClr val="lt1"/>
+          </a:fontRef>
+        </p:style>
+        <p:txBody>
+          <a:bodyPr rtlCol="0" anchor="ctr"/>
+          <a:lstStyle/>
+          <a:p>
+            <a:pPr algn="ctr"/>
+            <a:endParaRPr lang="en-US"/>
+          </a:p>
+        </p:txBody>
+      </p:sp>
+    </p:spTree>
+    <p:extLst>
+      <p:ext uri="{BB962C8B-B14F-4D97-AF65-F5344CB8AC3E}">
+        <p14:creationId xmlns:p14="http://schemas.microsoft.com/office/powerpoint/2010/main" val="758596702"/>
+      </p:ext>
+    </p:extLst>
+  </p:cSld>
+  <p:clrMapOvr>
+    <a:masterClrMapping/>
+  </p:clrMapOvr>
+  <p:timing>
+    <p:tnLst>
+      <p:par>
+        <p:cTn id="1" dur="indefinite" restart="never" nodeType="tmRoot"/>
+      </p:par>
+    </p:tnLst>
+  </p:timing>
+</p:sld>
+</file>
+
+<file path=ppt/slides/slide9.xml><?xml version="1.0" encoding="utf-8"?>
+<p:sld xmlns:a="http://schemas.openxmlformats.org/drawingml/2006/main" xmlns:r="http://schemas.openxmlformats.org/officeDocument/2006/relationships" xmlns:p="http://schemas.openxmlformats.org/presentationml/2006/main">
+  <p:cSld>
+    <p:spTree>
+      <p:nvGrpSpPr>
+        <p:cNvPr id="1" name=""/>
+        <p:cNvGrpSpPr/>
+        <p:nvPr/>
+      </p:nvGrpSpPr>
+      <p:grpSpPr>
+        <a:xfrm>
+          <a:off x="0" y="0"/>
+          <a:ext cx="0" cy="0"/>
+          <a:chOff x="0" y="0"/>
+          <a:chExt cx="0" cy="0"/>
+        </a:xfrm>
+      </p:grpSpPr>
+      <p:pic>
+        <p:nvPicPr>
+          <p:cNvPr id="5" name="Picture 4"/>
+          <p:cNvPicPr>
+            <a:picLocks noChangeAspect="1"/>
+          </p:cNvPicPr>
+          <p:nvPr/>
+        </p:nvPicPr>
+        <p:blipFill>
+          <a:blip r:embed="rId3"/>
+          <a:stretch>
+            <a:fillRect/>
+          </a:stretch>
+        </p:blipFill>
+        <p:spPr>
+          <a:xfrm>
+            <a:off x="0" y="1218574"/>
+            <a:ext cx="12192000" cy="5639426"/>
+          </a:xfrm>
+          <a:prstGeom prst="rect">
+            <a:avLst/>
+          </a:prstGeom>
+        </p:spPr>
+      </p:pic>
+      <p:sp>
+        <p:nvSpPr>
+          <p:cNvPr id="3" name="TextBox 2"/>
+          <p:cNvSpPr txBox="1"/>
+          <p:nvPr/>
+        </p:nvSpPr>
+        <p:spPr>
+          <a:xfrm>
+            <a:off x="172934" y="32097"/>
+            <a:ext cx="10759132" cy="1600438"/>
+          </a:xfrm>
+          <a:prstGeom prst="rect">
+            <a:avLst/>
+          </a:prstGeom>
+          <a:noFill/>
+        </p:spPr>
+        <p:txBody>
+          <a:bodyPr wrap="square" rtlCol="0">
+            <a:spAutoFit/>
+          </a:bodyPr>
+          <a:lstStyle/>
+          <a:p>
+            <a:r>
+              <a:rPr lang="en-US" sz="1400" dirty="0" smtClean="0"/>
+              <a:t>How do they work?</a:t>
+            </a:r>
+          </a:p>
+          <a:p>
+            <a:pPr marL="342900" indent="-342900">
+              <a:buAutoNum type="arabicParenR"/>
+            </a:pPr>
+            <a:r>
+              <a:rPr lang="en-US" sz="1400" dirty="0" smtClean="0"/>
+              <a:t>We have a 5 selector switch</a:t>
+            </a:r>
+          </a:p>
+          <a:p>
+            <a:pPr marL="800100" lvl="1" indent="-342900">
+              <a:buAutoNum type="arabicParenR"/>
+            </a:pPr>
+            <a:r>
+              <a:rPr lang="en-US" sz="1400" b="1" dirty="0" smtClean="0"/>
+              <a:t>Off</a:t>
+            </a:r>
+          </a:p>
+          <a:p>
+            <a:pPr marL="800100" lvl="1" indent="-342900">
+              <a:buAutoNum type="arabicParenR"/>
+            </a:pPr>
+            <a:r>
+              <a:rPr lang="en-US" sz="1400" dirty="0" smtClean="0"/>
+              <a:t>Just cross (don’t shoot)</a:t>
+            </a:r>
+          </a:p>
+          <a:p>
+            <a:pPr marL="800100" lvl="1" indent="-342900">
+              <a:buAutoNum type="arabicParenR"/>
+            </a:pPr>
+            <a:r>
+              <a:rPr lang="en-US" sz="1400" dirty="0" smtClean="0"/>
+              <a:t>Shoot after crossing defense 1 or 2</a:t>
+            </a:r>
+          </a:p>
+          <a:p>
+            <a:pPr marL="800100" lvl="1" indent="-342900">
+              <a:buAutoNum type="arabicParenR"/>
+            </a:pPr>
+            <a:r>
+              <a:rPr lang="en-US" sz="1400" dirty="0"/>
+              <a:t>Shoot after crossing defense 3 </a:t>
+            </a:r>
+            <a:r>
+              <a:rPr lang="en-US" sz="1400" dirty="0" smtClean="0"/>
+              <a:t>or</a:t>
+            </a:r>
+            <a:r>
+              <a:rPr lang="en-US" sz="1400" dirty="0" smtClean="0"/>
+              <a:t> 4</a:t>
+            </a:r>
+          </a:p>
+          <a:p>
+            <a:pPr marL="800100" lvl="1" indent="-342900">
+              <a:buAutoNum type="arabicParenR"/>
+            </a:pPr>
+            <a:r>
+              <a:rPr lang="en-US" sz="1400" dirty="0"/>
+              <a:t>Shoot after crossing defense </a:t>
+            </a:r>
+            <a:r>
+              <a:rPr lang="en-US" sz="1400" dirty="0" smtClean="0"/>
+              <a:t>5</a:t>
+            </a:r>
+            <a:endParaRPr lang="en-US" sz="1400" dirty="0" smtClean="0"/>
+          </a:p>
+        </p:txBody>
+      </p:sp>
+      <p:grpSp>
+        <p:nvGrpSpPr>
+          <p:cNvPr id="4" name="Group 3"/>
+          <p:cNvGrpSpPr/>
+          <p:nvPr/>
+        </p:nvGrpSpPr>
+        <p:grpSpPr>
+          <a:xfrm rot="16200000">
+            <a:off x="5475799" y="2604060"/>
+            <a:ext cx="354227" cy="619897"/>
+            <a:chOff x="4950941" y="24714"/>
+            <a:chExt cx="790832" cy="1383956"/>
+          </a:xfrm>
+        </p:grpSpPr>
+        <p:sp>
+          <p:nvSpPr>
+            <p:cNvPr id="6" name="Octagon 5"/>
+            <p:cNvSpPr/>
+            <p:nvPr/>
+          </p:nvSpPr>
+          <p:spPr>
+            <a:xfrm>
+              <a:off x="4950941" y="395416"/>
+              <a:ext cx="790832" cy="1013254"/>
+            </a:xfrm>
+            <a:prstGeom prst="octagon">
+              <a:avLst/>
+            </a:prstGeom>
+          </p:spPr>
+          <p:style>
+            <a:lnRef idx="2">
+              <a:schemeClr val="accent1">
+                <a:shade val="50000"/>
+              </a:schemeClr>
+            </a:lnRef>
+            <a:fillRef idx="1">
+              <a:schemeClr val="accent1"/>
+            </a:fillRef>
+            <a:effectRef idx="0">
+              <a:schemeClr val="accent1"/>
+            </a:effectRef>
+            <a:fontRef idx="minor">
+              <a:schemeClr val="lt1"/>
+            </a:fontRef>
+          </p:style>
+          <p:txBody>
+            <a:bodyPr rtlCol="0" anchor="ctr"/>
+            <a:lstStyle/>
+            <a:p>
+              <a:pPr algn="ctr"/>
+              <a:endParaRPr lang="en-US"/>
+            </a:p>
+          </p:txBody>
+        </p:sp>
+        <p:sp>
+          <p:nvSpPr>
+            <p:cNvPr id="7" name="Moon 6"/>
+            <p:cNvSpPr/>
+            <p:nvPr/>
+          </p:nvSpPr>
+          <p:spPr>
+            <a:xfrm rot="16200000">
+              <a:off x="5161006" y="-160637"/>
+              <a:ext cx="370702" cy="741404"/>
+            </a:xfrm>
+            <a:prstGeom prst="moon">
+              <a:avLst/>
+            </a:prstGeom>
+          </p:spPr>
+          <p:style>
+            <a:lnRef idx="2">
+              <a:schemeClr val="accent1">
+                <a:shade val="50000"/>
+              </a:schemeClr>
+            </a:lnRef>
+            <a:fillRef idx="1">
+              <a:schemeClr val="accent1"/>
+            </a:fillRef>
+            <a:effectRef idx="0">
+              <a:schemeClr val="accent1"/>
+            </a:effectRef>
+            <a:fontRef idx="minor">
+              <a:schemeClr val="lt1"/>
+            </a:fontRef>
+          </p:style>
+          <p:txBody>
+            <a:bodyPr rtlCol="0" anchor="ctr"/>
+            <a:lstStyle/>
+            <a:p>
+              <a:pPr algn="ctr"/>
+              <a:endParaRPr lang="en-US"/>
+            </a:p>
+          </p:txBody>
+        </p:sp>
+      </p:grpSp>
+    </p:spTree>
+    <p:extLst>
+      <p:ext uri="{BB962C8B-B14F-4D97-AF65-F5344CB8AC3E}">
+        <p14:creationId xmlns:p14="http://schemas.microsoft.com/office/powerpoint/2010/main" val="3225029978"/>
+      </p:ext>
+    </p:extLst>
+  </p:cSld>
+  <p:clrMapOvr>
+    <a:masterClrMapping/>
+  </p:clrMapOvr>
+  <p:timing>
+    <p:tnLst>
+      <p:par>
+        <p:cTn id="1" dur="indefinite" restart="never" nodeType="tmRoot"/>
+      </p:par>
+    </p:tnLst>
+  </p:timing>
 </p:sld>
 </file>
 
@@ -3996,4 +11237,265 @@
     </a:ext>
   </a:extLst>
 </a:theme>
+</file>
+
+<file path=ppt/theme/theme2.xml><?xml version="1.0" encoding="utf-8"?>
+<a:theme xmlns:a="http://schemas.openxmlformats.org/drawingml/2006/main" name="Office Theme">
+  <a:themeElements>
+    <a:clrScheme name="Office">
+      <a:dk1>
+        <a:sysClr val="windowText" lastClr="000000"/>
+      </a:dk1>
+      <a:lt1>
+        <a:sysClr val="window" lastClr="FFFFFF"/>
+      </a:lt1>
+      <a:dk2>
+        <a:srgbClr val="44546A"/>
+      </a:dk2>
+      <a:lt2>
+        <a:srgbClr val="E7E6E6"/>
+      </a:lt2>
+      <a:accent1>
+        <a:srgbClr val="5B9BD5"/>
+      </a:accent1>
+      <a:accent2>
+        <a:srgbClr val="ED7D31"/>
+      </a:accent2>
+      <a:accent3>
+        <a:srgbClr val="A5A5A5"/>
+      </a:accent3>
+      <a:accent4>
+        <a:srgbClr val="FFC000"/>
+      </a:accent4>
+      <a:accent5>
+        <a:srgbClr val="4472C4"/>
+      </a:accent5>
+      <a:accent6>
+        <a:srgbClr val="70AD47"/>
+      </a:accent6>
+      <a:hlink>
+        <a:srgbClr val="0563C1"/>
+      </a:hlink>
+      <a:folHlink>
+        <a:srgbClr val="954F72"/>
+      </a:folHlink>
+    </a:clrScheme>
+    <a:fontScheme name="Office">
+      <a:majorFont>
+        <a:latin typeface="Calibri Light" panose="020F0302020204030204"/>
+        <a:ea typeface=""/>
+        <a:cs typeface=""/>
+        <a:font script="Jpan" typeface="ＭＳ Ｐゴシック"/>
+        <a:font script="Hang" typeface="맑은 고딕"/>
+        <a:font script="Hans" typeface="宋体"/>
+        <a:font script="Hant" typeface="新細明體"/>
+        <a:font script="Arab" typeface="Times New Roman"/>
+        <a:font script="Hebr" typeface="Times New Roman"/>
+        <a:font script="Thai" typeface="Angsana New"/>
+        <a:font script="Ethi" typeface="Nyala"/>
+        <a:font script="Beng" typeface="Vrinda"/>
+        <a:font script="Gujr" typeface="Shruti"/>
+        <a:font script="Khmr" typeface="MoolBoran"/>
+        <a:font script="Knda" typeface="Tunga"/>
+        <a:font script="Guru" typeface="Raavi"/>
+        <a:font script="Cans" typeface="Euphemia"/>
+        <a:font script="Cher" typeface="Plantagenet Cherokee"/>
+        <a:font script="Yiii" typeface="Microsoft Yi Baiti"/>
+        <a:font script="Tibt" typeface="Microsoft Himalaya"/>
+        <a:font script="Thaa" typeface="MV Boli"/>
+        <a:font script="Deva" typeface="Mangal"/>
+        <a:font script="Telu" typeface="Gautami"/>
+        <a:font script="Taml" typeface="Latha"/>
+        <a:font script="Syrc" typeface="Estrangelo Edessa"/>
+        <a:font script="Orya" typeface="Kalinga"/>
+        <a:font script="Mlym" typeface="Kartika"/>
+        <a:font script="Laoo" typeface="DokChampa"/>
+        <a:font script="Sinh" typeface="Iskoola Pota"/>
+        <a:font script="Mong" typeface="Mongolian Baiti"/>
+        <a:font script="Viet" typeface="Times New Roman"/>
+        <a:font script="Uigh" typeface="Microsoft Uighur"/>
+        <a:font script="Geor" typeface="Sylfaen"/>
+      </a:majorFont>
+      <a:minorFont>
+        <a:latin typeface="Calibri" panose="020F0502020204030204"/>
+        <a:ea typeface=""/>
+        <a:cs typeface=""/>
+        <a:font script="Jpan" typeface="ＭＳ Ｐゴシック"/>
+        <a:font script="Hang" typeface="맑은 고딕"/>
+        <a:font script="Hans" typeface="宋体"/>
+        <a:font script="Hant" typeface="新細明體"/>
+        <a:font script="Arab" typeface="Arial"/>
+        <a:font script="Hebr" typeface="Arial"/>
+        <a:font script="Thai" typeface="Cordia New"/>
+        <a:font script="Ethi" typeface="Nyala"/>
+        <a:font script="Beng" typeface="Vrinda"/>
+        <a:font script="Gujr" typeface="Shruti"/>
+        <a:font script="Khmr" typeface="DaunPenh"/>
+        <a:font script="Knda" typeface="Tunga"/>
+        <a:font script="Guru" typeface="Raavi"/>
+        <a:font script="Cans" typeface="Euphemia"/>
+        <a:font script="Cher" typeface="Plantagenet Cherokee"/>
+        <a:font script="Yiii" typeface="Microsoft Yi Baiti"/>
+        <a:font script="Tibt" typeface="Microsoft Himalaya"/>
+        <a:font script="Thaa" typeface="MV Boli"/>
+        <a:font script="Deva" typeface="Mangal"/>
+        <a:font script="Telu" typeface="Gautami"/>
+        <a:font script="Taml" typeface="Latha"/>
+        <a:font script="Syrc" typeface="Estrangelo Edessa"/>
+        <a:font script="Orya" typeface="Kalinga"/>
+        <a:font script="Mlym" typeface="Kartika"/>
+        <a:font script="Laoo" typeface="DokChampa"/>
+        <a:font script="Sinh" typeface="Iskoola Pota"/>
+        <a:font script="Mong" typeface="Mongolian Baiti"/>
+        <a:font script="Viet" typeface="Arial"/>
+        <a:font script="Uigh" typeface="Microsoft Uighur"/>
+        <a:font script="Geor" typeface="Sylfaen"/>
+      </a:minorFont>
+    </a:fontScheme>
+    <a:fmtScheme name="Office">
+      <a:fillStyleLst>
+        <a:solidFill>
+          <a:schemeClr val="phClr"/>
+        </a:solidFill>
+        <a:gradFill rotWithShape="1">
+          <a:gsLst>
+            <a:gs pos="0">
+              <a:schemeClr val="phClr">
+                <a:lumMod val="110000"/>
+                <a:satMod val="105000"/>
+                <a:tint val="67000"/>
+              </a:schemeClr>
+            </a:gs>
+            <a:gs pos="50000">
+              <a:schemeClr val="phClr">
+                <a:lumMod val="105000"/>
+                <a:satMod val="103000"/>
+                <a:tint val="73000"/>
+              </a:schemeClr>
+            </a:gs>
+            <a:gs pos="100000">
+              <a:schemeClr val="phClr">
+                <a:lumMod val="105000"/>
+                <a:satMod val="109000"/>
+                <a:tint val="81000"/>
+              </a:schemeClr>
+            </a:gs>
+          </a:gsLst>
+          <a:lin ang="5400000" scaled="0"/>
+        </a:gradFill>
+        <a:gradFill rotWithShape="1">
+          <a:gsLst>
+            <a:gs pos="0">
+              <a:schemeClr val="phClr">
+                <a:satMod val="103000"/>
+                <a:lumMod val="102000"/>
+                <a:tint val="94000"/>
+              </a:schemeClr>
+            </a:gs>
+            <a:gs pos="50000">
+              <a:schemeClr val="phClr">
+                <a:satMod val="110000"/>
+                <a:lumMod val="100000"/>
+                <a:shade val="100000"/>
+              </a:schemeClr>
+            </a:gs>
+            <a:gs pos="100000">
+              <a:schemeClr val="phClr">
+                <a:lumMod val="99000"/>
+                <a:satMod val="120000"/>
+                <a:shade val="78000"/>
+              </a:schemeClr>
+            </a:gs>
+          </a:gsLst>
+          <a:lin ang="5400000" scaled="0"/>
+        </a:gradFill>
+      </a:fillStyleLst>
+      <a:lnStyleLst>
+        <a:ln w="6350" cap="flat" cmpd="sng" algn="ctr">
+          <a:solidFill>
+            <a:schemeClr val="phClr"/>
+          </a:solidFill>
+          <a:prstDash val="solid"/>
+          <a:miter lim="800000"/>
+        </a:ln>
+        <a:ln w="12700" cap="flat" cmpd="sng" algn="ctr">
+          <a:solidFill>
+            <a:schemeClr val="phClr"/>
+          </a:solidFill>
+          <a:prstDash val="solid"/>
+          <a:miter lim="800000"/>
+        </a:ln>
+        <a:ln w="19050" cap="flat" cmpd="sng" algn="ctr">
+          <a:solidFill>
+            <a:schemeClr val="phClr"/>
+          </a:solidFill>
+          <a:prstDash val="solid"/>
+          <a:miter lim="800000"/>
+        </a:ln>
+      </a:lnStyleLst>
+      <a:effectStyleLst>
+        <a:effectStyle>
+          <a:effectLst/>
+        </a:effectStyle>
+        <a:effectStyle>
+          <a:effectLst/>
+        </a:effectStyle>
+        <a:effectStyle>
+          <a:effectLst>
+            <a:outerShdw blurRad="57150" dist="19050" dir="5400000" algn="ctr" rotWithShape="0">
+              <a:srgbClr val="000000">
+                <a:alpha val="63000"/>
+              </a:srgbClr>
+            </a:outerShdw>
+          </a:effectLst>
+        </a:effectStyle>
+      </a:effectStyleLst>
+      <a:bgFillStyleLst>
+        <a:solidFill>
+          <a:schemeClr val="phClr"/>
+        </a:solidFill>
+        <a:solidFill>
+          <a:schemeClr val="phClr">
+            <a:tint val="95000"/>
+            <a:satMod val="170000"/>
+          </a:schemeClr>
+        </a:solidFill>
+        <a:gradFill rotWithShape="1">
+          <a:gsLst>
+            <a:gs pos="0">
+              <a:schemeClr val="phClr">
+                <a:tint val="93000"/>
+                <a:satMod val="150000"/>
+                <a:shade val="98000"/>
+                <a:lumMod val="102000"/>
+              </a:schemeClr>
+            </a:gs>
+            <a:gs pos="50000">
+              <a:schemeClr val="phClr">
+                <a:tint val="98000"/>
+                <a:satMod val="130000"/>
+                <a:shade val="90000"/>
+                <a:lumMod val="103000"/>
+              </a:schemeClr>
+            </a:gs>
+            <a:gs pos="100000">
+              <a:schemeClr val="phClr">
+                <a:shade val="63000"/>
+                <a:satMod val="120000"/>
+              </a:schemeClr>
+            </a:gs>
+          </a:gsLst>
+          <a:lin ang="5400000" scaled="0"/>
+        </a:gradFill>
+      </a:bgFillStyleLst>
+    </a:fmtScheme>
+  </a:themeElements>
+  <a:objectDefaults/>
+  <a:extraClrSchemeLst/>
+  <a:extLst>
+    <a:ext uri="{05A4C25C-085E-4340-85A3-A5531E510DB2}">
+      <thm15:themeFamily xmlns:thm15="http://schemas.microsoft.com/office/thememl/2012/main" name="Office Theme" id="{62F939B6-93AF-4DB8-9C6B-D6C7DFDC589F}" vid="{4A3C46E8-61CC-4603-A589-7422A47A8E4A}"/>
+    </a:ext>
+  </a:extLst>
+</a:theme>
 </file>